--- a/Visualizing DC's Open Data.pptx
+++ b/Visualizing DC's Open Data.pptx
@@ -33,6 +33,8 @@
     <p:sldId id="278" r:id="rId30"/>
     <p:sldId id="279" r:id="rId31"/>
     <p:sldId id="280" r:id="rId32"/>
+    <p:sldId id="281" r:id="rId33"/>
+    <p:sldId id="282" r:id="rId34"/>
   </p:sldIdLst>
   <p:sldSz cx="13004800" cy="9753600"/>
   <p:notesSz cx="6858000" cy="9144000"/>
@@ -4077,7 +4079,7 @@
       </p:grpSpPr>
       <p:sp>
         <p:nvSpPr>
-          <p:cNvPr id="204" name="Shape 204"/>
+          <p:cNvPr id="197" name="Shape 197"/>
           <p:cNvSpPr/>
           <p:nvPr>
             <p:ph type="title"/>
@@ -4090,33 +4092,43 @@
         </p:spPr>
         <p:txBody>
           <a:bodyPr/>
-          <a:lstStyle>
-            <a:lvl1pPr defTabSz="484886">
+          <a:lstStyle/>
+          <a:p>
+            <a:pPr defTabSz="484886">
               <a:defRPr spc="-122" sz="6142">
                 <a:solidFill>
                   <a:srgbClr val="D81E00"/>
                 </a:solidFill>
               </a:defRPr>
-            </a:lvl1pPr>
-          </a:lstStyle>
-          <a:p>
-            <a:pPr/>
-            <a:r>
-              <a:t>Common Data Transformations</a:t>
-            </a:r>
-          </a:p>
-        </p:txBody>
-      </p:sp>
-      <p:sp>
-        <p:nvSpPr>
-          <p:cNvPr id="205" name="Shape 205"/>
-          <p:cNvSpPr/>
-          <p:nvPr/>
-        </p:nvSpPr>
-        <p:spPr>
-          <a:xfrm>
-            <a:off x="293744" y="2908300"/>
-            <a:ext cx="5914912" cy="3937001"/>
+            </a:pPr>
+            <a:r>
+              <a:t>Should I viz </a:t>
+            </a:r>
+          </a:p>
+          <a:p>
+            <a:pPr defTabSz="484886">
+              <a:defRPr spc="-122" sz="6142">
+                <a:solidFill>
+                  <a:srgbClr val="D81E00"/>
+                </a:solidFill>
+              </a:defRPr>
+            </a:pPr>
+            <a:r>
+              <a:t>this data?</a:t>
+            </a:r>
+          </a:p>
+        </p:txBody>
+      </p:sp>
+      <p:sp>
+        <p:nvSpPr>
+          <p:cNvPr id="198" name="Shape 198"/>
+          <p:cNvSpPr/>
+          <p:nvPr/>
+        </p:nvSpPr>
+        <p:spPr>
+          <a:xfrm>
+            <a:off x="107983" y="2749549"/>
+            <a:ext cx="4939308" cy="5511801"/>
           </a:xfrm>
           <a:prstGeom prst="rect">
             <a:avLst/>
@@ -4131,7 +4143,7 @@
           </a:extLst>
         </p:spPr>
         <p:txBody>
-          <a:bodyPr lIns="50800" tIns="50800" rIns="50800" bIns="50800" anchor="ctr">
+          <a:bodyPr wrap="none" lIns="50800" tIns="50800" rIns="50800" bIns="50800" anchor="ctr">
             <a:spAutoFit/>
           </a:bodyPr>
           <a:lstStyle/>
@@ -4140,7 +4152,23 @@
               <a:defRPr sz="4800"/>
             </a:pPr>
             <a:r>
-              <a:t>Text analysis. </a:t>
+              <a:t>Is the data </a:t>
+            </a:r>
+          </a:p>
+          <a:p>
+            <a:pPr algn="l">
+              <a:defRPr sz="4800"/>
+            </a:pPr>
+            <a:r>
+              <a:t>representative of </a:t>
+            </a:r>
+          </a:p>
+          <a:p>
+            <a:pPr algn="l">
+              <a:defRPr sz="4800"/>
+            </a:pPr>
+            <a:r>
+              <a:t>the population?</a:t>
             </a:r>
           </a:p>
           <a:p>
@@ -4148,19 +4176,75 @@
               <a:defRPr sz="3600"/>
             </a:pPr>
             <a:r>
-              <a:t>Messy open text fields sometimes hold valuable information. </a:t>
+              <a:t>The Vision Zero Safety</a:t>
             </a:r>
           </a:p>
           <a:p>
             <a:pPr algn="l">
               <a:defRPr sz="3600"/>
             </a:pPr>
-          </a:p>
-        </p:txBody>
-      </p:sp>
-      <p:sp>
-        <p:nvSpPr>
-          <p:cNvPr id="206" name="Shape 206"/>
+            <a:r>
+              <a:t>Map shows locations</a:t>
+            </a:r>
+          </a:p>
+          <a:p>
+            <a:pPr algn="l">
+              <a:defRPr sz="3600"/>
+            </a:pPr>
+            <a:r>
+              <a:t>people have self-</a:t>
+            </a:r>
+          </a:p>
+          <a:p>
+            <a:pPr algn="l">
+              <a:defRPr sz="3600"/>
+            </a:pPr>
+            <a:r>
+              <a:t>reported online as </a:t>
+            </a:r>
+          </a:p>
+          <a:p>
+            <a:pPr algn="l">
+              <a:defRPr sz="3600"/>
+            </a:pPr>
+            <a:r>
+              <a:t>hazardous.</a:t>
+            </a:r>
+          </a:p>
+        </p:txBody>
+      </p:sp>
+      <p:pic>
+        <p:nvPicPr>
+          <p:cNvPr id="199" name="Screen Shot 2016-02-23 at 8.39.06 PM.png"/>
+          <p:cNvPicPr>
+            <a:picLocks noChangeAspect="1"/>
+          </p:cNvPicPr>
+          <p:nvPr/>
+        </p:nvPicPr>
+        <p:blipFill>
+          <a:blip r:embed="rId2">
+            <a:extLst/>
+          </a:blip>
+          <a:stretch>
+            <a:fillRect/>
+          </a:stretch>
+        </p:blipFill>
+        <p:spPr>
+          <a:xfrm>
+            <a:off x="5217385" y="1336867"/>
+            <a:ext cx="7716811" cy="7079866"/>
+          </a:xfrm>
+          <a:prstGeom prst="rect">
+            <a:avLst/>
+          </a:prstGeom>
+          <a:ln w="12700">
+            <a:miter lim="400000"/>
+          </a:ln>
+        </p:spPr>
+      </p:pic>
+      <p:sp>
+        <p:nvSpPr>
+          <p:cNvPr id="200" name="Shape 200"/>
           <p:cNvSpPr/>
           <p:nvPr/>
         </p:nvSpPr>
@@ -4204,7 +4288,7 @@
       </p:sp>
       <p:sp>
         <p:nvSpPr>
-          <p:cNvPr id="207" name="Shape 207"/>
+          <p:cNvPr id="201" name="Shape 201"/>
           <p:cNvSpPr/>
           <p:nvPr/>
         </p:nvSpPr>
@@ -4220,7 +4304,7 @@
             </a:avLst>
           </a:prstGeom>
           <a:blipFill>
-            <a:blip r:embed="rId2"/>
+            <a:blip r:embed="rId3"/>
           </a:blipFill>
           <a:ln w="12700">
             <a:miter lim="400000"/>
@@ -4242,7 +4326,7 @@
       </p:sp>
       <p:sp>
         <p:nvSpPr>
-          <p:cNvPr id="208" name="Shape 208"/>
+          <p:cNvPr id="202" name="Shape 202"/>
           <p:cNvSpPr/>
           <p:nvPr/>
         </p:nvSpPr>
@@ -4286,7 +4370,7 @@
       </p:sp>
       <p:sp>
         <p:nvSpPr>
-          <p:cNvPr id="209" name="Shape 209"/>
+          <p:cNvPr id="203" name="Shape 203"/>
           <p:cNvSpPr/>
           <p:nvPr/>
         </p:nvSpPr>
@@ -4330,7 +4414,7 @@
       </p:sp>
       <p:sp>
         <p:nvSpPr>
-          <p:cNvPr id="210" name="Shape 210"/>
+          <p:cNvPr id="204" name="Shape 204"/>
           <p:cNvSpPr/>
           <p:nvPr/>
         </p:nvSpPr>
@@ -4346,7 +4430,7 @@
             </a:avLst>
           </a:prstGeom>
           <a:blipFill>
-            <a:blip r:embed="rId2"/>
+            <a:blip r:embed="rId3"/>
           </a:blipFill>
           <a:ln w="12700">
             <a:miter lim="400000"/>
@@ -4366,45 +4450,16 @@
           </a:p>
         </p:txBody>
       </p:sp>
-      <p:pic>
-        <p:nvPicPr>
-          <p:cNvPr id="211" name="Screen Shot 2016-02-26 at 7.23.43 PM.png"/>
-          <p:cNvPicPr>
-            <a:picLocks noChangeAspect="1"/>
-          </p:cNvPicPr>
-          <p:nvPr/>
-        </p:nvPicPr>
-        <p:blipFill>
-          <a:blip r:embed="rId3">
-            <a:extLst/>
-          </a:blip>
-          <a:stretch>
-            <a:fillRect/>
-          </a:stretch>
-        </p:blipFill>
-        <p:spPr>
-          <a:xfrm>
-            <a:off x="6572606" y="1345127"/>
-            <a:ext cx="5689601" cy="5346164"/>
-          </a:xfrm>
-          <a:prstGeom prst="rect">
-            <a:avLst/>
-          </a:prstGeom>
-          <a:ln w="12700">
-            <a:miter lim="400000"/>
-          </a:ln>
-        </p:spPr>
-      </p:pic>
-      <p:sp>
-        <p:nvSpPr>
-          <p:cNvPr id="212" name="Shape 212"/>
-          <p:cNvSpPr/>
-          <p:nvPr/>
-        </p:nvSpPr>
-        <p:spPr>
-          <a:xfrm>
-            <a:off x="6530940" y="337393"/>
-            <a:ext cx="6433840" cy="1041401"/>
+      <p:sp>
+        <p:nvSpPr>
+          <p:cNvPr id="205" name="Shape 205"/>
+          <p:cNvSpPr/>
+          <p:nvPr/>
+        </p:nvSpPr>
+        <p:spPr>
+          <a:xfrm>
+            <a:off x="5167274" y="8452322"/>
+            <a:ext cx="6186591" cy="341839"/>
           </a:xfrm>
           <a:prstGeom prst="rect">
             <a:avLst/>
@@ -4419,338 +4474,15 @@
           </a:extLst>
         </p:spPr>
         <p:txBody>
-          <a:bodyPr wrap="none" lIns="50800" tIns="50800" rIns="50800" bIns="50800" anchor="ctr">
-            <a:spAutoFit/>
-          </a:bodyPr>
-          <a:lstStyle/>
-          <a:p>
-            <a:pPr algn="l">
-              <a:defRPr sz="2800"/>
-            </a:pPr>
-            <a:r>
-              <a:t>Permits for New Residential Buildings, </a:t>
-            </a:r>
-          </a:p>
-          <a:p>
-            <a:pPr algn="l">
-              <a:defRPr sz="2800"/>
-            </a:pPr>
-            <a:r>
-              <a:t>January 2012- January 2016</a:t>
-            </a:r>
-          </a:p>
-        </p:txBody>
-      </p:sp>
-      <p:pic>
-        <p:nvPicPr>
-          <p:cNvPr id="213" name="Screen Shot 2016-02-26 at 7.34.00 PM.png"/>
-          <p:cNvPicPr>
-            <a:picLocks noChangeAspect="1"/>
-          </p:cNvPicPr>
-          <p:nvPr/>
-        </p:nvPicPr>
-        <p:blipFill>
-          <a:blip r:embed="rId4">
-            <a:extLst/>
-          </a:blip>
-          <a:stretch>
-            <a:fillRect/>
-          </a:stretch>
-        </p:blipFill>
-        <p:spPr>
-          <a:xfrm>
-            <a:off x="586960" y="6606682"/>
-            <a:ext cx="8280401" cy="2514601"/>
-          </a:xfrm>
-          <a:prstGeom prst="rect">
-            <a:avLst/>
-          </a:prstGeom>
-          <a:ln w="12700">
-            <a:miter lim="400000"/>
-          </a:ln>
-        </p:spPr>
-      </p:pic>
-      <p:sp>
-        <p:nvSpPr>
-          <p:cNvPr id="214" name="Shape 214"/>
-          <p:cNvSpPr/>
-          <p:nvPr/>
-        </p:nvSpPr>
-        <p:spPr>
-          <a:xfrm flipV="1">
-            <a:off x="9032957" y="6739163"/>
-            <a:ext cx="1451760" cy="1182586"/>
-          </a:xfrm>
-          <a:prstGeom prst="line">
-            <a:avLst/>
-          </a:prstGeom>
-          <a:ln w="76200">
-            <a:solidFill>
-              <a:schemeClr val="accent1">
-                <a:hueOff val="109193"/>
-                <a:satOff val="-4874"/>
-                <a:lumOff val="12971"/>
-              </a:schemeClr>
-            </a:solidFill>
-            <a:miter lim="400000"/>
-            <a:tailEnd type="triangle"/>
-          </a:ln>
-        </p:spPr>
-        <p:txBody>
-          <a:bodyPr lIns="50800" tIns="50800" rIns="50800" bIns="50800" anchor="ctr"/>
-          <a:lstStyle/>
-          <a:p>
-            <a:pPr>
-              <a:defRPr>
-                <a:solidFill>
-                  <a:srgbClr val="202020"/>
-                </a:solidFill>
-              </a:defRPr>
-            </a:pPr>
-          </a:p>
-        </p:txBody>
-      </p:sp>
-      <p:sp>
-        <p:nvSpPr>
-          <p:cNvPr id="215" name="Shape 215"/>
-          <p:cNvSpPr/>
-          <p:nvPr/>
-        </p:nvSpPr>
-        <p:spPr>
-          <a:xfrm>
-            <a:off x="1072593" y="9135533"/>
-            <a:ext cx="2885779" cy="533401"/>
-          </a:xfrm>
-          <a:prstGeom prst="rect">
-            <a:avLst/>
-          </a:prstGeom>
-          <a:ln w="12700">
-            <a:miter lim="400000"/>
-          </a:ln>
-          <a:extLst>
-            <a:ext uri="{C572A759-6A51-4108-AA02-DFA0A04FC94B}">
-              <ma14:wrappingTextBoxFlag xmlns:ma14="http://schemas.microsoft.com/office/mac/drawingml/2011/main" val="1"/>
-            </a:ext>
-          </a:extLst>
-        </p:spPr>
-        <p:txBody>
-          <a:bodyPr lIns="50800" tIns="50800" rIns="50800" bIns="50800" anchor="ctr">
-            <a:spAutoFit/>
-          </a:bodyPr>
-          <a:lstStyle>
-            <a:lvl1pPr>
-              <a:defRPr sz="2600">
-                <a:solidFill>
-                  <a:srgbClr val="9F9F9F"/>
-                </a:solidFill>
-              </a:defRPr>
-            </a:lvl1pPr>
-          </a:lstStyle>
-          <a:p>
-            <a:pPr/>
-            <a:r>
-              <a:t>Select Your Data</a:t>
-            </a:r>
-          </a:p>
-        </p:txBody>
-      </p:sp>
-      <p:sp>
-        <p:nvSpPr>
-          <p:cNvPr id="216" name="Shape 216"/>
-          <p:cNvSpPr/>
-          <p:nvPr/>
-        </p:nvSpPr>
-        <p:spPr>
-          <a:xfrm>
-            <a:off x="3937745" y="9276754"/>
-            <a:ext cx="383260" cy="274440"/>
-          </a:xfrm>
-          <a:prstGeom prst="rightArrow">
-            <a:avLst>
-              <a:gd name="adj1" fmla="val 32000"/>
-              <a:gd name="adj2" fmla="val 97503"/>
-            </a:avLst>
-          </a:prstGeom>
-          <a:blipFill>
-            <a:blip r:embed="rId2"/>
-          </a:blipFill>
-          <a:ln w="12700">
-            <a:miter lim="400000"/>
-          </a:ln>
-        </p:spPr>
-        <p:txBody>
-          <a:bodyPr lIns="50800" tIns="50800" rIns="50800" bIns="50800" anchor="ctr"/>
-          <a:lstStyle/>
-          <a:p>
-            <a:pPr>
-              <a:defRPr>
-                <a:solidFill>
-                  <a:srgbClr val="9F9F9F"/>
-                </a:solidFill>
-              </a:defRPr>
-            </a:pPr>
-          </a:p>
-        </p:txBody>
-      </p:sp>
-      <p:sp>
-        <p:nvSpPr>
-          <p:cNvPr id="217" name="Shape 217"/>
-          <p:cNvSpPr/>
-          <p:nvPr/>
-        </p:nvSpPr>
-        <p:spPr>
-          <a:xfrm>
-            <a:off x="4428726" y="9110133"/>
-            <a:ext cx="3179292" cy="533401"/>
-          </a:xfrm>
-          <a:prstGeom prst="rect">
-            <a:avLst/>
-          </a:prstGeom>
-          <a:ln w="12700">
-            <a:miter lim="400000"/>
-          </a:ln>
-          <a:extLst>
-            <a:ext uri="{C572A759-6A51-4108-AA02-DFA0A04FC94B}">
-              <ma14:wrappingTextBoxFlag xmlns:ma14="http://schemas.microsoft.com/office/mac/drawingml/2011/main" val="1"/>
-            </a:ext>
-          </a:extLst>
-        </p:spPr>
-        <p:txBody>
-          <a:bodyPr wrap="none" lIns="50800" tIns="50800" rIns="50800" bIns="50800" anchor="ctr">
-            <a:spAutoFit/>
-          </a:bodyPr>
-          <a:lstStyle>
-            <a:lvl1pPr>
-              <a:defRPr sz="2600">
-                <a:solidFill>
-                  <a:srgbClr val="000000"/>
-                </a:solidFill>
-              </a:defRPr>
-            </a:lvl1pPr>
-          </a:lstStyle>
-          <a:p>
-            <a:pPr/>
-            <a:r>
-              <a:t>Transform Your Data</a:t>
-            </a:r>
-          </a:p>
-        </p:txBody>
-      </p:sp>
-      <p:sp>
-        <p:nvSpPr>
-          <p:cNvPr id="218" name="Shape 218"/>
-          <p:cNvSpPr/>
-          <p:nvPr/>
-        </p:nvSpPr>
-        <p:spPr>
-          <a:xfrm>
-            <a:off x="8246407" y="9110133"/>
-            <a:ext cx="3002906" cy="533401"/>
-          </a:xfrm>
-          <a:prstGeom prst="rect">
-            <a:avLst/>
-          </a:prstGeom>
-          <a:ln w="12700">
-            <a:miter lim="400000"/>
-          </a:ln>
-          <a:extLst>
-            <a:ext uri="{C572A759-6A51-4108-AA02-DFA0A04FC94B}">
-              <ma14:wrappingTextBoxFlag xmlns:ma14="http://schemas.microsoft.com/office/mac/drawingml/2011/main" val="1"/>
-            </a:ext>
-          </a:extLst>
-        </p:spPr>
-        <p:txBody>
-          <a:bodyPr wrap="none" lIns="50800" tIns="50800" rIns="50800" bIns="50800" anchor="ctr">
-            <a:spAutoFit/>
-          </a:bodyPr>
-          <a:lstStyle>
-            <a:lvl1pPr>
-              <a:defRPr sz="2600">
-                <a:solidFill>
-                  <a:srgbClr val="9F9F9F"/>
-                </a:solidFill>
-              </a:defRPr>
-            </a:lvl1pPr>
-          </a:lstStyle>
-          <a:p>
-            <a:pPr/>
-            <a:r>
-              <a:t>Visualize Your Data</a:t>
-            </a:r>
-          </a:p>
-        </p:txBody>
-      </p:sp>
-      <p:sp>
-        <p:nvSpPr>
-          <p:cNvPr id="219" name="Shape 219"/>
-          <p:cNvSpPr/>
-          <p:nvPr/>
-        </p:nvSpPr>
-        <p:spPr>
-          <a:xfrm>
-            <a:off x="7735582" y="9276754"/>
-            <a:ext cx="383261" cy="274440"/>
-          </a:xfrm>
-          <a:prstGeom prst="rightArrow">
-            <a:avLst>
-              <a:gd name="adj1" fmla="val 32000"/>
-              <a:gd name="adj2" fmla="val 97503"/>
-            </a:avLst>
-          </a:prstGeom>
-          <a:blipFill>
-            <a:blip r:embed="rId2"/>
-          </a:blipFill>
-          <a:ln w="12700">
-            <a:miter lim="400000"/>
-          </a:ln>
-        </p:spPr>
-        <p:txBody>
-          <a:bodyPr lIns="50800" tIns="50800" rIns="50800" bIns="50800" anchor="ctr"/>
-          <a:lstStyle/>
-          <a:p>
-            <a:pPr>
-              <a:defRPr>
-                <a:solidFill>
-                  <a:srgbClr val="9F9F9F"/>
-                </a:solidFill>
-              </a:defRPr>
-            </a:pPr>
-          </a:p>
-        </p:txBody>
-      </p:sp>
-      <p:sp>
-        <p:nvSpPr>
-          <p:cNvPr id="220" name="Shape 220"/>
-          <p:cNvSpPr/>
-          <p:nvPr/>
-        </p:nvSpPr>
-        <p:spPr>
-          <a:xfrm>
-            <a:off x="10626250" y="6761551"/>
-            <a:ext cx="3336966" cy="274440"/>
-          </a:xfrm>
-          <a:prstGeom prst="rect">
-            <a:avLst/>
-          </a:prstGeom>
-          <a:ln w="12700">
-            <a:miter lim="400000"/>
-          </a:ln>
-          <a:extLst>
-            <a:ext uri="{C572A759-6A51-4108-AA02-DFA0A04FC94B}">
-              <ma14:wrappingTextBoxFlag xmlns:ma14="http://schemas.microsoft.com/office/mac/drawingml/2011/main" val="1"/>
-            </a:ext>
-          </a:extLst>
-        </p:spPr>
-        <p:txBody>
           <a:bodyPr lIns="50800" tIns="50800" rIns="50800" bIns="50800">
             <a:normAutofit fontScale="100000" lnSpcReduction="0"/>
           </a:bodyPr>
           <a:lstStyle>
-            <a:lvl1pPr algn="l" defTabSz="280415">
+            <a:lvl1pPr algn="l" defTabSz="368045">
               <a:spcBef>
-                <a:spcPts val="400"/>
+                <a:spcPts val="600"/>
               </a:spcBef>
-              <a:defRPr sz="1152">
+              <a:defRPr sz="1512">
                 <a:solidFill>
                   <a:srgbClr val="5C86B9"/>
                 </a:solidFill>
@@ -4793,7 +4525,7 @@
       </p:grpSpPr>
       <p:sp>
         <p:nvSpPr>
-          <p:cNvPr id="222" name="Shape 222"/>
+          <p:cNvPr id="207" name="Shape 207"/>
           <p:cNvSpPr/>
           <p:nvPr>
             <p:ph type="title"/>
@@ -4825,14 +4557,14 @@
       </p:sp>
       <p:sp>
         <p:nvSpPr>
-          <p:cNvPr id="223" name="Shape 223"/>
-          <p:cNvSpPr/>
-          <p:nvPr/>
-        </p:nvSpPr>
-        <p:spPr>
-          <a:xfrm>
-            <a:off x="425931" y="2647716"/>
-            <a:ext cx="5914912" cy="6553201"/>
+          <p:cNvPr id="208" name="Shape 208"/>
+          <p:cNvSpPr/>
+          <p:nvPr/>
+        </p:nvSpPr>
+        <p:spPr>
+          <a:xfrm>
+            <a:off x="293744" y="2908300"/>
+            <a:ext cx="5914912" cy="3937001"/>
           </a:xfrm>
           <a:prstGeom prst="rect">
             <a:avLst/>
@@ -4856,7 +4588,7 @@
               <a:defRPr sz="4800"/>
             </a:pPr>
             <a:r>
-              <a:t>Neighborhood Assignment. </a:t>
+              <a:t>Text analysis. </a:t>
             </a:r>
           </a:p>
           <a:p>
@@ -4864,7 +4596,7 @@
               <a:defRPr sz="3600"/>
             </a:pPr>
             <a:r>
-              <a:t>Geolocating an address and then using the resulting latitude and longitude to place that location in a geographic area - ward, zip code, neighborhood, etc.</a:t>
+              <a:t>Messy open text fields sometimes hold valuable information. </a:t>
             </a:r>
           </a:p>
           <a:p>
@@ -4876,14 +4608,14 @@
       </p:sp>
       <p:sp>
         <p:nvSpPr>
-          <p:cNvPr id="224" name="Shape 224"/>
-          <p:cNvSpPr/>
-          <p:nvPr/>
-        </p:nvSpPr>
-        <p:spPr>
-          <a:xfrm>
-            <a:off x="5992759" y="33866"/>
-            <a:ext cx="6863582" cy="1511301"/>
+          <p:cNvPr id="209" name="Shape 209"/>
+          <p:cNvSpPr/>
+          <p:nvPr/>
+        </p:nvSpPr>
+        <p:spPr>
+          <a:xfrm>
+            <a:off x="1072593" y="9135533"/>
+            <a:ext cx="2885779" cy="533401"/>
           </a:xfrm>
           <a:prstGeom prst="rect">
             <a:avLst/>
@@ -4898,46 +4630,200 @@
           </a:extLst>
         </p:spPr>
         <p:txBody>
+          <a:bodyPr lIns="50800" tIns="50800" rIns="50800" bIns="50800" anchor="ctr">
+            <a:spAutoFit/>
+          </a:bodyPr>
+          <a:lstStyle>
+            <a:lvl1pPr>
+              <a:defRPr sz="2600">
+                <a:solidFill>
+                  <a:srgbClr val="0A121C"/>
+                </a:solidFill>
+              </a:defRPr>
+            </a:lvl1pPr>
+          </a:lstStyle>
+          <a:p>
+            <a:pPr/>
+            <a:r>
+              <a:t>Select Your Data</a:t>
+            </a:r>
+          </a:p>
+        </p:txBody>
+      </p:sp>
+      <p:sp>
+        <p:nvSpPr>
+          <p:cNvPr id="210" name="Shape 210"/>
+          <p:cNvSpPr/>
+          <p:nvPr/>
+        </p:nvSpPr>
+        <p:spPr>
+          <a:xfrm>
+            <a:off x="3937745" y="9276754"/>
+            <a:ext cx="383260" cy="274440"/>
+          </a:xfrm>
+          <a:prstGeom prst="rightArrow">
+            <a:avLst>
+              <a:gd name="adj1" fmla="val 32000"/>
+              <a:gd name="adj2" fmla="val 97503"/>
+            </a:avLst>
+          </a:prstGeom>
+          <a:blipFill>
+            <a:blip r:embed="rId2"/>
+          </a:blipFill>
+          <a:ln w="12700">
+            <a:miter lim="400000"/>
+          </a:ln>
+        </p:spPr>
+        <p:txBody>
+          <a:bodyPr lIns="50800" tIns="50800" rIns="50800" bIns="50800" anchor="ctr"/>
+          <a:lstStyle/>
+          <a:p>
+            <a:pPr>
+              <a:defRPr>
+                <a:solidFill>
+                  <a:srgbClr val="9F9F9F"/>
+                </a:solidFill>
+              </a:defRPr>
+            </a:pPr>
+          </a:p>
+        </p:txBody>
+      </p:sp>
+      <p:sp>
+        <p:nvSpPr>
+          <p:cNvPr id="211" name="Shape 211"/>
+          <p:cNvSpPr/>
+          <p:nvPr/>
+        </p:nvSpPr>
+        <p:spPr>
+          <a:xfrm>
+            <a:off x="4428726" y="9110133"/>
+            <a:ext cx="3179292" cy="533401"/>
+          </a:xfrm>
+          <a:prstGeom prst="rect">
+            <a:avLst/>
+          </a:prstGeom>
+          <a:ln w="12700">
+            <a:miter lim="400000"/>
+          </a:ln>
+          <a:extLst>
+            <a:ext uri="{C572A759-6A51-4108-AA02-DFA0A04FC94B}">
+              <ma14:wrappingTextBoxFlag xmlns:ma14="http://schemas.microsoft.com/office/mac/drawingml/2011/main" val="1"/>
+            </a:ext>
+          </a:extLst>
+        </p:spPr>
+        <p:txBody>
           <a:bodyPr wrap="none" lIns="50800" tIns="50800" rIns="50800" bIns="50800" anchor="ctr">
             <a:spAutoFit/>
           </a:bodyPr>
+          <a:lstStyle>
+            <a:lvl1pPr>
+              <a:defRPr sz="2600">
+                <a:solidFill>
+                  <a:srgbClr val="9F9F9F"/>
+                </a:solidFill>
+              </a:defRPr>
+            </a:lvl1pPr>
+          </a:lstStyle>
+          <a:p>
+            <a:pPr/>
+            <a:r>
+              <a:t>Transform Your Data</a:t>
+            </a:r>
+          </a:p>
+        </p:txBody>
+      </p:sp>
+      <p:sp>
+        <p:nvSpPr>
+          <p:cNvPr id="212" name="Shape 212"/>
+          <p:cNvSpPr/>
+          <p:nvPr/>
+        </p:nvSpPr>
+        <p:spPr>
+          <a:xfrm>
+            <a:off x="8246407" y="9110133"/>
+            <a:ext cx="3002906" cy="533401"/>
+          </a:xfrm>
+          <a:prstGeom prst="rect">
+            <a:avLst/>
+          </a:prstGeom>
+          <a:ln w="12700">
+            <a:miter lim="400000"/>
+          </a:ln>
+          <a:extLst>
+            <a:ext uri="{C572A759-6A51-4108-AA02-DFA0A04FC94B}">
+              <ma14:wrappingTextBoxFlag xmlns:ma14="http://schemas.microsoft.com/office/mac/drawingml/2011/main" val="1"/>
+            </a:ext>
+          </a:extLst>
+        </p:spPr>
+        <p:txBody>
+          <a:bodyPr wrap="none" lIns="50800" tIns="50800" rIns="50800" bIns="50800" anchor="ctr">
+            <a:spAutoFit/>
+          </a:bodyPr>
+          <a:lstStyle>
+            <a:lvl1pPr>
+              <a:defRPr sz="2600">
+                <a:solidFill>
+                  <a:srgbClr val="9F9F9F"/>
+                </a:solidFill>
+              </a:defRPr>
+            </a:lvl1pPr>
+          </a:lstStyle>
+          <a:p>
+            <a:pPr/>
+            <a:r>
+              <a:t>Visualize Your Data</a:t>
+            </a:r>
+          </a:p>
+        </p:txBody>
+      </p:sp>
+      <p:sp>
+        <p:nvSpPr>
+          <p:cNvPr id="213" name="Shape 213"/>
+          <p:cNvSpPr/>
+          <p:nvPr/>
+        </p:nvSpPr>
+        <p:spPr>
+          <a:xfrm>
+            <a:off x="7735582" y="9276754"/>
+            <a:ext cx="383261" cy="274440"/>
+          </a:xfrm>
+          <a:prstGeom prst="rightArrow">
+            <a:avLst>
+              <a:gd name="adj1" fmla="val 32000"/>
+              <a:gd name="adj2" fmla="val 97503"/>
+            </a:avLst>
+          </a:prstGeom>
+          <a:blipFill>
+            <a:blip r:embed="rId2"/>
+          </a:blipFill>
+          <a:ln w="12700">
+            <a:miter lim="400000"/>
+          </a:ln>
+        </p:spPr>
+        <p:txBody>
+          <a:bodyPr lIns="50800" tIns="50800" rIns="50800" bIns="50800" anchor="ctr"/>
           <a:lstStyle/>
           <a:p>
-            <a:pPr algn="l">
-              <a:defRPr sz="2800"/>
-            </a:pPr>
-            <a:r>
-              <a:t>Flipped Homes as % of Homes on Market,</a:t>
-            </a:r>
-          </a:p>
-          <a:p>
-            <a:pPr algn="l">
-              <a:defRPr sz="2800"/>
-            </a:pPr>
-            <a:r>
-              <a:t>by Neighborhood </a:t>
-            </a:r>
-          </a:p>
-          <a:p>
-            <a:pPr algn="l">
-              <a:defRPr sz="2800"/>
-            </a:pPr>
-            <a:r>
-              <a:t>2013-2015</a:t>
-            </a:r>
+            <a:pPr>
+              <a:defRPr>
+                <a:solidFill>
+                  <a:srgbClr val="9F9F9F"/>
+                </a:solidFill>
+              </a:defRPr>
+            </a:pPr>
           </a:p>
         </p:txBody>
       </p:sp>
       <p:pic>
         <p:nvPicPr>
-          <p:cNvPr id="225" name="Screen Shot 2016-02-26 at 7.39.32 PM.png"/>
+          <p:cNvPr id="214" name="Screen Shot 2016-02-26 at 7.23.43 PM.png"/>
           <p:cNvPicPr>
             <a:picLocks noChangeAspect="1"/>
           </p:cNvPicPr>
           <p:nvPr/>
         </p:nvPicPr>
         <p:blipFill>
-          <a:blip r:embed="rId2">
+          <a:blip r:embed="rId3">
             <a:extLst/>
           </a:blip>
           <a:stretch>
@@ -4946,8 +4832,8 @@
         </p:blipFill>
         <p:spPr>
           <a:xfrm>
-            <a:off x="7820772" y="1148405"/>
-            <a:ext cx="4402428" cy="5334000"/>
+            <a:off x="6572606" y="1345127"/>
+            <a:ext cx="5689601" cy="5346164"/>
           </a:xfrm>
           <a:prstGeom prst="rect">
             <a:avLst/>
@@ -4959,7 +4845,122 @@
       </p:pic>
       <p:sp>
         <p:nvSpPr>
-          <p:cNvPr id="226" name="Shape 226"/>
+          <p:cNvPr id="215" name="Shape 215"/>
+          <p:cNvSpPr/>
+          <p:nvPr/>
+        </p:nvSpPr>
+        <p:spPr>
+          <a:xfrm>
+            <a:off x="6530940" y="337393"/>
+            <a:ext cx="6433840" cy="1041401"/>
+          </a:xfrm>
+          <a:prstGeom prst="rect">
+            <a:avLst/>
+          </a:prstGeom>
+          <a:ln w="12700">
+            <a:miter lim="400000"/>
+          </a:ln>
+          <a:extLst>
+            <a:ext uri="{C572A759-6A51-4108-AA02-DFA0A04FC94B}">
+              <ma14:wrappingTextBoxFlag xmlns:ma14="http://schemas.microsoft.com/office/mac/drawingml/2011/main" val="1"/>
+            </a:ext>
+          </a:extLst>
+        </p:spPr>
+        <p:txBody>
+          <a:bodyPr wrap="none" lIns="50800" tIns="50800" rIns="50800" bIns="50800" anchor="ctr">
+            <a:spAutoFit/>
+          </a:bodyPr>
+          <a:lstStyle/>
+          <a:p>
+            <a:pPr algn="l">
+              <a:defRPr sz="2800"/>
+            </a:pPr>
+            <a:r>
+              <a:t>Permits for New Residential Buildings, </a:t>
+            </a:r>
+          </a:p>
+          <a:p>
+            <a:pPr algn="l">
+              <a:defRPr sz="2800"/>
+            </a:pPr>
+            <a:r>
+              <a:t>January 2012- January 2016</a:t>
+            </a:r>
+          </a:p>
+        </p:txBody>
+      </p:sp>
+      <p:pic>
+        <p:nvPicPr>
+          <p:cNvPr id="216" name="Screen Shot 2016-02-26 at 7.34.00 PM.png"/>
+          <p:cNvPicPr>
+            <a:picLocks noChangeAspect="1"/>
+          </p:cNvPicPr>
+          <p:nvPr/>
+        </p:nvPicPr>
+        <p:blipFill>
+          <a:blip r:embed="rId4">
+            <a:extLst/>
+          </a:blip>
+          <a:stretch>
+            <a:fillRect/>
+          </a:stretch>
+        </p:blipFill>
+        <p:spPr>
+          <a:xfrm>
+            <a:off x="587431" y="5644300"/>
+            <a:ext cx="8280401" cy="2514601"/>
+          </a:xfrm>
+          <a:prstGeom prst="rect">
+            <a:avLst/>
+          </a:prstGeom>
+          <a:ln w="12700">
+            <a:miter lim="400000"/>
+          </a:ln>
+        </p:spPr>
+      </p:pic>
+      <p:sp>
+        <p:nvSpPr>
+          <p:cNvPr id="217" name="Shape 217"/>
+          <p:cNvSpPr/>
+          <p:nvPr/>
+        </p:nvSpPr>
+        <p:spPr>
+          <a:xfrm flipV="1">
+            <a:off x="9025568" y="6496530"/>
+            <a:ext cx="1453582" cy="420271"/>
+          </a:xfrm>
+          <a:prstGeom prst="line">
+            <a:avLst/>
+          </a:prstGeom>
+          <a:ln w="76200">
+            <a:solidFill>
+              <a:schemeClr val="accent1">
+                <a:hueOff val="109193"/>
+                <a:satOff val="-4874"/>
+                <a:lumOff val="12971"/>
+              </a:schemeClr>
+            </a:solidFill>
+            <a:miter lim="400000"/>
+            <a:tailEnd type="triangle"/>
+          </a:ln>
+        </p:spPr>
+        <p:txBody>
+          <a:bodyPr lIns="50800" tIns="50800" rIns="50800" bIns="50800" anchor="ctr"/>
+          <a:lstStyle/>
+          <a:p>
+            <a:pPr>
+              <a:defRPr>
+                <a:solidFill>
+                  <a:srgbClr val="202020"/>
+                </a:solidFill>
+              </a:defRPr>
+            </a:pPr>
+          </a:p>
+        </p:txBody>
+      </p:sp>
+      <p:sp>
+        <p:nvSpPr>
+          <p:cNvPr id="218" name="Shape 218"/>
           <p:cNvSpPr/>
           <p:nvPr/>
         </p:nvSpPr>
@@ -5003,7 +5004,7 @@
       </p:sp>
       <p:sp>
         <p:nvSpPr>
-          <p:cNvPr id="227" name="Shape 227"/>
+          <p:cNvPr id="219" name="Shape 219"/>
           <p:cNvSpPr/>
           <p:nvPr/>
         </p:nvSpPr>
@@ -5019,7 +5020,7 @@
             </a:avLst>
           </a:prstGeom>
           <a:blipFill>
-            <a:blip r:embed="rId3"/>
+            <a:blip r:embed="rId2"/>
           </a:blipFill>
           <a:ln w="12700">
             <a:miter lim="400000"/>
@@ -5041,7 +5042,7 @@
       </p:sp>
       <p:sp>
         <p:nvSpPr>
-          <p:cNvPr id="228" name="Shape 228"/>
+          <p:cNvPr id="220" name="Shape 220"/>
           <p:cNvSpPr/>
           <p:nvPr/>
         </p:nvSpPr>
@@ -5085,7 +5086,7 @@
       </p:sp>
       <p:sp>
         <p:nvSpPr>
-          <p:cNvPr id="229" name="Shape 229"/>
+          <p:cNvPr id="221" name="Shape 221"/>
           <p:cNvSpPr/>
           <p:nvPr/>
         </p:nvSpPr>
@@ -5129,7 +5130,7 @@
       </p:sp>
       <p:sp>
         <p:nvSpPr>
-          <p:cNvPr id="230" name="Shape 230"/>
+          <p:cNvPr id="222" name="Shape 222"/>
           <p:cNvSpPr/>
           <p:nvPr/>
         </p:nvSpPr>
@@ -5145,7 +5146,7 @@
             </a:avLst>
           </a:prstGeom>
           <a:blipFill>
-            <a:blip r:embed="rId3"/>
+            <a:blip r:embed="rId2"/>
           </a:blipFill>
           <a:ln w="12700">
             <a:miter lim="400000"/>
@@ -5167,14 +5168,14 @@
       </p:sp>
       <p:sp>
         <p:nvSpPr>
-          <p:cNvPr id="231" name="Shape 231"/>
-          <p:cNvSpPr/>
-          <p:nvPr/>
-        </p:nvSpPr>
-        <p:spPr>
-          <a:xfrm>
-            <a:off x="7147349" y="6642943"/>
-            <a:ext cx="6186591" cy="341839"/>
+          <p:cNvPr id="223" name="Shape 223"/>
+          <p:cNvSpPr/>
+          <p:nvPr/>
+        </p:nvSpPr>
+        <p:spPr>
+          <a:xfrm>
+            <a:off x="10626250" y="6761551"/>
+            <a:ext cx="3336966" cy="274440"/>
           </a:xfrm>
           <a:prstGeom prst="rect">
             <a:avLst/>
@@ -5193,11 +5194,11 @@
             <a:normAutofit fontScale="100000" lnSpcReduction="0"/>
           </a:bodyPr>
           <a:lstStyle>
-            <a:lvl1pPr algn="l" defTabSz="368045">
+            <a:lvl1pPr algn="l" defTabSz="280415">
               <a:spcBef>
-                <a:spcPts val="600"/>
+                <a:spcPts val="400"/>
               </a:spcBef>
-              <a:defRPr sz="1512">
+              <a:defRPr sz="1152">
                 <a:solidFill>
                   <a:srgbClr val="5C86B9"/>
                 </a:solidFill>
@@ -5208,6 +5209,50 @@
             <a:pPr/>
             <a:r>
               <a:t>Source: DataLensDC</a:t>
+            </a:r>
+          </a:p>
+        </p:txBody>
+      </p:sp>
+      <p:sp>
+        <p:nvSpPr>
+          <p:cNvPr id="224" name="Shape 224"/>
+          <p:cNvSpPr/>
+          <p:nvPr/>
+        </p:nvSpPr>
+        <p:spPr>
+          <a:xfrm>
+            <a:off x="1966892" y="8451127"/>
+            <a:ext cx="7165232" cy="533401"/>
+          </a:xfrm>
+          <a:prstGeom prst="rect">
+            <a:avLst/>
+          </a:prstGeom>
+          <a:ln w="12700">
+            <a:miter lim="400000"/>
+          </a:ln>
+          <a:extLst>
+            <a:ext uri="{C572A759-6A51-4108-AA02-DFA0A04FC94B}">
+              <ma14:wrappingTextBoxFlag xmlns:ma14="http://schemas.microsoft.com/office/mac/drawingml/2011/main" val="1"/>
+            </a:ext>
+          </a:extLst>
+        </p:spPr>
+        <p:txBody>
+          <a:bodyPr wrap="none" lIns="50800" tIns="50800" rIns="50800" bIns="50800" anchor="ctr">
+            <a:spAutoFit/>
+          </a:bodyPr>
+          <a:lstStyle/>
+          <a:p>
+            <a:pPr algn="l">
+              <a:defRPr sz="2600"/>
+            </a:pPr>
+            <a:r>
+              <a:t>You can check out the full code behind this </a:t>
+            </a:r>
+            <a:r>
+              <a:rPr u="sng">
+                <a:hlinkClick r:id="rId5" invalidUrl="" action="" tgtFrame="" tooltip="" history="1" highlightClick="0" endSnd="0"/>
+              </a:rPr>
+              <a:t>here.</a:t>
             </a:r>
           </a:p>
         </p:txBody>
@@ -5240,7 +5285,7 @@
       </p:grpSpPr>
       <p:sp>
         <p:nvSpPr>
-          <p:cNvPr id="233" name="Shape 233"/>
+          <p:cNvPr id="226" name="Shape 226"/>
           <p:cNvSpPr/>
           <p:nvPr>
             <p:ph type="title"/>
@@ -5272,7 +5317,141 @@
       </p:sp>
       <p:sp>
         <p:nvSpPr>
-          <p:cNvPr id="234" name="Shape 234"/>
+          <p:cNvPr id="227" name="Shape 227"/>
+          <p:cNvSpPr/>
+          <p:nvPr/>
+        </p:nvSpPr>
+        <p:spPr>
+          <a:xfrm>
+            <a:off x="425931" y="2647716"/>
+            <a:ext cx="5914912" cy="6553201"/>
+          </a:xfrm>
+          <a:prstGeom prst="rect">
+            <a:avLst/>
+          </a:prstGeom>
+          <a:ln w="12700">
+            <a:miter lim="400000"/>
+          </a:ln>
+          <a:extLst>
+            <a:ext uri="{C572A759-6A51-4108-AA02-DFA0A04FC94B}">
+              <ma14:wrappingTextBoxFlag xmlns:ma14="http://schemas.microsoft.com/office/mac/drawingml/2011/main" val="1"/>
+            </a:ext>
+          </a:extLst>
+        </p:spPr>
+        <p:txBody>
+          <a:bodyPr lIns="50800" tIns="50800" rIns="50800" bIns="50800" anchor="ctr">
+            <a:spAutoFit/>
+          </a:bodyPr>
+          <a:lstStyle/>
+          <a:p>
+            <a:pPr algn="l">
+              <a:defRPr sz="4800"/>
+            </a:pPr>
+            <a:r>
+              <a:t>Neighborhood Assignment. </a:t>
+            </a:r>
+          </a:p>
+          <a:p>
+            <a:pPr algn="l">
+              <a:defRPr sz="3600"/>
+            </a:pPr>
+            <a:r>
+              <a:t>Geolocating an address and then using the resulting latitude and longitude to place that location in a geographic area - ward, zip code, neighborhood, etc.</a:t>
+            </a:r>
+          </a:p>
+          <a:p>
+            <a:pPr algn="l">
+              <a:defRPr sz="3600"/>
+            </a:pPr>
+          </a:p>
+        </p:txBody>
+      </p:sp>
+      <p:sp>
+        <p:nvSpPr>
+          <p:cNvPr id="228" name="Shape 228"/>
+          <p:cNvSpPr/>
+          <p:nvPr/>
+        </p:nvSpPr>
+        <p:spPr>
+          <a:xfrm>
+            <a:off x="5992759" y="33866"/>
+            <a:ext cx="6863582" cy="1511301"/>
+          </a:xfrm>
+          <a:prstGeom prst="rect">
+            <a:avLst/>
+          </a:prstGeom>
+          <a:ln w="12700">
+            <a:miter lim="400000"/>
+          </a:ln>
+          <a:extLst>
+            <a:ext uri="{C572A759-6A51-4108-AA02-DFA0A04FC94B}">
+              <ma14:wrappingTextBoxFlag xmlns:ma14="http://schemas.microsoft.com/office/mac/drawingml/2011/main" val="1"/>
+            </a:ext>
+          </a:extLst>
+        </p:spPr>
+        <p:txBody>
+          <a:bodyPr wrap="none" lIns="50800" tIns="50800" rIns="50800" bIns="50800" anchor="ctr">
+            <a:spAutoFit/>
+          </a:bodyPr>
+          <a:lstStyle/>
+          <a:p>
+            <a:pPr algn="l">
+              <a:defRPr sz="2800"/>
+            </a:pPr>
+            <a:r>
+              <a:t>Flipped Homes as % of Homes on Market,</a:t>
+            </a:r>
+          </a:p>
+          <a:p>
+            <a:pPr algn="l">
+              <a:defRPr sz="2800"/>
+            </a:pPr>
+            <a:r>
+              <a:t>by Neighborhood </a:t>
+            </a:r>
+          </a:p>
+          <a:p>
+            <a:pPr algn="l">
+              <a:defRPr sz="2800"/>
+            </a:pPr>
+            <a:r>
+              <a:t>2013-2015</a:t>
+            </a:r>
+          </a:p>
+        </p:txBody>
+      </p:sp>
+      <p:pic>
+        <p:nvPicPr>
+          <p:cNvPr id="229" name="Screen Shot 2016-02-26 at 7.39.32 PM.png"/>
+          <p:cNvPicPr>
+            <a:picLocks noChangeAspect="1"/>
+          </p:cNvPicPr>
+          <p:nvPr/>
+        </p:nvPicPr>
+        <p:blipFill>
+          <a:blip r:embed="rId2">
+            <a:extLst/>
+          </a:blip>
+          <a:stretch>
+            <a:fillRect/>
+          </a:stretch>
+        </p:blipFill>
+        <p:spPr>
+          <a:xfrm>
+            <a:off x="7820772" y="1148405"/>
+            <a:ext cx="4402428" cy="5334000"/>
+          </a:xfrm>
+          <a:prstGeom prst="rect">
+            <a:avLst/>
+          </a:prstGeom>
+          <a:ln w="12700">
+            <a:miter lim="400000"/>
+          </a:ln>
+        </p:spPr>
+      </p:pic>
+      <p:sp>
+        <p:nvSpPr>
+          <p:cNvPr id="230" name="Shape 230"/>
           <p:cNvSpPr/>
           <p:nvPr/>
         </p:nvSpPr>
@@ -5316,7 +5495,7 @@
       </p:sp>
       <p:sp>
         <p:nvSpPr>
-          <p:cNvPr id="235" name="Shape 235"/>
+          <p:cNvPr id="231" name="Shape 231"/>
           <p:cNvSpPr/>
           <p:nvPr/>
         </p:nvSpPr>
@@ -5332,7 +5511,7 @@
             </a:avLst>
           </a:prstGeom>
           <a:blipFill>
-            <a:blip r:embed="rId2"/>
+            <a:blip r:embed="rId3"/>
           </a:blipFill>
           <a:ln w="12700">
             <a:miter lim="400000"/>
@@ -5354,7 +5533,7 @@
       </p:sp>
       <p:sp>
         <p:nvSpPr>
-          <p:cNvPr id="236" name="Shape 236"/>
+          <p:cNvPr id="232" name="Shape 232"/>
           <p:cNvSpPr/>
           <p:nvPr/>
         </p:nvSpPr>
@@ -5398,7 +5577,7 @@
       </p:sp>
       <p:sp>
         <p:nvSpPr>
-          <p:cNvPr id="237" name="Shape 237"/>
+          <p:cNvPr id="233" name="Shape 233"/>
           <p:cNvSpPr/>
           <p:nvPr/>
         </p:nvSpPr>
@@ -5442,7 +5621,7 @@
       </p:sp>
       <p:sp>
         <p:nvSpPr>
-          <p:cNvPr id="238" name="Shape 238"/>
+          <p:cNvPr id="234" name="Shape 234"/>
           <p:cNvSpPr/>
           <p:nvPr/>
         </p:nvSpPr>
@@ -5458,7 +5637,7 @@
             </a:avLst>
           </a:prstGeom>
           <a:blipFill>
-            <a:blip r:embed="rId2"/>
+            <a:blip r:embed="rId3"/>
           </a:blipFill>
           <a:ln w="12700">
             <a:miter lim="400000"/>
@@ -5478,119 +5657,15 @@
           </a:p>
         </p:txBody>
       </p:sp>
-      <p:pic>
-        <p:nvPicPr>
-          <p:cNvPr id="239" name="Screen Shot 2016-02-26 at 7.56.11 PM.png"/>
-          <p:cNvPicPr>
-            <a:picLocks noChangeAspect="1"/>
-          </p:cNvPicPr>
-          <p:nvPr/>
-        </p:nvPicPr>
-        <p:blipFill>
-          <a:blip r:embed="rId3">
-            <a:extLst/>
-          </a:blip>
-          <a:stretch>
-            <a:fillRect/>
-          </a:stretch>
-        </p:blipFill>
-        <p:spPr>
-          <a:xfrm>
-            <a:off x="5193083" y="2321093"/>
-            <a:ext cx="7795784" cy="4325531"/>
-          </a:xfrm>
-          <a:prstGeom prst="rect">
-            <a:avLst/>
-          </a:prstGeom>
-          <a:ln w="12700">
-            <a:miter lim="400000"/>
-          </a:ln>
-        </p:spPr>
-      </p:pic>
-      <p:sp>
-        <p:nvSpPr>
-          <p:cNvPr id="240" name="Shape 240"/>
-          <p:cNvSpPr/>
-          <p:nvPr/>
-        </p:nvSpPr>
-        <p:spPr>
-          <a:xfrm>
-            <a:off x="101609" y="2743326"/>
-            <a:ext cx="5914912" cy="5943601"/>
-          </a:xfrm>
-          <a:prstGeom prst="rect">
-            <a:avLst/>
-          </a:prstGeom>
-          <a:ln w="12700">
-            <a:miter lim="400000"/>
-          </a:ln>
-          <a:extLst>
-            <a:ext uri="{C572A759-6A51-4108-AA02-DFA0A04FC94B}">
-              <ma14:wrappingTextBoxFlag xmlns:ma14="http://schemas.microsoft.com/office/mac/drawingml/2011/main" val="1"/>
-            </a:ext>
-          </a:extLst>
-        </p:spPr>
-        <p:txBody>
-          <a:bodyPr lIns="50800" tIns="50800" rIns="50800" bIns="50800" anchor="ctr">
-            <a:spAutoFit/>
-          </a:bodyPr>
-          <a:lstStyle/>
-          <a:p>
-            <a:pPr algn="l">
-              <a:defRPr sz="4800"/>
-            </a:pPr>
-            <a:r>
-              <a:t>All the little (un)</a:t>
-            </a:r>
-          </a:p>
-          <a:p>
-            <a:pPr algn="l">
-              <a:defRPr sz="4800"/>
-            </a:pPr>
-            <a:r>
-              <a:t>glamorous bits. </a:t>
-            </a:r>
-          </a:p>
-          <a:p>
-            <a:pPr algn="l">
-              <a:defRPr sz="3600"/>
-            </a:pPr>
-            <a:r>
-              <a:t>There is often data </a:t>
-            </a:r>
-          </a:p>
-          <a:p>
-            <a:pPr algn="l">
-              <a:defRPr sz="3600"/>
-            </a:pPr>
-            <a:r>
-              <a:t>cleaning to do - numeric fields with commas </a:t>
-            </a:r>
-          </a:p>
-          <a:p>
-            <a:pPr algn="l">
-              <a:defRPr sz="3600"/>
-            </a:pPr>
-            <a:r>
-              <a:t>stored as text, checks for duplicates, and more. </a:t>
-            </a:r>
-          </a:p>
-          <a:p>
-            <a:pPr algn="l">
-              <a:defRPr sz="3600"/>
-            </a:pPr>
-          </a:p>
-        </p:txBody>
-      </p:sp>
-      <p:sp>
-        <p:nvSpPr>
-          <p:cNvPr id="241" name="Shape 241"/>
-          <p:cNvSpPr/>
-          <p:nvPr/>
-        </p:nvSpPr>
-        <p:spPr>
-          <a:xfrm>
-            <a:off x="5150205" y="6642943"/>
+      <p:sp>
+        <p:nvSpPr>
+          <p:cNvPr id="235" name="Shape 235"/>
+          <p:cNvSpPr/>
+          <p:nvPr/>
+        </p:nvSpPr>
+        <p:spPr>
+          <a:xfrm>
+            <a:off x="7147349" y="6642943"/>
             <a:ext cx="6186591" cy="341839"/>
           </a:xfrm>
           <a:prstGeom prst="rect">
@@ -5625,6 +5700,50 @@
             <a:pPr/>
             <a:r>
               <a:t>Source: DataLensDC</a:t>
+            </a:r>
+          </a:p>
+        </p:txBody>
+      </p:sp>
+      <p:sp>
+        <p:nvSpPr>
+          <p:cNvPr id="236" name="Shape 236"/>
+          <p:cNvSpPr/>
+          <p:nvPr/>
+        </p:nvSpPr>
+        <p:spPr>
+          <a:xfrm>
+            <a:off x="1966892" y="8451127"/>
+            <a:ext cx="7165232" cy="533401"/>
+          </a:xfrm>
+          <a:prstGeom prst="rect">
+            <a:avLst/>
+          </a:prstGeom>
+          <a:ln w="12700">
+            <a:miter lim="400000"/>
+          </a:ln>
+          <a:extLst>
+            <a:ext uri="{C572A759-6A51-4108-AA02-DFA0A04FC94B}">
+              <ma14:wrappingTextBoxFlag xmlns:ma14="http://schemas.microsoft.com/office/mac/drawingml/2011/main" val="1"/>
+            </a:ext>
+          </a:extLst>
+        </p:spPr>
+        <p:txBody>
+          <a:bodyPr wrap="none" lIns="50800" tIns="50800" rIns="50800" bIns="50800" anchor="ctr">
+            <a:spAutoFit/>
+          </a:bodyPr>
+          <a:lstStyle/>
+          <a:p>
+            <a:pPr algn="l">
+              <a:defRPr sz="2600"/>
+            </a:pPr>
+            <a:r>
+              <a:t>You can check out the full code behind this </a:t>
+            </a:r>
+            <a:r>
+              <a:rPr u="sng">
+                <a:hlinkClick r:id="rId4" invalidUrl="" action="" tgtFrame="" tooltip="" history="1" highlightClick="0" endSnd="0"/>
+              </a:rPr>
+              <a:t>here.</a:t>
             </a:r>
           </a:p>
         </p:txBody>
@@ -5657,7 +5776,7 @@
       </p:grpSpPr>
       <p:sp>
         <p:nvSpPr>
-          <p:cNvPr id="243" name="Shape 243"/>
+          <p:cNvPr id="238" name="Shape 238"/>
           <p:cNvSpPr/>
           <p:nvPr>
             <p:ph type="title"/>
@@ -5682,337 +5801,14 @@
           <a:p>
             <a:pPr/>
             <a:r>
-              <a:t>Commonly Used Data Analysis Tools + Learning Resources</a:t>
-            </a:r>
-          </a:p>
-        </p:txBody>
-      </p:sp>
-      <p:sp>
-        <p:nvSpPr>
-          <p:cNvPr id="244" name="Shape 244"/>
-          <p:cNvSpPr/>
-          <p:nvPr/>
-        </p:nvSpPr>
-        <p:spPr>
-          <a:xfrm>
-            <a:off x="1165034" y="2603626"/>
-            <a:ext cx="3882910" cy="889001"/>
-          </a:xfrm>
-          <a:prstGeom prst="rect">
-            <a:avLst/>
-          </a:prstGeom>
-          <a:ln w="12700">
-            <a:miter lim="400000"/>
-          </a:ln>
-          <a:extLst>
-            <a:ext uri="{C572A759-6A51-4108-AA02-DFA0A04FC94B}">
-              <ma14:wrappingTextBoxFlag xmlns:ma14="http://schemas.microsoft.com/office/mac/drawingml/2011/main" val="1"/>
-            </a:ext>
-          </a:extLst>
-        </p:spPr>
-        <p:txBody>
-          <a:bodyPr lIns="50800" tIns="50800" rIns="50800" bIns="50800" anchor="ctr">
-            <a:spAutoFit/>
-          </a:bodyPr>
-          <a:lstStyle>
-            <a:lvl1pPr>
-              <a:defRPr sz="4800"/>
-            </a:lvl1pPr>
-          </a:lstStyle>
-          <a:p>
-            <a:pPr/>
-            <a:r>
-              <a:t>R</a:t>
-            </a:r>
-          </a:p>
-        </p:txBody>
-      </p:sp>
-      <p:sp>
-        <p:nvSpPr>
-          <p:cNvPr id="245" name="Shape 245"/>
-          <p:cNvSpPr/>
-          <p:nvPr/>
-        </p:nvSpPr>
-        <p:spPr>
-          <a:xfrm>
-            <a:off x="384609" y="3346780"/>
-            <a:ext cx="12192002" cy="1"/>
-          </a:xfrm>
-          <a:prstGeom prst="line">
-            <a:avLst/>
-          </a:prstGeom>
-          <a:ln w="12700">
-            <a:solidFill>
-              <a:schemeClr val="accent1">
-                <a:hueOff val="109193"/>
-                <a:satOff val="-4874"/>
-                <a:lumOff val="12971"/>
-              </a:schemeClr>
-            </a:solidFill>
-            <a:miter lim="400000"/>
-          </a:ln>
-        </p:spPr>
-        <p:txBody>
-          <a:bodyPr lIns="50800" tIns="50800" rIns="50800" bIns="50800" anchor="ctr"/>
-          <a:lstStyle/>
-          <a:p>
-            <a:pPr>
-              <a:defRPr>
-                <a:solidFill>
-                  <a:srgbClr val="202020"/>
-                </a:solidFill>
-              </a:defRPr>
-            </a:pPr>
-          </a:p>
-        </p:txBody>
-      </p:sp>
-      <p:sp>
-        <p:nvSpPr>
-          <p:cNvPr id="246" name="Shape 246"/>
-          <p:cNvSpPr/>
-          <p:nvPr/>
-        </p:nvSpPr>
-        <p:spPr>
-          <a:xfrm>
-            <a:off x="5453272" y="2603626"/>
-            <a:ext cx="3882910" cy="889001"/>
-          </a:xfrm>
-          <a:prstGeom prst="rect">
-            <a:avLst/>
-          </a:prstGeom>
-          <a:ln w="12700">
-            <a:miter lim="400000"/>
-          </a:ln>
-          <a:extLst>
-            <a:ext uri="{C572A759-6A51-4108-AA02-DFA0A04FC94B}">
-              <ma14:wrappingTextBoxFlag xmlns:ma14="http://schemas.microsoft.com/office/mac/drawingml/2011/main" val="1"/>
-            </a:ext>
-          </a:extLst>
-        </p:spPr>
-        <p:txBody>
-          <a:bodyPr lIns="50800" tIns="50800" rIns="50800" bIns="50800" anchor="ctr">
-            <a:spAutoFit/>
-          </a:bodyPr>
-          <a:lstStyle>
-            <a:lvl1pPr>
-              <a:defRPr sz="4800"/>
-            </a:lvl1pPr>
-          </a:lstStyle>
-          <a:p>
-            <a:pPr/>
-            <a:r>
-              <a:t>Python</a:t>
-            </a:r>
-          </a:p>
-        </p:txBody>
-      </p:sp>
-      <p:sp>
-        <p:nvSpPr>
-          <p:cNvPr id="247" name="Shape 247"/>
-          <p:cNvSpPr/>
-          <p:nvPr/>
-        </p:nvSpPr>
-        <p:spPr>
-          <a:xfrm>
-            <a:off x="9752070" y="2603626"/>
-            <a:ext cx="2170882" cy="889001"/>
-          </a:xfrm>
-          <a:prstGeom prst="rect">
-            <a:avLst/>
-          </a:prstGeom>
-          <a:ln w="12700">
-            <a:miter lim="400000"/>
-          </a:ln>
-          <a:extLst>
-            <a:ext uri="{C572A759-6A51-4108-AA02-DFA0A04FC94B}">
-              <ma14:wrappingTextBoxFlag xmlns:ma14="http://schemas.microsoft.com/office/mac/drawingml/2011/main" val="1"/>
-            </a:ext>
-          </a:extLst>
-        </p:spPr>
-        <p:txBody>
-          <a:bodyPr lIns="50800" tIns="50800" rIns="50800" bIns="50800" anchor="ctr">
-            <a:spAutoFit/>
-          </a:bodyPr>
-          <a:lstStyle>
-            <a:lvl1pPr>
-              <a:defRPr sz="4800"/>
-            </a:lvl1pPr>
-          </a:lstStyle>
-          <a:p>
-            <a:pPr/>
-            <a:r>
-              <a:t>Other</a:t>
-            </a:r>
-          </a:p>
-        </p:txBody>
-      </p:sp>
-      <p:sp>
-        <p:nvSpPr>
-          <p:cNvPr id="248" name="Shape 248"/>
-          <p:cNvSpPr/>
-          <p:nvPr/>
-        </p:nvSpPr>
-        <p:spPr>
-          <a:xfrm flipV="1">
-            <a:off x="5041593" y="3337169"/>
-            <a:ext cx="1" cy="2467972"/>
-          </a:xfrm>
-          <a:prstGeom prst="line">
-            <a:avLst/>
-          </a:prstGeom>
-          <a:ln w="12700">
-            <a:solidFill>
-              <a:schemeClr val="accent1">
-                <a:hueOff val="109193"/>
-                <a:satOff val="-4874"/>
-                <a:lumOff val="12971"/>
-              </a:schemeClr>
-            </a:solidFill>
-            <a:miter lim="400000"/>
-          </a:ln>
-        </p:spPr>
-        <p:txBody>
-          <a:bodyPr lIns="50800" tIns="50800" rIns="50800" bIns="50800" anchor="ctr"/>
-          <a:lstStyle/>
-          <a:p>
-            <a:pPr>
-              <a:defRPr>
-                <a:solidFill>
-                  <a:srgbClr val="202020"/>
-                </a:solidFill>
-              </a:defRPr>
-            </a:pPr>
-          </a:p>
-        </p:txBody>
-      </p:sp>
-      <p:sp>
-        <p:nvSpPr>
-          <p:cNvPr id="249" name="Shape 249"/>
-          <p:cNvSpPr/>
-          <p:nvPr/>
-        </p:nvSpPr>
-        <p:spPr>
-          <a:xfrm flipV="1">
-            <a:off x="9747860" y="3337169"/>
-            <a:ext cx="1" cy="4692162"/>
-          </a:xfrm>
-          <a:prstGeom prst="line">
-            <a:avLst/>
-          </a:prstGeom>
-          <a:ln w="12700">
-            <a:solidFill>
-              <a:schemeClr val="accent1">
-                <a:hueOff val="109193"/>
-                <a:satOff val="-4874"/>
-                <a:lumOff val="12971"/>
-              </a:schemeClr>
-            </a:solidFill>
-            <a:miter lim="400000"/>
-          </a:ln>
-        </p:spPr>
-        <p:txBody>
-          <a:bodyPr lIns="50800" tIns="50800" rIns="50800" bIns="50800" anchor="ctr"/>
-          <a:lstStyle/>
-          <a:p>
-            <a:pPr>
-              <a:defRPr>
-                <a:solidFill>
-                  <a:srgbClr val="202020"/>
-                </a:solidFill>
-              </a:defRPr>
-            </a:pPr>
-          </a:p>
-        </p:txBody>
-      </p:sp>
-      <p:sp>
-        <p:nvSpPr>
-          <p:cNvPr id="250" name="Shape 250"/>
-          <p:cNvSpPr/>
-          <p:nvPr/>
-        </p:nvSpPr>
-        <p:spPr>
-          <a:xfrm>
-            <a:off x="10159539" y="3498849"/>
-            <a:ext cx="1799556" cy="4368801"/>
-          </a:xfrm>
-          <a:prstGeom prst="rect">
-            <a:avLst/>
-          </a:prstGeom>
-          <a:ln w="12700">
-            <a:miter lim="400000"/>
-          </a:ln>
-          <a:extLst>
-            <a:ext uri="{C572A759-6A51-4108-AA02-DFA0A04FC94B}">
-              <ma14:wrappingTextBoxFlag xmlns:ma14="http://schemas.microsoft.com/office/mac/drawingml/2011/main" val="1"/>
-            </a:ext>
-          </a:extLst>
-        </p:spPr>
-        <p:txBody>
-          <a:bodyPr wrap="none" lIns="50800" tIns="50800" rIns="50800" bIns="50800" anchor="ctr">
-            <a:spAutoFit/>
-          </a:bodyPr>
-          <a:lstStyle/>
-          <a:p>
-            <a:pPr>
-              <a:defRPr sz="3600"/>
-            </a:pPr>
-            <a:r>
-              <a:t>SAS</a:t>
-            </a:r>
-          </a:p>
-          <a:p>
-            <a:pPr>
-              <a:defRPr sz="3600"/>
-            </a:pPr>
-            <a:r>
-              <a:t>SPSS</a:t>
-            </a:r>
-          </a:p>
-          <a:p>
-            <a:pPr>
-              <a:defRPr sz="3600"/>
-            </a:pPr>
-            <a:r>
-              <a:t>Stata</a:t>
-            </a:r>
-          </a:p>
-          <a:p>
-            <a:pPr>
-              <a:defRPr sz="3600"/>
-            </a:pPr>
-            <a:r>
-              <a:t>MatLab</a:t>
-            </a:r>
-          </a:p>
-          <a:p>
-            <a:pPr>
-              <a:defRPr sz="3600"/>
-            </a:pPr>
-            <a:r>
-              <a:t>Julia</a:t>
-            </a:r>
-          </a:p>
-          <a:p>
-            <a:pPr>
-              <a:defRPr sz="3600"/>
-            </a:pPr>
-            <a:r>
-              <a:t>Excel</a:t>
-            </a:r>
-          </a:p>
-          <a:p>
-            <a:pPr>
-              <a:defRPr sz="3600"/>
-            </a:pPr>
-            <a:r>
-              <a:t>…</a:t>
-            </a:r>
-          </a:p>
-        </p:txBody>
-      </p:sp>
-      <p:sp>
-        <p:nvSpPr>
-          <p:cNvPr id="251" name="Shape 251"/>
+              <a:t>Common Data Transformations</a:t>
+            </a:r>
+          </a:p>
+        </p:txBody>
+      </p:sp>
+      <p:sp>
+        <p:nvSpPr>
+          <p:cNvPr id="239" name="Shape 239"/>
           <p:cNvSpPr/>
           <p:nvPr/>
         </p:nvSpPr>
@@ -6056,7 +5852,7 @@
       </p:sp>
       <p:sp>
         <p:nvSpPr>
-          <p:cNvPr id="252" name="Shape 252"/>
+          <p:cNvPr id="240" name="Shape 240"/>
           <p:cNvSpPr/>
           <p:nvPr/>
         </p:nvSpPr>
@@ -6094,7 +5890,7 @@
       </p:sp>
       <p:sp>
         <p:nvSpPr>
-          <p:cNvPr id="253" name="Shape 253"/>
+          <p:cNvPr id="241" name="Shape 241"/>
           <p:cNvSpPr/>
           <p:nvPr/>
         </p:nvSpPr>
@@ -6138,7 +5934,7 @@
       </p:sp>
       <p:sp>
         <p:nvSpPr>
-          <p:cNvPr id="254" name="Shape 254"/>
+          <p:cNvPr id="242" name="Shape 242"/>
           <p:cNvSpPr/>
           <p:nvPr/>
         </p:nvSpPr>
@@ -6182,7 +5978,7 @@
       </p:sp>
       <p:sp>
         <p:nvSpPr>
-          <p:cNvPr id="255" name="Shape 255"/>
+          <p:cNvPr id="243" name="Shape 243"/>
           <p:cNvSpPr/>
           <p:nvPr/>
         </p:nvSpPr>
@@ -6218,16 +6014,45 @@
           </a:p>
         </p:txBody>
       </p:sp>
-      <p:sp>
-        <p:nvSpPr>
-          <p:cNvPr id="256" name="Shape 256"/>
-          <p:cNvSpPr/>
-          <p:nvPr/>
-        </p:nvSpPr>
-        <p:spPr>
-          <a:xfrm>
-            <a:off x="288459" y="3276892"/>
-            <a:ext cx="4728389" cy="2540001"/>
+      <p:pic>
+        <p:nvPicPr>
+          <p:cNvPr id="244" name="Screen Shot 2016-02-26 at 7.56.11 PM.png"/>
+          <p:cNvPicPr>
+            <a:picLocks noChangeAspect="1"/>
+          </p:cNvPicPr>
+          <p:nvPr/>
+        </p:nvPicPr>
+        <p:blipFill>
+          <a:blip r:embed="rId3">
+            <a:extLst/>
+          </a:blip>
+          <a:stretch>
+            <a:fillRect/>
+          </a:stretch>
+        </p:blipFill>
+        <p:spPr>
+          <a:xfrm>
+            <a:off x="5193083" y="2321093"/>
+            <a:ext cx="7795784" cy="4325531"/>
+          </a:xfrm>
+          <a:prstGeom prst="rect">
+            <a:avLst/>
+          </a:prstGeom>
+          <a:ln w="12700">
+            <a:miter lim="400000"/>
+          </a:ln>
+        </p:spPr>
+      </p:pic>
+      <p:sp>
+        <p:nvSpPr>
+          <p:cNvPr id="245" name="Shape 245"/>
+          <p:cNvSpPr/>
+          <p:nvPr/>
+        </p:nvSpPr>
+        <p:spPr>
+          <a:xfrm>
+            <a:off x="101609" y="2743326"/>
+            <a:ext cx="5914912" cy="5943601"/>
           </a:xfrm>
           <a:prstGeom prst="rect">
             <a:avLst/>
@@ -6248,13 +6073,18 @@
           <a:lstStyle/>
           <a:p>
             <a:pPr algn="l">
-              <a:defRPr sz="3600"/>
-            </a:pPr>
-            <a:r>
-              <a:rPr u="sng">
-                <a:hlinkClick r:id="rId3" invalidUrl="" action="" tgtFrame="" tooltip="" history="1" highlightClick="0" endSnd="0"/>
-              </a:rPr>
-              <a:t>Advanced R </a:t>
+              <a:defRPr sz="4800"/>
+            </a:pPr>
+            <a:r>
+              <a:t>All the little (un)</a:t>
+            </a:r>
+          </a:p>
+          <a:p>
+            <a:pPr algn="l">
+              <a:defRPr sz="4800"/>
+            </a:pPr>
+            <a:r>
+              <a:t>glamorous bits. </a:t>
             </a:r>
           </a:p>
           <a:p>
@@ -6262,79 +6092,42 @@
               <a:defRPr sz="3600"/>
             </a:pPr>
             <a:r>
-              <a:t>by Hadley Wickham</a:t>
+              <a:t>There is often data </a:t>
             </a:r>
           </a:p>
           <a:p>
             <a:pPr algn="l">
               <a:defRPr sz="3600"/>
             </a:pPr>
+            <a:r>
+              <a:t>cleaning to do - numeric fields with commas </a:t>
+            </a:r>
           </a:p>
           <a:p>
             <a:pPr algn="l">
               <a:defRPr sz="3600"/>
             </a:pPr>
             <a:r>
-              <a:rPr u="sng">
-                <a:hlinkClick r:id="rId4" invalidUrl="" action="" tgtFrame="" tooltip="" history="1" highlightClick="0" endSnd="0"/>
-              </a:rPr>
-              <a:t>Swirl</a:t>
-            </a:r>
-            <a:r>
-              <a:t>. Learn R in R</a:t>
-            </a:r>
-          </a:p>
-        </p:txBody>
-      </p:sp>
-      <p:sp>
-        <p:nvSpPr>
-          <p:cNvPr id="257" name="Shape 257"/>
-          <p:cNvSpPr/>
-          <p:nvPr/>
-        </p:nvSpPr>
-        <p:spPr>
-          <a:xfrm>
-            <a:off x="170216" y="5799666"/>
-            <a:ext cx="9595637" cy="1"/>
-          </a:xfrm>
-          <a:prstGeom prst="line">
-            <a:avLst/>
-          </a:prstGeom>
-          <a:ln w="12700">
-            <a:solidFill>
-              <a:schemeClr val="accent1">
-                <a:hueOff val="109193"/>
-                <a:satOff val="-4874"/>
-                <a:lumOff val="12971"/>
-              </a:schemeClr>
-            </a:solidFill>
-            <a:miter lim="400000"/>
-          </a:ln>
-        </p:spPr>
-        <p:txBody>
-          <a:bodyPr lIns="50800" tIns="50800" rIns="50800" bIns="50800" anchor="ctr"/>
-          <a:lstStyle/>
-          <a:p>
-            <a:pPr>
-              <a:defRPr>
-                <a:solidFill>
-                  <a:srgbClr val="202020"/>
-                </a:solidFill>
-              </a:defRPr>
-            </a:pPr>
-          </a:p>
-        </p:txBody>
-      </p:sp>
-      <p:sp>
-        <p:nvSpPr>
-          <p:cNvPr id="258" name="Shape 258"/>
-          <p:cNvSpPr/>
-          <p:nvPr/>
-        </p:nvSpPr>
-        <p:spPr>
-          <a:xfrm>
-            <a:off x="294192" y="6811268"/>
-            <a:ext cx="9347686" cy="2133601"/>
+              <a:t>stored as text, checks for duplicates, and more. </a:t>
+            </a:r>
+          </a:p>
+          <a:p>
+            <a:pPr algn="l">
+              <a:defRPr sz="3600"/>
+            </a:pPr>
+          </a:p>
+        </p:txBody>
+      </p:sp>
+      <p:sp>
+        <p:nvSpPr>
+          <p:cNvPr id="246" name="Shape 246"/>
+          <p:cNvSpPr/>
+          <p:nvPr/>
+        </p:nvSpPr>
+        <p:spPr>
+          <a:xfrm>
+            <a:off x="5150205" y="6642943"/>
+            <a:ext cx="6186591" cy="341839"/>
           </a:xfrm>
           <a:prstGeom prst="rect">
             <a:avLst/>
@@ -6349,88 +6142,39 @@
           </a:extLst>
         </p:spPr>
         <p:txBody>
-          <a:bodyPr lIns="50800" tIns="50800" rIns="50800" bIns="50800" anchor="ctr">
-            <a:spAutoFit/>
+          <a:bodyPr lIns="50800" tIns="50800" rIns="50800" bIns="50800">
+            <a:normAutofit fontScale="100000" lnSpcReduction="0"/>
           </a:bodyPr>
-          <a:lstStyle/>
-          <a:p>
-            <a:pPr/>
-            <a:r>
-              <a:rPr u="sng">
-                <a:hlinkClick r:id="rId5" invalidUrl="" action="" tgtFrame="" tooltip="" history="1" highlightClick="0" endSnd="0"/>
-              </a:rPr>
-              <a:t>datacamp.com</a:t>
-            </a:r>
-            <a:r>
-              <a:t>               </a:t>
-            </a:r>
-            <a:r>
-              <a:rPr u="sng">
-                <a:hlinkClick r:id="rId6" invalidUrl="" action="" tgtFrame="" tooltip="" history="1" highlightClick="0" endSnd="0"/>
-              </a:rPr>
-              <a:t>codeschool.com</a:t>
-            </a:r>
-          </a:p>
-          <a:p>
-            <a:pPr/>
-            <a:r>
-              <a:rPr u="sng">
-                <a:hlinkClick r:id="rId7" invalidUrl="" action="" tgtFrame="" tooltip="" history="1" highlightClick="0" endSnd="0"/>
-              </a:rPr>
-              <a:t>udemy.com</a:t>
-            </a:r>
-            <a:r>
-              <a:t>                            </a:t>
-            </a:r>
-            <a:r>
-              <a:rPr u="sng">
-                <a:hlinkClick r:id="rId8" invalidUrl="" action="" tgtFrame="" tooltip="" history="1" highlightClick="0" endSnd="0"/>
-              </a:rPr>
-              <a:t>kaggle.com</a:t>
-            </a:r>
-          </a:p>
-          <a:p>
-            <a:pPr/>
-            <a:r>
-              <a:rPr u="sng">
-                <a:hlinkClick r:id="rId9" invalidUrl="" action="" tgtFrame="" tooltip="" history="1" highlightClick="0" endSnd="0"/>
-              </a:rPr>
-              <a:t>codeacademy.com</a:t>
-            </a:r>
-            <a:r>
-              <a:t>                </a:t>
-            </a:r>
-            <a:r>
-              <a:rPr u="sng">
-                <a:hlinkClick r:id="rId10" invalidUrl="" action="" tgtFrame="" tooltip="" history="1" highlightClick="0" endSnd="0"/>
-              </a:rPr>
-              <a:t>coursera.org</a:t>
-            </a:r>
-          </a:p>
-          <a:p>
-            <a:pPr/>
-            <a:r>
-              <a:rPr u="sng">
-                <a:hlinkClick r:id="rId11" invalidUrl="" action="" tgtFrame="" tooltip="" history="1" highlightClick="0" endSnd="0"/>
-              </a:rPr>
-              <a:t>lynda.com</a:t>
-            </a:r>
-            <a:r>
-              <a:t> (free through DC public library)</a:t>
-            </a:r>
-          </a:p>
-        </p:txBody>
-      </p:sp>
-      <p:sp>
-        <p:nvSpPr>
-          <p:cNvPr id="259" name="Shape 259"/>
-          <p:cNvSpPr/>
-          <p:nvPr/>
-        </p:nvSpPr>
-        <p:spPr>
-          <a:xfrm>
-            <a:off x="5030532" y="3276892"/>
-            <a:ext cx="4728389" cy="2540001"/>
+          <a:lstStyle>
+            <a:lvl1pPr algn="l" defTabSz="368045">
+              <a:spcBef>
+                <a:spcPts val="600"/>
+              </a:spcBef>
+              <a:defRPr sz="1512">
+                <a:solidFill>
+                  <a:srgbClr val="5C86B9"/>
+                </a:solidFill>
+              </a:defRPr>
+            </a:lvl1pPr>
+          </a:lstStyle>
+          <a:p>
+            <a:pPr/>
+            <a:r>
+              <a:t>Source: DataLensDC</a:t>
+            </a:r>
+          </a:p>
+        </p:txBody>
+      </p:sp>
+      <p:sp>
+        <p:nvSpPr>
+          <p:cNvPr id="247" name="Shape 247"/>
+          <p:cNvSpPr/>
+          <p:nvPr/>
+        </p:nvSpPr>
+        <p:spPr>
+          <a:xfrm>
+            <a:off x="1966892" y="8451127"/>
+            <a:ext cx="7165232" cy="533401"/>
           </a:xfrm>
           <a:prstGeom prst="rect">
             <a:avLst/>
@@ -6445,75 +6189,22 @@
           </a:extLst>
         </p:spPr>
         <p:txBody>
-          <a:bodyPr lIns="50800" tIns="50800" rIns="50800" bIns="50800" anchor="ctr">
+          <a:bodyPr wrap="none" lIns="50800" tIns="50800" rIns="50800" bIns="50800" anchor="ctr">
             <a:spAutoFit/>
           </a:bodyPr>
           <a:lstStyle/>
           <a:p>
             <a:pPr algn="l">
-              <a:defRPr sz="3600"/>
-            </a:pPr>
+              <a:defRPr sz="2600"/>
+            </a:pPr>
+            <a:r>
+              <a:t>You can check out the full code behind this </a:t>
+            </a:r>
             <a:r>
               <a:rPr u="sng">
-                <a:hlinkClick r:id="rId12" invalidUrl="" action="" tgtFrame="" tooltip="" history="1" highlightClick="0" endSnd="0"/>
+                <a:hlinkClick r:id="rId4" invalidUrl="" action="" tgtFrame="" tooltip="" history="1" highlightClick="0" endSnd="0"/>
               </a:rPr>
-              <a:t>Learn Python the Hard Way</a:t>
-            </a:r>
-          </a:p>
-          <a:p>
-            <a:pPr algn="l">
-              <a:defRPr sz="3600"/>
-            </a:pPr>
-          </a:p>
-          <a:p>
-            <a:pPr algn="l">
-              <a:defRPr sz="3600"/>
-            </a:pPr>
-            <a:r>
-              <a:rPr u="sng">
-                <a:hlinkClick r:id="rId13" invalidUrl="" action="" tgtFrame="" tooltip="" history="1" highlightClick="0" endSnd="0"/>
-              </a:rPr>
-              <a:t>Learnpython.org</a:t>
-            </a:r>
-          </a:p>
-        </p:txBody>
-      </p:sp>
-      <p:sp>
-        <p:nvSpPr>
-          <p:cNvPr id="260" name="Shape 260"/>
-          <p:cNvSpPr/>
-          <p:nvPr/>
-        </p:nvSpPr>
-        <p:spPr>
-          <a:xfrm>
-            <a:off x="165444" y="5869580"/>
-            <a:ext cx="9605182" cy="889001"/>
-          </a:xfrm>
-          <a:prstGeom prst="rect">
-            <a:avLst/>
-          </a:prstGeom>
-          <a:ln w="12700">
-            <a:miter lim="400000"/>
-          </a:ln>
-          <a:extLst>
-            <a:ext uri="{C572A759-6A51-4108-AA02-DFA0A04FC94B}">
-              <ma14:wrappingTextBoxFlag xmlns:ma14="http://schemas.microsoft.com/office/mac/drawingml/2011/main" val="1"/>
-            </a:ext>
-          </a:extLst>
-        </p:spPr>
-        <p:txBody>
-          <a:bodyPr lIns="50800" tIns="50800" rIns="50800" bIns="50800" anchor="ctr">
-            <a:spAutoFit/>
-          </a:bodyPr>
-          <a:lstStyle>
-            <a:lvl1pPr>
-              <a:defRPr sz="4800"/>
-            </a:lvl1pPr>
-          </a:lstStyle>
-          <a:p>
-            <a:pPr/>
-            <a:r>
-              <a:t>Resources for R, Python, and More</a:t>
+              <a:t>here.</a:t>
             </a:r>
           </a:p>
         </p:txBody>
@@ -6546,7 +6237,7 @@
       </p:grpSpPr>
       <p:sp>
         <p:nvSpPr>
-          <p:cNvPr id="262" name="Shape 262"/>
+          <p:cNvPr id="249" name="Shape 249"/>
           <p:cNvSpPr/>
           <p:nvPr>
             <p:ph type="title"/>
@@ -6560,8 +6251,8 @@
         <p:txBody>
           <a:bodyPr/>
           <a:lstStyle>
-            <a:lvl1pPr>
-              <a:defRPr spc="-148" sz="7400">
+            <a:lvl1pPr defTabSz="484886">
+              <a:defRPr spc="-122" sz="6142">
                 <a:solidFill>
                   <a:srgbClr val="D81E00"/>
                 </a:solidFill>
@@ -6571,14 +6262,337 @@
           <a:p>
             <a:pPr/>
             <a:r>
-              <a:t>Active DC Data Community</a:t>
-            </a:r>
-          </a:p>
-        </p:txBody>
-      </p:sp>
-      <p:sp>
-        <p:nvSpPr>
-          <p:cNvPr id="263" name="Shape 263"/>
+              <a:t>Commonly Used Data Analysis Tools + Learning Resources</a:t>
+            </a:r>
+          </a:p>
+        </p:txBody>
+      </p:sp>
+      <p:sp>
+        <p:nvSpPr>
+          <p:cNvPr id="250" name="Shape 250"/>
+          <p:cNvSpPr/>
+          <p:nvPr/>
+        </p:nvSpPr>
+        <p:spPr>
+          <a:xfrm>
+            <a:off x="1165034" y="2603626"/>
+            <a:ext cx="3882910" cy="889001"/>
+          </a:xfrm>
+          <a:prstGeom prst="rect">
+            <a:avLst/>
+          </a:prstGeom>
+          <a:ln w="12700">
+            <a:miter lim="400000"/>
+          </a:ln>
+          <a:extLst>
+            <a:ext uri="{C572A759-6A51-4108-AA02-DFA0A04FC94B}">
+              <ma14:wrappingTextBoxFlag xmlns:ma14="http://schemas.microsoft.com/office/mac/drawingml/2011/main" val="1"/>
+            </a:ext>
+          </a:extLst>
+        </p:spPr>
+        <p:txBody>
+          <a:bodyPr lIns="50800" tIns="50800" rIns="50800" bIns="50800" anchor="ctr">
+            <a:spAutoFit/>
+          </a:bodyPr>
+          <a:lstStyle>
+            <a:lvl1pPr>
+              <a:defRPr sz="4800"/>
+            </a:lvl1pPr>
+          </a:lstStyle>
+          <a:p>
+            <a:pPr/>
+            <a:r>
+              <a:t>R</a:t>
+            </a:r>
+          </a:p>
+        </p:txBody>
+      </p:sp>
+      <p:sp>
+        <p:nvSpPr>
+          <p:cNvPr id="251" name="Shape 251"/>
+          <p:cNvSpPr/>
+          <p:nvPr/>
+        </p:nvSpPr>
+        <p:spPr>
+          <a:xfrm>
+            <a:off x="384609" y="3346780"/>
+            <a:ext cx="12192002" cy="1"/>
+          </a:xfrm>
+          <a:prstGeom prst="line">
+            <a:avLst/>
+          </a:prstGeom>
+          <a:ln w="12700">
+            <a:solidFill>
+              <a:schemeClr val="accent1">
+                <a:hueOff val="109193"/>
+                <a:satOff val="-4874"/>
+                <a:lumOff val="12971"/>
+              </a:schemeClr>
+            </a:solidFill>
+            <a:miter lim="400000"/>
+          </a:ln>
+        </p:spPr>
+        <p:txBody>
+          <a:bodyPr lIns="50800" tIns="50800" rIns="50800" bIns="50800" anchor="ctr"/>
+          <a:lstStyle/>
+          <a:p>
+            <a:pPr>
+              <a:defRPr>
+                <a:solidFill>
+                  <a:srgbClr val="202020"/>
+                </a:solidFill>
+              </a:defRPr>
+            </a:pPr>
+          </a:p>
+        </p:txBody>
+      </p:sp>
+      <p:sp>
+        <p:nvSpPr>
+          <p:cNvPr id="252" name="Shape 252"/>
+          <p:cNvSpPr/>
+          <p:nvPr/>
+        </p:nvSpPr>
+        <p:spPr>
+          <a:xfrm>
+            <a:off x="5453272" y="2603626"/>
+            <a:ext cx="3882910" cy="889001"/>
+          </a:xfrm>
+          <a:prstGeom prst="rect">
+            <a:avLst/>
+          </a:prstGeom>
+          <a:ln w="12700">
+            <a:miter lim="400000"/>
+          </a:ln>
+          <a:extLst>
+            <a:ext uri="{C572A759-6A51-4108-AA02-DFA0A04FC94B}">
+              <ma14:wrappingTextBoxFlag xmlns:ma14="http://schemas.microsoft.com/office/mac/drawingml/2011/main" val="1"/>
+            </a:ext>
+          </a:extLst>
+        </p:spPr>
+        <p:txBody>
+          <a:bodyPr lIns="50800" tIns="50800" rIns="50800" bIns="50800" anchor="ctr">
+            <a:spAutoFit/>
+          </a:bodyPr>
+          <a:lstStyle>
+            <a:lvl1pPr>
+              <a:defRPr sz="4800"/>
+            </a:lvl1pPr>
+          </a:lstStyle>
+          <a:p>
+            <a:pPr/>
+            <a:r>
+              <a:t>Python</a:t>
+            </a:r>
+          </a:p>
+        </p:txBody>
+      </p:sp>
+      <p:sp>
+        <p:nvSpPr>
+          <p:cNvPr id="253" name="Shape 253"/>
+          <p:cNvSpPr/>
+          <p:nvPr/>
+        </p:nvSpPr>
+        <p:spPr>
+          <a:xfrm>
+            <a:off x="9752070" y="2603626"/>
+            <a:ext cx="2170882" cy="889001"/>
+          </a:xfrm>
+          <a:prstGeom prst="rect">
+            <a:avLst/>
+          </a:prstGeom>
+          <a:ln w="12700">
+            <a:miter lim="400000"/>
+          </a:ln>
+          <a:extLst>
+            <a:ext uri="{C572A759-6A51-4108-AA02-DFA0A04FC94B}">
+              <ma14:wrappingTextBoxFlag xmlns:ma14="http://schemas.microsoft.com/office/mac/drawingml/2011/main" val="1"/>
+            </a:ext>
+          </a:extLst>
+        </p:spPr>
+        <p:txBody>
+          <a:bodyPr lIns="50800" tIns="50800" rIns="50800" bIns="50800" anchor="ctr">
+            <a:spAutoFit/>
+          </a:bodyPr>
+          <a:lstStyle>
+            <a:lvl1pPr>
+              <a:defRPr sz="4800"/>
+            </a:lvl1pPr>
+          </a:lstStyle>
+          <a:p>
+            <a:pPr/>
+            <a:r>
+              <a:t>Other</a:t>
+            </a:r>
+          </a:p>
+        </p:txBody>
+      </p:sp>
+      <p:sp>
+        <p:nvSpPr>
+          <p:cNvPr id="254" name="Shape 254"/>
+          <p:cNvSpPr/>
+          <p:nvPr/>
+        </p:nvSpPr>
+        <p:spPr>
+          <a:xfrm flipV="1">
+            <a:off x="5041593" y="3337169"/>
+            <a:ext cx="1" cy="2467972"/>
+          </a:xfrm>
+          <a:prstGeom prst="line">
+            <a:avLst/>
+          </a:prstGeom>
+          <a:ln w="12700">
+            <a:solidFill>
+              <a:schemeClr val="accent1">
+                <a:hueOff val="109193"/>
+                <a:satOff val="-4874"/>
+                <a:lumOff val="12971"/>
+              </a:schemeClr>
+            </a:solidFill>
+            <a:miter lim="400000"/>
+          </a:ln>
+        </p:spPr>
+        <p:txBody>
+          <a:bodyPr lIns="50800" tIns="50800" rIns="50800" bIns="50800" anchor="ctr"/>
+          <a:lstStyle/>
+          <a:p>
+            <a:pPr>
+              <a:defRPr>
+                <a:solidFill>
+                  <a:srgbClr val="202020"/>
+                </a:solidFill>
+              </a:defRPr>
+            </a:pPr>
+          </a:p>
+        </p:txBody>
+      </p:sp>
+      <p:sp>
+        <p:nvSpPr>
+          <p:cNvPr id="255" name="Shape 255"/>
+          <p:cNvSpPr/>
+          <p:nvPr/>
+        </p:nvSpPr>
+        <p:spPr>
+          <a:xfrm flipV="1">
+            <a:off x="9747860" y="3337169"/>
+            <a:ext cx="1" cy="4692162"/>
+          </a:xfrm>
+          <a:prstGeom prst="line">
+            <a:avLst/>
+          </a:prstGeom>
+          <a:ln w="12700">
+            <a:solidFill>
+              <a:schemeClr val="accent1">
+                <a:hueOff val="109193"/>
+                <a:satOff val="-4874"/>
+                <a:lumOff val="12971"/>
+              </a:schemeClr>
+            </a:solidFill>
+            <a:miter lim="400000"/>
+          </a:ln>
+        </p:spPr>
+        <p:txBody>
+          <a:bodyPr lIns="50800" tIns="50800" rIns="50800" bIns="50800" anchor="ctr"/>
+          <a:lstStyle/>
+          <a:p>
+            <a:pPr>
+              <a:defRPr>
+                <a:solidFill>
+                  <a:srgbClr val="202020"/>
+                </a:solidFill>
+              </a:defRPr>
+            </a:pPr>
+          </a:p>
+        </p:txBody>
+      </p:sp>
+      <p:sp>
+        <p:nvSpPr>
+          <p:cNvPr id="256" name="Shape 256"/>
+          <p:cNvSpPr/>
+          <p:nvPr/>
+        </p:nvSpPr>
+        <p:spPr>
+          <a:xfrm>
+            <a:off x="10159539" y="3498849"/>
+            <a:ext cx="1799556" cy="4368801"/>
+          </a:xfrm>
+          <a:prstGeom prst="rect">
+            <a:avLst/>
+          </a:prstGeom>
+          <a:ln w="12700">
+            <a:miter lim="400000"/>
+          </a:ln>
+          <a:extLst>
+            <a:ext uri="{C572A759-6A51-4108-AA02-DFA0A04FC94B}">
+              <ma14:wrappingTextBoxFlag xmlns:ma14="http://schemas.microsoft.com/office/mac/drawingml/2011/main" val="1"/>
+            </a:ext>
+          </a:extLst>
+        </p:spPr>
+        <p:txBody>
+          <a:bodyPr wrap="none" lIns="50800" tIns="50800" rIns="50800" bIns="50800" anchor="ctr">
+            <a:spAutoFit/>
+          </a:bodyPr>
+          <a:lstStyle/>
+          <a:p>
+            <a:pPr>
+              <a:defRPr sz="3600"/>
+            </a:pPr>
+            <a:r>
+              <a:t>SAS</a:t>
+            </a:r>
+          </a:p>
+          <a:p>
+            <a:pPr>
+              <a:defRPr sz="3600"/>
+            </a:pPr>
+            <a:r>
+              <a:t>SPSS</a:t>
+            </a:r>
+          </a:p>
+          <a:p>
+            <a:pPr>
+              <a:defRPr sz="3600"/>
+            </a:pPr>
+            <a:r>
+              <a:t>Stata</a:t>
+            </a:r>
+          </a:p>
+          <a:p>
+            <a:pPr>
+              <a:defRPr sz="3600"/>
+            </a:pPr>
+            <a:r>
+              <a:t>MatLab</a:t>
+            </a:r>
+          </a:p>
+          <a:p>
+            <a:pPr>
+              <a:defRPr sz="3600"/>
+            </a:pPr>
+            <a:r>
+              <a:t>Julia</a:t>
+            </a:r>
+          </a:p>
+          <a:p>
+            <a:pPr>
+              <a:defRPr sz="3600"/>
+            </a:pPr>
+            <a:r>
+              <a:t>Excel</a:t>
+            </a:r>
+          </a:p>
+          <a:p>
+            <a:pPr>
+              <a:defRPr sz="3600"/>
+            </a:pPr>
+            <a:r>
+              <a:t>…</a:t>
+            </a:r>
+          </a:p>
+        </p:txBody>
+      </p:sp>
+      <p:sp>
+        <p:nvSpPr>
+          <p:cNvPr id="257" name="Shape 257"/>
           <p:cNvSpPr/>
           <p:nvPr/>
         </p:nvSpPr>
@@ -6622,7 +6636,7 @@
       </p:sp>
       <p:sp>
         <p:nvSpPr>
-          <p:cNvPr id="264" name="Shape 264"/>
+          <p:cNvPr id="258" name="Shape 258"/>
           <p:cNvSpPr/>
           <p:nvPr/>
         </p:nvSpPr>
@@ -6660,7 +6674,7 @@
       </p:sp>
       <p:sp>
         <p:nvSpPr>
-          <p:cNvPr id="265" name="Shape 265"/>
+          <p:cNvPr id="259" name="Shape 259"/>
           <p:cNvSpPr/>
           <p:nvPr/>
         </p:nvSpPr>
@@ -6704,7 +6718,7 @@
       </p:sp>
       <p:sp>
         <p:nvSpPr>
-          <p:cNvPr id="266" name="Shape 266"/>
+          <p:cNvPr id="260" name="Shape 260"/>
           <p:cNvSpPr/>
           <p:nvPr/>
         </p:nvSpPr>
@@ -6748,7 +6762,7 @@
       </p:sp>
       <p:sp>
         <p:nvSpPr>
-          <p:cNvPr id="267" name="Shape 267"/>
+          <p:cNvPr id="261" name="Shape 261"/>
           <p:cNvSpPr/>
           <p:nvPr/>
         </p:nvSpPr>
@@ -6784,238 +6798,306 @@
           </a:p>
         </p:txBody>
       </p:sp>
-      <p:pic>
-        <p:nvPicPr>
-          <p:cNvPr id="268" name="Screen Shot 2016-02-27 at 2.52.59 PM.png"/>
-          <p:cNvPicPr>
-            <a:picLocks noChangeAspect="1"/>
-          </p:cNvPicPr>
-          <p:nvPr/>
-        </p:nvPicPr>
-        <p:blipFill>
-          <a:blip r:embed="rId3">
-            <a:extLst/>
-          </a:blip>
-          <a:stretch>
-            <a:fillRect/>
-          </a:stretch>
-        </p:blipFill>
-        <p:spPr>
-          <a:xfrm>
-            <a:off x="597297" y="3135009"/>
-            <a:ext cx="5016501" cy="889001"/>
-          </a:xfrm>
-          <a:prstGeom prst="rect">
-            <a:avLst/>
-          </a:prstGeom>
-          <a:ln w="12700">
-            <a:miter lim="400000"/>
-          </a:ln>
-        </p:spPr>
-      </p:pic>
-      <p:pic>
-        <p:nvPicPr>
-          <p:cNvPr id="269" name="Screen Shot 2016-02-27 at 2.59.42 PM.png"/>
-          <p:cNvPicPr>
-            <a:picLocks noChangeAspect="1"/>
-          </p:cNvPicPr>
-          <p:nvPr/>
-        </p:nvPicPr>
-        <p:blipFill>
-          <a:blip r:embed="rId4">
-            <a:extLst/>
-          </a:blip>
-          <a:stretch>
-            <a:fillRect/>
-          </a:stretch>
-        </p:blipFill>
-        <p:spPr>
-          <a:xfrm>
-            <a:off x="584687" y="7540195"/>
-            <a:ext cx="2413001" cy="1193801"/>
-          </a:xfrm>
-          <a:prstGeom prst="rect">
-            <a:avLst/>
-          </a:prstGeom>
-          <a:ln w="12700">
-            <a:miter lim="400000"/>
-          </a:ln>
-        </p:spPr>
-      </p:pic>
-      <p:pic>
-        <p:nvPicPr>
-          <p:cNvPr id="270" name="Screen Shot 2016-02-28 at 5.33.13 PM.png"/>
-          <p:cNvPicPr>
-            <a:picLocks noChangeAspect="1"/>
-          </p:cNvPicPr>
-          <p:nvPr/>
-        </p:nvPicPr>
-        <p:blipFill>
-          <a:blip r:embed="rId5">
-            <a:extLst/>
-          </a:blip>
-          <a:stretch>
-            <a:fillRect/>
-          </a:stretch>
-        </p:blipFill>
-        <p:spPr>
-          <a:xfrm>
-            <a:off x="4392437" y="7286195"/>
-            <a:ext cx="2717801" cy="1701801"/>
-          </a:xfrm>
-          <a:prstGeom prst="rect">
-            <a:avLst/>
-          </a:prstGeom>
-          <a:ln w="12700">
-            <a:miter lim="400000"/>
-          </a:ln>
-        </p:spPr>
-      </p:pic>
-      <p:pic>
-        <p:nvPicPr>
-          <p:cNvPr id="271" name="Screen Shot 2016-02-28 at 5.34.08 PM.png"/>
-          <p:cNvPicPr>
-            <a:picLocks noChangeAspect="1"/>
-          </p:cNvPicPr>
-          <p:nvPr/>
-        </p:nvPicPr>
-        <p:blipFill>
-          <a:blip r:embed="rId6">
-            <a:extLst/>
-          </a:blip>
-          <a:stretch>
-            <a:fillRect/>
-          </a:stretch>
-        </p:blipFill>
-        <p:spPr>
-          <a:xfrm>
-            <a:off x="9031819" y="7400495"/>
-            <a:ext cx="2895601" cy="1473201"/>
-          </a:xfrm>
-          <a:prstGeom prst="rect">
-            <a:avLst/>
-          </a:prstGeom>
-          <a:ln w="12700">
-            <a:miter lim="400000"/>
-          </a:ln>
-        </p:spPr>
-      </p:pic>
-      <p:pic>
-        <p:nvPicPr>
-          <p:cNvPr id="272" name="Screen Shot 2016-02-28 at 5.34.50 PM.png"/>
-          <p:cNvPicPr>
-            <a:picLocks noChangeAspect="1"/>
-          </p:cNvPicPr>
-          <p:nvPr/>
-        </p:nvPicPr>
-        <p:blipFill>
-          <a:blip r:embed="rId7">
-            <a:extLst/>
-          </a:blip>
-          <a:stretch>
-            <a:fillRect/>
-          </a:stretch>
-        </p:blipFill>
-        <p:spPr>
-          <a:xfrm>
-            <a:off x="9027044" y="3079303"/>
-            <a:ext cx="2905151" cy="1473201"/>
-          </a:xfrm>
-          <a:prstGeom prst="rect">
-            <a:avLst/>
-          </a:prstGeom>
-          <a:ln w="12700">
-            <a:miter lim="400000"/>
-          </a:ln>
-        </p:spPr>
-      </p:pic>
-      <p:pic>
-        <p:nvPicPr>
-          <p:cNvPr id="273" name="Screen Shot 2016-02-28 at 8.24.53 PM.png"/>
-          <p:cNvPicPr>
-            <a:picLocks noChangeAspect="1"/>
-          </p:cNvPicPr>
-          <p:nvPr/>
-        </p:nvPicPr>
-        <p:blipFill>
-          <a:blip r:embed="rId8">
-            <a:extLst/>
-          </a:blip>
-          <a:stretch>
-            <a:fillRect/>
-          </a:stretch>
-        </p:blipFill>
-        <p:spPr>
-          <a:xfrm>
-            <a:off x="9120719" y="5056036"/>
-            <a:ext cx="2717801" cy="745739"/>
-          </a:xfrm>
-          <a:prstGeom prst="rect">
-            <a:avLst/>
-          </a:prstGeom>
-          <a:ln w="12700">
-            <a:miter lim="400000"/>
-          </a:ln>
-        </p:spPr>
-      </p:pic>
-      <p:pic>
-        <p:nvPicPr>
-          <p:cNvPr id="274" name="Screen Shot 2016-02-28 at 8.30.26 PM.png"/>
-          <p:cNvPicPr>
-            <a:picLocks noChangeAspect="1"/>
-          </p:cNvPicPr>
-          <p:nvPr/>
-        </p:nvPicPr>
-        <p:blipFill>
-          <a:blip r:embed="rId9">
-            <a:extLst/>
-          </a:blip>
-          <a:stretch>
-            <a:fillRect/>
-          </a:stretch>
-        </p:blipFill>
-        <p:spPr>
-          <a:xfrm>
-            <a:off x="5089084" y="4344690"/>
-            <a:ext cx="2451101" cy="1917701"/>
-          </a:xfrm>
-          <a:prstGeom prst="rect">
-            <a:avLst/>
-          </a:prstGeom>
-          <a:ln w="12700">
-            <a:miter lim="400000"/>
-          </a:ln>
-        </p:spPr>
-      </p:pic>
-      <p:pic>
-        <p:nvPicPr>
-          <p:cNvPr id="275" name="Screen Shot 2016-02-28 at 8.33.30 PM.png"/>
-          <p:cNvPicPr>
-            <a:picLocks noChangeAspect="1"/>
-          </p:cNvPicPr>
-          <p:nvPr/>
-        </p:nvPicPr>
-        <p:blipFill>
-          <a:blip r:embed="rId10">
-            <a:extLst/>
-          </a:blip>
-          <a:stretch>
-            <a:fillRect/>
-          </a:stretch>
-        </p:blipFill>
-        <p:spPr>
-          <a:xfrm>
-            <a:off x="618673" y="4908367"/>
-            <a:ext cx="3793619" cy="1041076"/>
-          </a:xfrm>
-          <a:prstGeom prst="rect">
-            <a:avLst/>
-          </a:prstGeom>
-          <a:ln w="12700">
-            <a:miter lim="400000"/>
-          </a:ln>
-        </p:spPr>
-      </p:pic>
+      <p:sp>
+        <p:nvSpPr>
+          <p:cNvPr id="262" name="Shape 262"/>
+          <p:cNvSpPr/>
+          <p:nvPr/>
+        </p:nvSpPr>
+        <p:spPr>
+          <a:xfrm>
+            <a:off x="288459" y="3276892"/>
+            <a:ext cx="4728389" cy="2540001"/>
+          </a:xfrm>
+          <a:prstGeom prst="rect">
+            <a:avLst/>
+          </a:prstGeom>
+          <a:ln w="12700">
+            <a:miter lim="400000"/>
+          </a:ln>
+          <a:extLst>
+            <a:ext uri="{C572A759-6A51-4108-AA02-DFA0A04FC94B}">
+              <ma14:wrappingTextBoxFlag xmlns:ma14="http://schemas.microsoft.com/office/mac/drawingml/2011/main" val="1"/>
+            </a:ext>
+          </a:extLst>
+        </p:spPr>
+        <p:txBody>
+          <a:bodyPr lIns="50800" tIns="50800" rIns="50800" bIns="50800" anchor="ctr">
+            <a:spAutoFit/>
+          </a:bodyPr>
+          <a:lstStyle/>
+          <a:p>
+            <a:pPr algn="l">
+              <a:defRPr sz="3600"/>
+            </a:pPr>
+            <a:r>
+              <a:rPr u="sng">
+                <a:hlinkClick r:id="rId3" invalidUrl="" action="" tgtFrame="" tooltip="" history="1" highlightClick="0" endSnd="0"/>
+              </a:rPr>
+              <a:t>Advanced R </a:t>
+            </a:r>
+          </a:p>
+          <a:p>
+            <a:pPr algn="l">
+              <a:defRPr sz="3600"/>
+            </a:pPr>
+            <a:r>
+              <a:t>by Hadley Wickham</a:t>
+            </a:r>
+          </a:p>
+          <a:p>
+            <a:pPr algn="l">
+              <a:defRPr sz="3600"/>
+            </a:pPr>
+          </a:p>
+          <a:p>
+            <a:pPr algn="l">
+              <a:defRPr sz="3600"/>
+            </a:pPr>
+            <a:r>
+              <a:rPr u="sng">
+                <a:hlinkClick r:id="rId4" invalidUrl="" action="" tgtFrame="" tooltip="" history="1" highlightClick="0" endSnd="0"/>
+              </a:rPr>
+              <a:t>Swirl</a:t>
+            </a:r>
+            <a:r>
+              <a:t>. Learn R in R</a:t>
+            </a:r>
+          </a:p>
+        </p:txBody>
+      </p:sp>
+      <p:sp>
+        <p:nvSpPr>
+          <p:cNvPr id="263" name="Shape 263"/>
+          <p:cNvSpPr/>
+          <p:nvPr/>
+        </p:nvSpPr>
+        <p:spPr>
+          <a:xfrm>
+            <a:off x="170216" y="5799666"/>
+            <a:ext cx="9595637" cy="1"/>
+          </a:xfrm>
+          <a:prstGeom prst="line">
+            <a:avLst/>
+          </a:prstGeom>
+          <a:ln w="12700">
+            <a:solidFill>
+              <a:schemeClr val="accent1">
+                <a:hueOff val="109193"/>
+                <a:satOff val="-4874"/>
+                <a:lumOff val="12971"/>
+              </a:schemeClr>
+            </a:solidFill>
+            <a:miter lim="400000"/>
+          </a:ln>
+        </p:spPr>
+        <p:txBody>
+          <a:bodyPr lIns="50800" tIns="50800" rIns="50800" bIns="50800" anchor="ctr"/>
+          <a:lstStyle/>
+          <a:p>
+            <a:pPr>
+              <a:defRPr>
+                <a:solidFill>
+                  <a:srgbClr val="202020"/>
+                </a:solidFill>
+              </a:defRPr>
+            </a:pPr>
+          </a:p>
+        </p:txBody>
+      </p:sp>
+      <p:sp>
+        <p:nvSpPr>
+          <p:cNvPr id="264" name="Shape 264"/>
+          <p:cNvSpPr/>
+          <p:nvPr/>
+        </p:nvSpPr>
+        <p:spPr>
+          <a:xfrm>
+            <a:off x="294192" y="6811268"/>
+            <a:ext cx="9347686" cy="2133601"/>
+          </a:xfrm>
+          <a:prstGeom prst="rect">
+            <a:avLst/>
+          </a:prstGeom>
+          <a:ln w="12700">
+            <a:miter lim="400000"/>
+          </a:ln>
+          <a:extLst>
+            <a:ext uri="{C572A759-6A51-4108-AA02-DFA0A04FC94B}">
+              <ma14:wrappingTextBoxFlag xmlns:ma14="http://schemas.microsoft.com/office/mac/drawingml/2011/main" val="1"/>
+            </a:ext>
+          </a:extLst>
+        </p:spPr>
+        <p:txBody>
+          <a:bodyPr lIns="50800" tIns="50800" rIns="50800" bIns="50800" anchor="ctr">
+            <a:spAutoFit/>
+          </a:bodyPr>
+          <a:lstStyle/>
+          <a:p>
+            <a:pPr/>
+            <a:r>
+              <a:rPr u="sng">
+                <a:hlinkClick r:id="rId5" invalidUrl="" action="" tgtFrame="" tooltip="" history="1" highlightClick="0" endSnd="0"/>
+              </a:rPr>
+              <a:t>datacamp.com</a:t>
+            </a:r>
+            <a:r>
+              <a:t>               </a:t>
+            </a:r>
+            <a:r>
+              <a:rPr u="sng">
+                <a:hlinkClick r:id="rId6" invalidUrl="" action="" tgtFrame="" tooltip="" history="1" highlightClick="0" endSnd="0"/>
+              </a:rPr>
+              <a:t>codeschool.com</a:t>
+            </a:r>
+          </a:p>
+          <a:p>
+            <a:pPr/>
+            <a:r>
+              <a:rPr u="sng">
+                <a:hlinkClick r:id="rId7" invalidUrl="" action="" tgtFrame="" tooltip="" history="1" highlightClick="0" endSnd="0"/>
+              </a:rPr>
+              <a:t>udemy.com</a:t>
+            </a:r>
+            <a:r>
+              <a:t>                            </a:t>
+            </a:r>
+            <a:r>
+              <a:rPr u="sng">
+                <a:hlinkClick r:id="rId8" invalidUrl="" action="" tgtFrame="" tooltip="" history="1" highlightClick="0" endSnd="0"/>
+              </a:rPr>
+              <a:t>kaggle.com</a:t>
+            </a:r>
+          </a:p>
+          <a:p>
+            <a:pPr/>
+            <a:r>
+              <a:rPr u="sng">
+                <a:hlinkClick r:id="rId9" invalidUrl="" action="" tgtFrame="" tooltip="" history="1" highlightClick="0" endSnd="0"/>
+              </a:rPr>
+              <a:t>codeacademy.com</a:t>
+            </a:r>
+            <a:r>
+              <a:t>                </a:t>
+            </a:r>
+            <a:r>
+              <a:rPr u="sng">
+                <a:hlinkClick r:id="rId10" invalidUrl="" action="" tgtFrame="" tooltip="" history="1" highlightClick="0" endSnd="0"/>
+              </a:rPr>
+              <a:t>coursera.org</a:t>
+            </a:r>
+          </a:p>
+          <a:p>
+            <a:pPr/>
+            <a:r>
+              <a:rPr u="sng">
+                <a:hlinkClick r:id="rId11" invalidUrl="" action="" tgtFrame="" tooltip="" history="1" highlightClick="0" endSnd="0"/>
+              </a:rPr>
+              <a:t>lynda.com</a:t>
+            </a:r>
+            <a:r>
+              <a:t> (free through DC public library)</a:t>
+            </a:r>
+          </a:p>
+        </p:txBody>
+      </p:sp>
+      <p:sp>
+        <p:nvSpPr>
+          <p:cNvPr id="265" name="Shape 265"/>
+          <p:cNvSpPr/>
+          <p:nvPr/>
+        </p:nvSpPr>
+        <p:spPr>
+          <a:xfrm>
+            <a:off x="5030532" y="3276892"/>
+            <a:ext cx="4728389" cy="2540001"/>
+          </a:xfrm>
+          <a:prstGeom prst="rect">
+            <a:avLst/>
+          </a:prstGeom>
+          <a:ln w="12700">
+            <a:miter lim="400000"/>
+          </a:ln>
+          <a:extLst>
+            <a:ext uri="{C572A759-6A51-4108-AA02-DFA0A04FC94B}">
+              <ma14:wrappingTextBoxFlag xmlns:ma14="http://schemas.microsoft.com/office/mac/drawingml/2011/main" val="1"/>
+            </a:ext>
+          </a:extLst>
+        </p:spPr>
+        <p:txBody>
+          <a:bodyPr lIns="50800" tIns="50800" rIns="50800" bIns="50800" anchor="ctr">
+            <a:spAutoFit/>
+          </a:bodyPr>
+          <a:lstStyle/>
+          <a:p>
+            <a:pPr algn="l">
+              <a:defRPr sz="3600"/>
+            </a:pPr>
+            <a:r>
+              <a:rPr u="sng">
+                <a:hlinkClick r:id="rId12" invalidUrl="" action="" tgtFrame="" tooltip="" history="1" highlightClick="0" endSnd="0"/>
+              </a:rPr>
+              <a:t>Learn Python the Hard Way</a:t>
+            </a:r>
+          </a:p>
+          <a:p>
+            <a:pPr algn="l">
+              <a:defRPr sz="3600"/>
+            </a:pPr>
+          </a:p>
+          <a:p>
+            <a:pPr algn="l">
+              <a:defRPr sz="3600"/>
+            </a:pPr>
+            <a:r>
+              <a:rPr u="sng">
+                <a:hlinkClick r:id="rId13" invalidUrl="" action="" tgtFrame="" tooltip="" history="1" highlightClick="0" endSnd="0"/>
+              </a:rPr>
+              <a:t>Learnpython.org</a:t>
+            </a:r>
+          </a:p>
+        </p:txBody>
+      </p:sp>
+      <p:sp>
+        <p:nvSpPr>
+          <p:cNvPr id="266" name="Shape 266"/>
+          <p:cNvSpPr/>
+          <p:nvPr/>
+        </p:nvSpPr>
+        <p:spPr>
+          <a:xfrm>
+            <a:off x="165444" y="5869580"/>
+            <a:ext cx="9605182" cy="889001"/>
+          </a:xfrm>
+          <a:prstGeom prst="rect">
+            <a:avLst/>
+          </a:prstGeom>
+          <a:ln w="12700">
+            <a:miter lim="400000"/>
+          </a:ln>
+          <a:extLst>
+            <a:ext uri="{C572A759-6A51-4108-AA02-DFA0A04FC94B}">
+              <ma14:wrappingTextBoxFlag xmlns:ma14="http://schemas.microsoft.com/office/mac/drawingml/2011/main" val="1"/>
+            </a:ext>
+          </a:extLst>
+        </p:spPr>
+        <p:txBody>
+          <a:bodyPr lIns="50800" tIns="50800" rIns="50800" bIns="50800" anchor="ctr">
+            <a:spAutoFit/>
+          </a:bodyPr>
+          <a:lstStyle>
+            <a:lvl1pPr>
+              <a:defRPr sz="4800"/>
+            </a:lvl1pPr>
+          </a:lstStyle>
+          <a:p>
+            <a:pPr/>
+            <a:r>
+              <a:t>Resources for R, Python, and More</a:t>
+            </a:r>
+          </a:p>
+        </p:txBody>
+      </p:sp>
     </p:spTree>
   </p:cSld>
   <p:clrMapOvr>
@@ -7044,7 +7126,7 @@
       </p:grpSpPr>
       <p:sp>
         <p:nvSpPr>
-          <p:cNvPr id="277" name="Shape 277"/>
+          <p:cNvPr id="268" name="Shape 268"/>
           <p:cNvSpPr/>
           <p:nvPr>
             <p:ph type="title"/>
@@ -7058,8 +7140,8 @@
         <p:txBody>
           <a:bodyPr/>
           <a:lstStyle>
-            <a:lvl1pPr defTabSz="484886">
-              <a:defRPr spc="-122" sz="6142">
+            <a:lvl1pPr>
+              <a:defRPr spc="-148" sz="7400">
                 <a:solidFill>
                   <a:srgbClr val="D81E00"/>
                 </a:solidFill>
@@ -7069,201 +7151,14 @@
           <a:p>
             <a:pPr/>
             <a:r>
-              <a:t>Many Data Viz Tools to Choose From</a:t>
-            </a:r>
-          </a:p>
-        </p:txBody>
-      </p:sp>
-      <p:sp>
-        <p:nvSpPr>
-          <p:cNvPr id="278" name="Shape 278"/>
-          <p:cNvSpPr/>
-          <p:nvPr/>
-        </p:nvSpPr>
-        <p:spPr>
-          <a:xfrm>
-            <a:off x="637846" y="2855859"/>
-            <a:ext cx="2734860" cy="609601"/>
-          </a:xfrm>
-          <a:prstGeom prst="rect">
-            <a:avLst/>
-          </a:prstGeom>
-          <a:ln w="12700">
-            <a:miter lim="400000"/>
-          </a:ln>
-          <a:extLst>
-            <a:ext uri="{C572A759-6A51-4108-AA02-DFA0A04FC94B}">
-              <ma14:wrappingTextBoxFlag xmlns:ma14="http://schemas.microsoft.com/office/mac/drawingml/2011/main" val="1"/>
-            </a:ext>
-          </a:extLst>
-        </p:spPr>
-        <p:txBody>
-          <a:bodyPr lIns="50800" tIns="50800" rIns="50800" bIns="50800" anchor="ctr">
-            <a:spAutoFit/>
-          </a:bodyPr>
-          <a:lstStyle/>
-          <a:p>
-            <a:pPr/>
-            <a:r>
-              <a:t>Point and Click</a:t>
-            </a:r>
-          </a:p>
-        </p:txBody>
-      </p:sp>
-      <p:sp>
-        <p:nvSpPr>
-          <p:cNvPr id="279" name="Shape 279"/>
-          <p:cNvSpPr/>
-          <p:nvPr/>
-        </p:nvSpPr>
-        <p:spPr>
-          <a:xfrm>
-            <a:off x="279391" y="3495363"/>
-            <a:ext cx="12293601" cy="1"/>
-          </a:xfrm>
-          <a:prstGeom prst="line">
-            <a:avLst/>
-          </a:prstGeom>
-          <a:ln w="12700">
-            <a:solidFill>
-              <a:schemeClr val="accent1">
-                <a:hueOff val="109193"/>
-                <a:satOff val="-4874"/>
-                <a:lumOff val="12971"/>
-              </a:schemeClr>
-            </a:solidFill>
-            <a:miter lim="400000"/>
-          </a:ln>
-        </p:spPr>
-        <p:txBody>
-          <a:bodyPr lIns="50800" tIns="50800" rIns="50800" bIns="50800" anchor="ctr"/>
-          <a:lstStyle/>
-          <a:p>
-            <a:pPr>
-              <a:defRPr>
-                <a:solidFill>
-                  <a:srgbClr val="202020"/>
-                </a:solidFill>
-              </a:defRPr>
-            </a:pPr>
-          </a:p>
-        </p:txBody>
-      </p:sp>
-      <p:sp>
-        <p:nvSpPr>
-          <p:cNvPr id="280" name="Shape 280"/>
-          <p:cNvSpPr/>
-          <p:nvPr/>
-        </p:nvSpPr>
-        <p:spPr>
-          <a:xfrm>
-            <a:off x="3901631" y="2892113"/>
-            <a:ext cx="5531795" cy="609601"/>
-          </a:xfrm>
-          <a:prstGeom prst="rect">
-            <a:avLst/>
-          </a:prstGeom>
-          <a:ln w="12700">
-            <a:miter lim="400000"/>
-          </a:ln>
-          <a:extLst>
-            <a:ext uri="{C572A759-6A51-4108-AA02-DFA0A04FC94B}">
-              <ma14:wrappingTextBoxFlag xmlns:ma14="http://schemas.microsoft.com/office/mac/drawingml/2011/main" val="1"/>
-            </a:ext>
-          </a:extLst>
-        </p:spPr>
-        <p:txBody>
-          <a:bodyPr lIns="50800" tIns="50800" rIns="50800" bIns="50800" anchor="ctr">
-            <a:spAutoFit/>
-          </a:bodyPr>
-          <a:lstStyle/>
-          <a:p>
-            <a:pPr/>
-            <a:r>
-              <a:t>Statistical Programming</a:t>
-            </a:r>
-          </a:p>
-        </p:txBody>
-      </p:sp>
-      <p:sp>
-        <p:nvSpPr>
-          <p:cNvPr id="281" name="Shape 281"/>
-          <p:cNvSpPr/>
-          <p:nvPr/>
-        </p:nvSpPr>
-        <p:spPr>
-          <a:xfrm>
-            <a:off x="10224492" y="2855859"/>
-            <a:ext cx="2333776" cy="609601"/>
-          </a:xfrm>
-          <a:prstGeom prst="rect">
-            <a:avLst/>
-          </a:prstGeom>
-          <a:ln w="12700">
-            <a:miter lim="400000"/>
-          </a:ln>
-          <a:extLst>
-            <a:ext uri="{C572A759-6A51-4108-AA02-DFA0A04FC94B}">
-              <ma14:wrappingTextBoxFlag xmlns:ma14="http://schemas.microsoft.com/office/mac/drawingml/2011/main" val="1"/>
-            </a:ext>
-          </a:extLst>
-        </p:spPr>
-        <p:txBody>
-          <a:bodyPr lIns="50800" tIns="50800" rIns="50800" bIns="50800" anchor="ctr">
-            <a:spAutoFit/>
-          </a:bodyPr>
-          <a:lstStyle/>
-          <a:p>
-            <a:pPr/>
-            <a:r>
-              <a:t>JavaScript</a:t>
-            </a:r>
-          </a:p>
-        </p:txBody>
-      </p:sp>
-      <p:sp>
-        <p:nvSpPr>
-          <p:cNvPr id="282" name="Shape 282"/>
-          <p:cNvSpPr/>
-          <p:nvPr/>
-        </p:nvSpPr>
-        <p:spPr>
-          <a:xfrm>
-            <a:off x="9889927" y="3608175"/>
-            <a:ext cx="3002906" cy="609601"/>
-          </a:xfrm>
-          <a:prstGeom prst="rect">
-            <a:avLst/>
-          </a:prstGeom>
-          <a:ln w="12700">
-            <a:miter lim="400000"/>
-          </a:ln>
-          <a:extLst>
-            <a:ext uri="{C572A759-6A51-4108-AA02-DFA0A04FC94B}">
-              <ma14:wrappingTextBoxFlag xmlns:ma14="http://schemas.microsoft.com/office/mac/drawingml/2011/main" val="1"/>
-            </a:ext>
-          </a:extLst>
-        </p:spPr>
-        <p:txBody>
-          <a:bodyPr lIns="50800" tIns="50800" rIns="50800" bIns="50800" anchor="ctr">
-            <a:spAutoFit/>
-          </a:bodyPr>
-          <a:lstStyle>
-            <a:lvl1pPr>
-              <a:defRPr b="1"/>
-            </a:lvl1pPr>
-          </a:lstStyle>
-          <a:p>
-            <a:pPr/>
-            <a:r>
-              <a:t>D3</a:t>
-            </a:r>
-          </a:p>
-        </p:txBody>
-      </p:sp>
-      <p:sp>
-        <p:nvSpPr>
-          <p:cNvPr id="283" name="Shape 283"/>
+              <a:t>Active DC Data Community</a:t>
+            </a:r>
+          </a:p>
+        </p:txBody>
+      </p:sp>
+      <p:sp>
+        <p:nvSpPr>
+          <p:cNvPr id="269" name="Shape 269"/>
           <p:cNvSpPr/>
           <p:nvPr/>
         </p:nvSpPr>
@@ -7307,7 +7202,7 @@
       </p:sp>
       <p:sp>
         <p:nvSpPr>
-          <p:cNvPr id="284" name="Shape 284"/>
+          <p:cNvPr id="270" name="Shape 270"/>
           <p:cNvSpPr/>
           <p:nvPr/>
         </p:nvSpPr>
@@ -7345,7 +7240,7 @@
       </p:sp>
       <p:sp>
         <p:nvSpPr>
-          <p:cNvPr id="285" name="Shape 285"/>
+          <p:cNvPr id="271" name="Shape 271"/>
           <p:cNvSpPr/>
           <p:nvPr/>
         </p:nvSpPr>
@@ -7374,7 +7269,7 @@
             <a:lvl1pPr>
               <a:defRPr sz="2600">
                 <a:solidFill>
-                  <a:srgbClr val="9F9F9F"/>
+                  <a:srgbClr val="000000"/>
                 </a:solidFill>
               </a:defRPr>
             </a:lvl1pPr>
@@ -7389,7 +7284,7 @@
       </p:sp>
       <p:sp>
         <p:nvSpPr>
-          <p:cNvPr id="286" name="Shape 286"/>
+          <p:cNvPr id="272" name="Shape 272"/>
           <p:cNvSpPr/>
           <p:nvPr/>
         </p:nvSpPr>
@@ -7418,7 +7313,7 @@
             <a:lvl1pPr>
               <a:defRPr sz="2600">
                 <a:solidFill>
-                  <a:srgbClr val="000000"/>
+                  <a:srgbClr val="9F9F9F"/>
                 </a:solidFill>
               </a:defRPr>
             </a:lvl1pPr>
@@ -7433,7 +7328,7 @@
       </p:sp>
       <p:sp>
         <p:nvSpPr>
-          <p:cNvPr id="287" name="Shape 287"/>
+          <p:cNvPr id="273" name="Shape 273"/>
           <p:cNvSpPr/>
           <p:nvPr/>
         </p:nvSpPr>
@@ -7469,203 +7364,238 @@
           </a:p>
         </p:txBody>
       </p:sp>
-      <p:sp>
-        <p:nvSpPr>
-          <p:cNvPr id="288" name="Shape 288"/>
-          <p:cNvSpPr/>
-          <p:nvPr/>
-        </p:nvSpPr>
-        <p:spPr>
-          <a:xfrm>
-            <a:off x="6307676" y="3608175"/>
-            <a:ext cx="389447" cy="609601"/>
-          </a:xfrm>
-          <a:prstGeom prst="rect">
-            <a:avLst/>
-          </a:prstGeom>
-          <a:ln w="12700">
-            <a:miter lim="400000"/>
-          </a:ln>
-          <a:extLst>
-            <a:ext uri="{C572A759-6A51-4108-AA02-DFA0A04FC94B}">
-              <ma14:wrappingTextBoxFlag xmlns:ma14="http://schemas.microsoft.com/office/mac/drawingml/2011/main" val="1"/>
-            </a:ext>
-          </a:extLst>
-        </p:spPr>
-        <p:txBody>
-          <a:bodyPr wrap="none" lIns="50800" tIns="50800" rIns="50800" bIns="50800" anchor="ctr">
-            <a:spAutoFit/>
-          </a:bodyPr>
-          <a:lstStyle>
-            <a:lvl1pPr>
-              <a:defRPr b="1"/>
-            </a:lvl1pPr>
-          </a:lstStyle>
-          <a:p>
-            <a:pPr/>
-            <a:r>
-              <a:t>R</a:t>
-            </a:r>
-          </a:p>
-        </p:txBody>
-      </p:sp>
-      <p:sp>
-        <p:nvSpPr>
-          <p:cNvPr id="289" name="Shape 289"/>
-          <p:cNvSpPr/>
-          <p:nvPr/>
-        </p:nvSpPr>
-        <p:spPr>
-          <a:xfrm>
-            <a:off x="5335512" y="5494866"/>
-            <a:ext cx="2333776" cy="609601"/>
-          </a:xfrm>
-          <a:prstGeom prst="rect">
-            <a:avLst/>
-          </a:prstGeom>
-          <a:ln w="12700">
-            <a:miter lim="400000"/>
-          </a:ln>
-          <a:extLst>
-            <a:ext uri="{C572A759-6A51-4108-AA02-DFA0A04FC94B}">
-              <ma14:wrappingTextBoxFlag xmlns:ma14="http://schemas.microsoft.com/office/mac/drawingml/2011/main" val="1"/>
-            </a:ext>
-          </a:extLst>
-        </p:spPr>
-        <p:txBody>
-          <a:bodyPr lIns="50800" tIns="50800" rIns="50800" bIns="50800" anchor="ctr">
-            <a:spAutoFit/>
-          </a:bodyPr>
-          <a:lstStyle/>
-          <a:p>
-            <a:pPr/>
-            <a:r>
-              <a:t>Mapping</a:t>
-            </a:r>
-          </a:p>
-        </p:txBody>
-      </p:sp>
-      <p:sp>
-        <p:nvSpPr>
-          <p:cNvPr id="290" name="Shape 290"/>
-          <p:cNvSpPr/>
-          <p:nvPr/>
-        </p:nvSpPr>
-        <p:spPr>
-          <a:xfrm>
-            <a:off x="4924738" y="6189133"/>
-            <a:ext cx="3002906" cy="1117601"/>
-          </a:xfrm>
-          <a:prstGeom prst="rect">
-            <a:avLst/>
-          </a:prstGeom>
-          <a:ln w="12700">
-            <a:miter lim="400000"/>
-          </a:ln>
-          <a:extLst>
-            <a:ext uri="{C572A759-6A51-4108-AA02-DFA0A04FC94B}">
-              <ma14:wrappingTextBoxFlag xmlns:ma14="http://schemas.microsoft.com/office/mac/drawingml/2011/main" val="1"/>
-            </a:ext>
-          </a:extLst>
-        </p:spPr>
-        <p:txBody>
-          <a:bodyPr lIns="50800" tIns="50800" rIns="50800" bIns="50800" anchor="ctr">
-            <a:spAutoFit/>
-          </a:bodyPr>
-          <a:lstStyle/>
-          <a:p>
-            <a:pPr/>
-            <a:r>
-              <a:t>CartoDB, Leaflet</a:t>
-            </a:r>
-          </a:p>
-          <a:p>
-            <a:pPr/>
-            <a:r>
-              <a:t>Mapbox</a:t>
-            </a:r>
-          </a:p>
-        </p:txBody>
-      </p:sp>
-      <p:sp>
-        <p:nvSpPr>
-          <p:cNvPr id="291" name="Shape 291"/>
-          <p:cNvSpPr/>
-          <p:nvPr/>
-        </p:nvSpPr>
-        <p:spPr>
-          <a:xfrm>
-            <a:off x="1260260" y="3608175"/>
-            <a:ext cx="1490031" cy="609601"/>
-          </a:xfrm>
-          <a:prstGeom prst="rect">
-            <a:avLst/>
-          </a:prstGeom>
-          <a:ln w="12700">
-            <a:miter lim="400000"/>
-          </a:ln>
-          <a:extLst>
-            <a:ext uri="{C572A759-6A51-4108-AA02-DFA0A04FC94B}">
-              <ma14:wrappingTextBoxFlag xmlns:ma14="http://schemas.microsoft.com/office/mac/drawingml/2011/main" val="1"/>
-            </a:ext>
-          </a:extLst>
-        </p:spPr>
-        <p:txBody>
-          <a:bodyPr wrap="none" lIns="50800" tIns="50800" rIns="50800" bIns="50800" anchor="ctr">
-            <a:spAutoFit/>
-          </a:bodyPr>
-          <a:lstStyle>
-            <a:lvl1pPr>
-              <a:defRPr b="1"/>
-            </a:lvl1pPr>
-          </a:lstStyle>
-          <a:p>
-            <a:pPr/>
-            <a:r>
-              <a:t>Tableau</a:t>
-            </a:r>
-          </a:p>
-        </p:txBody>
-      </p:sp>
-      <p:sp>
-        <p:nvSpPr>
-          <p:cNvPr id="292" name="Shape 292"/>
-          <p:cNvSpPr/>
-          <p:nvPr/>
-        </p:nvSpPr>
-        <p:spPr>
-          <a:xfrm>
-            <a:off x="4737677" y="6098116"/>
-            <a:ext cx="3377029" cy="1"/>
-          </a:xfrm>
-          <a:prstGeom prst="line">
-            <a:avLst/>
-          </a:prstGeom>
-          <a:ln w="12700">
-            <a:solidFill>
-              <a:schemeClr val="accent1">
-                <a:hueOff val="109193"/>
-                <a:satOff val="-4874"/>
-                <a:lumOff val="12971"/>
-              </a:schemeClr>
-            </a:solidFill>
-            <a:miter lim="400000"/>
-          </a:ln>
-        </p:spPr>
-        <p:txBody>
-          <a:bodyPr lIns="50800" tIns="50800" rIns="50800" bIns="50800" anchor="ctr"/>
-          <a:lstStyle/>
-          <a:p>
-            <a:pPr>
-              <a:defRPr>
-                <a:solidFill>
-                  <a:srgbClr val="202020"/>
-                </a:solidFill>
-              </a:defRPr>
-            </a:pPr>
-          </a:p>
-        </p:txBody>
-      </p:sp>
+      <p:pic>
+        <p:nvPicPr>
+          <p:cNvPr id="274" name="Screen Shot 2016-02-27 at 2.52.59 PM.png"/>
+          <p:cNvPicPr>
+            <a:picLocks noChangeAspect="1"/>
+          </p:cNvPicPr>
+          <p:nvPr/>
+        </p:nvPicPr>
+        <p:blipFill>
+          <a:blip r:embed="rId3">
+            <a:extLst/>
+          </a:blip>
+          <a:stretch>
+            <a:fillRect/>
+          </a:stretch>
+        </p:blipFill>
+        <p:spPr>
+          <a:xfrm>
+            <a:off x="597297" y="3135009"/>
+            <a:ext cx="5016501" cy="889001"/>
+          </a:xfrm>
+          <a:prstGeom prst="rect">
+            <a:avLst/>
+          </a:prstGeom>
+          <a:ln w="12700">
+            <a:miter lim="400000"/>
+          </a:ln>
+        </p:spPr>
+      </p:pic>
+      <p:pic>
+        <p:nvPicPr>
+          <p:cNvPr id="275" name="Screen Shot 2016-02-27 at 2.59.42 PM.png"/>
+          <p:cNvPicPr>
+            <a:picLocks noChangeAspect="1"/>
+          </p:cNvPicPr>
+          <p:nvPr/>
+        </p:nvPicPr>
+        <p:blipFill>
+          <a:blip r:embed="rId4">
+            <a:extLst/>
+          </a:blip>
+          <a:stretch>
+            <a:fillRect/>
+          </a:stretch>
+        </p:blipFill>
+        <p:spPr>
+          <a:xfrm>
+            <a:off x="584687" y="7540195"/>
+            <a:ext cx="2413001" cy="1193801"/>
+          </a:xfrm>
+          <a:prstGeom prst="rect">
+            <a:avLst/>
+          </a:prstGeom>
+          <a:ln w="12700">
+            <a:miter lim="400000"/>
+          </a:ln>
+        </p:spPr>
+      </p:pic>
+      <p:pic>
+        <p:nvPicPr>
+          <p:cNvPr id="276" name="Screen Shot 2016-02-28 at 5.33.13 PM.png"/>
+          <p:cNvPicPr>
+            <a:picLocks noChangeAspect="1"/>
+          </p:cNvPicPr>
+          <p:nvPr/>
+        </p:nvPicPr>
+        <p:blipFill>
+          <a:blip r:embed="rId5">
+            <a:extLst/>
+          </a:blip>
+          <a:stretch>
+            <a:fillRect/>
+          </a:stretch>
+        </p:blipFill>
+        <p:spPr>
+          <a:xfrm>
+            <a:off x="4392437" y="7286195"/>
+            <a:ext cx="2717801" cy="1701801"/>
+          </a:xfrm>
+          <a:prstGeom prst="rect">
+            <a:avLst/>
+          </a:prstGeom>
+          <a:ln w="12700">
+            <a:miter lim="400000"/>
+          </a:ln>
+        </p:spPr>
+      </p:pic>
+      <p:pic>
+        <p:nvPicPr>
+          <p:cNvPr id="277" name="Screen Shot 2016-02-28 at 5.34.08 PM.png"/>
+          <p:cNvPicPr>
+            <a:picLocks noChangeAspect="1"/>
+          </p:cNvPicPr>
+          <p:nvPr/>
+        </p:nvPicPr>
+        <p:blipFill>
+          <a:blip r:embed="rId6">
+            <a:extLst/>
+          </a:blip>
+          <a:stretch>
+            <a:fillRect/>
+          </a:stretch>
+        </p:blipFill>
+        <p:spPr>
+          <a:xfrm>
+            <a:off x="9031819" y="7400495"/>
+            <a:ext cx="2895601" cy="1473201"/>
+          </a:xfrm>
+          <a:prstGeom prst="rect">
+            <a:avLst/>
+          </a:prstGeom>
+          <a:ln w="12700">
+            <a:miter lim="400000"/>
+          </a:ln>
+        </p:spPr>
+      </p:pic>
+      <p:pic>
+        <p:nvPicPr>
+          <p:cNvPr id="278" name="Screen Shot 2016-02-28 at 5.34.50 PM.png"/>
+          <p:cNvPicPr>
+            <a:picLocks noChangeAspect="1"/>
+          </p:cNvPicPr>
+          <p:nvPr/>
+        </p:nvPicPr>
+        <p:blipFill>
+          <a:blip r:embed="rId7">
+            <a:extLst/>
+          </a:blip>
+          <a:stretch>
+            <a:fillRect/>
+          </a:stretch>
+        </p:blipFill>
+        <p:spPr>
+          <a:xfrm>
+            <a:off x="9027044" y="3079303"/>
+            <a:ext cx="2905151" cy="1473201"/>
+          </a:xfrm>
+          <a:prstGeom prst="rect">
+            <a:avLst/>
+          </a:prstGeom>
+          <a:ln w="12700">
+            <a:miter lim="400000"/>
+          </a:ln>
+        </p:spPr>
+      </p:pic>
+      <p:pic>
+        <p:nvPicPr>
+          <p:cNvPr id="279" name="Screen Shot 2016-02-28 at 8.24.53 PM.png"/>
+          <p:cNvPicPr>
+            <a:picLocks noChangeAspect="1"/>
+          </p:cNvPicPr>
+          <p:nvPr/>
+        </p:nvPicPr>
+        <p:blipFill>
+          <a:blip r:embed="rId8">
+            <a:extLst/>
+          </a:blip>
+          <a:stretch>
+            <a:fillRect/>
+          </a:stretch>
+        </p:blipFill>
+        <p:spPr>
+          <a:xfrm>
+            <a:off x="9120719" y="5056036"/>
+            <a:ext cx="2717801" cy="745739"/>
+          </a:xfrm>
+          <a:prstGeom prst="rect">
+            <a:avLst/>
+          </a:prstGeom>
+          <a:ln w="12700">
+            <a:miter lim="400000"/>
+          </a:ln>
+        </p:spPr>
+      </p:pic>
+      <p:pic>
+        <p:nvPicPr>
+          <p:cNvPr id="280" name="Screen Shot 2016-02-28 at 8.30.26 PM.png"/>
+          <p:cNvPicPr>
+            <a:picLocks noChangeAspect="1"/>
+          </p:cNvPicPr>
+          <p:nvPr/>
+        </p:nvPicPr>
+        <p:blipFill>
+          <a:blip r:embed="rId9">
+            <a:extLst/>
+          </a:blip>
+          <a:stretch>
+            <a:fillRect/>
+          </a:stretch>
+        </p:blipFill>
+        <p:spPr>
+          <a:xfrm>
+            <a:off x="5089084" y="4344690"/>
+            <a:ext cx="2451101" cy="1917701"/>
+          </a:xfrm>
+          <a:prstGeom prst="rect">
+            <a:avLst/>
+          </a:prstGeom>
+          <a:ln w="12700">
+            <a:miter lim="400000"/>
+          </a:ln>
+        </p:spPr>
+      </p:pic>
+      <p:pic>
+        <p:nvPicPr>
+          <p:cNvPr id="281" name="Screen Shot 2016-02-28 at 8.33.30 PM.png"/>
+          <p:cNvPicPr>
+            <a:picLocks noChangeAspect="1"/>
+          </p:cNvPicPr>
+          <p:nvPr/>
+        </p:nvPicPr>
+        <p:blipFill>
+          <a:blip r:embed="rId10">
+            <a:extLst/>
+          </a:blip>
+          <a:stretch>
+            <a:fillRect/>
+          </a:stretch>
+        </p:blipFill>
+        <p:spPr>
+          <a:xfrm>
+            <a:off x="618673" y="4908367"/>
+            <a:ext cx="3793619" cy="1041076"/>
+          </a:xfrm>
+          <a:prstGeom prst="rect">
+            <a:avLst/>
+          </a:prstGeom>
+          <a:ln w="12700">
+            <a:miter lim="400000"/>
+          </a:ln>
+        </p:spPr>
+      </p:pic>
     </p:spTree>
   </p:cSld>
   <p:clrMapOvr>
@@ -7694,7 +7624,7 @@
       </p:grpSpPr>
       <p:sp>
         <p:nvSpPr>
-          <p:cNvPr id="294" name="Shape 294"/>
+          <p:cNvPr id="283" name="Shape 283"/>
           <p:cNvSpPr/>
           <p:nvPr>
             <p:ph type="title"/>
@@ -7726,14 +7656,14 @@
       </p:sp>
       <p:sp>
         <p:nvSpPr>
-          <p:cNvPr id="295" name="Shape 295"/>
-          <p:cNvSpPr/>
-          <p:nvPr/>
-        </p:nvSpPr>
-        <p:spPr>
-          <a:xfrm>
-            <a:off x="196808" y="2869785"/>
-            <a:ext cx="3854008" cy="889001"/>
+          <p:cNvPr id="284" name="Shape 284"/>
+          <p:cNvSpPr/>
+          <p:nvPr/>
+        </p:nvSpPr>
+        <p:spPr>
+          <a:xfrm>
+            <a:off x="637846" y="2855859"/>
+            <a:ext cx="2734860" cy="609601"/>
           </a:xfrm>
           <a:prstGeom prst="rect">
             <a:avLst/>
@@ -7751,29 +7681,25 @@
           <a:bodyPr lIns="50800" tIns="50800" rIns="50800" bIns="50800" anchor="ctr">
             <a:spAutoFit/>
           </a:bodyPr>
-          <a:lstStyle>
-            <a:lvl1pPr>
-              <a:defRPr sz="4800"/>
-            </a:lvl1pPr>
-          </a:lstStyle>
-          <a:p>
-            <a:pPr/>
-            <a:r>
-              <a:t>Point &amp; Click</a:t>
-            </a:r>
-          </a:p>
-        </p:txBody>
-      </p:sp>
-      <p:sp>
-        <p:nvSpPr>
-          <p:cNvPr id="296" name="Shape 296"/>
-          <p:cNvSpPr/>
-          <p:nvPr/>
-        </p:nvSpPr>
-        <p:spPr>
-          <a:xfrm>
-            <a:off x="282785" y="4066602"/>
-            <a:ext cx="12446019" cy="1"/>
+          <a:lstStyle/>
+          <a:p>
+            <a:pPr/>
+            <a:r>
+              <a:t>Point and Click</a:t>
+            </a:r>
+          </a:p>
+        </p:txBody>
+      </p:sp>
+      <p:sp>
+        <p:nvSpPr>
+          <p:cNvPr id="285" name="Shape 285"/>
+          <p:cNvSpPr/>
+          <p:nvPr/>
+        </p:nvSpPr>
+        <p:spPr>
+          <a:xfrm>
+            <a:off x="279391" y="3495363"/>
+            <a:ext cx="12293601" cy="1"/>
           </a:xfrm>
           <a:prstGeom prst="line">
             <a:avLst/>
@@ -7805,14 +7731,14 @@
       </p:sp>
       <p:sp>
         <p:nvSpPr>
-          <p:cNvPr id="297" name="Shape 297"/>
-          <p:cNvSpPr/>
-          <p:nvPr/>
-        </p:nvSpPr>
-        <p:spPr>
-          <a:xfrm>
-            <a:off x="3905025" y="2476085"/>
-            <a:ext cx="5531795" cy="1676401"/>
+          <p:cNvPr id="286" name="Shape 286"/>
+          <p:cNvSpPr/>
+          <p:nvPr/>
+        </p:nvSpPr>
+        <p:spPr>
+          <a:xfrm>
+            <a:off x="3901631" y="2892113"/>
+            <a:ext cx="5531795" cy="609601"/>
           </a:xfrm>
           <a:prstGeom prst="rect">
             <a:avLst/>
@@ -7830,15 +7756,7 @@
           <a:bodyPr lIns="50800" tIns="50800" rIns="50800" bIns="50800" anchor="ctr">
             <a:spAutoFit/>
           </a:bodyPr>
-          <a:lstStyle>
-            <a:lvl1pPr>
-              <a:defRPr sz="4800">
-                <a:solidFill>
-                  <a:srgbClr val="D6D6D6"/>
-                </a:solidFill>
-              </a:defRPr>
-            </a:lvl1pPr>
-          </a:lstStyle>
+          <a:lstStyle/>
           <a:p>
             <a:pPr/>
             <a:r>
@@ -7849,14 +7767,14 @@
       </p:sp>
       <p:sp>
         <p:nvSpPr>
-          <p:cNvPr id="298" name="Shape 298"/>
-          <p:cNvSpPr/>
-          <p:nvPr/>
-        </p:nvSpPr>
-        <p:spPr>
-          <a:xfrm>
-            <a:off x="9863649" y="2869785"/>
-            <a:ext cx="2885779" cy="889001"/>
+          <p:cNvPr id="287" name="Shape 287"/>
+          <p:cNvSpPr/>
+          <p:nvPr/>
+        </p:nvSpPr>
+        <p:spPr>
+          <a:xfrm>
+            <a:off x="10224492" y="2855859"/>
+            <a:ext cx="2333776" cy="609601"/>
           </a:xfrm>
           <a:prstGeom prst="rect">
             <a:avLst/>
@@ -7874,15 +7792,7 @@
           <a:bodyPr lIns="50800" tIns="50800" rIns="50800" bIns="50800" anchor="ctr">
             <a:spAutoFit/>
           </a:bodyPr>
-          <a:lstStyle>
-            <a:lvl1pPr>
-              <a:defRPr sz="4800">
-                <a:solidFill>
-                  <a:srgbClr val="D6D6D6"/>
-                </a:solidFill>
-              </a:defRPr>
-            </a:lvl1pPr>
-          </a:lstStyle>
+          <a:lstStyle/>
           <a:p>
             <a:pPr/>
             <a:r>
@@ -7893,14 +7803,14 @@
       </p:sp>
       <p:sp>
         <p:nvSpPr>
-          <p:cNvPr id="299" name="Shape 299"/>
-          <p:cNvSpPr/>
-          <p:nvPr/>
-        </p:nvSpPr>
-        <p:spPr>
-          <a:xfrm>
-            <a:off x="9805086" y="3926902"/>
-            <a:ext cx="3002906" cy="889001"/>
+          <p:cNvPr id="288" name="Shape 288"/>
+          <p:cNvSpPr/>
+          <p:nvPr/>
+        </p:nvSpPr>
+        <p:spPr>
+          <a:xfrm>
+            <a:off x="9889927" y="3608175"/>
+            <a:ext cx="3002906" cy="609601"/>
           </a:xfrm>
           <a:prstGeom prst="rect">
             <a:avLst/>
@@ -7920,11 +7830,7 @@
           </a:bodyPr>
           <a:lstStyle>
             <a:lvl1pPr>
-              <a:defRPr sz="4800">
-                <a:solidFill>
-                  <a:srgbClr val="D6D6D6"/>
-                </a:solidFill>
-              </a:defRPr>
+              <a:defRPr b="1"/>
             </a:lvl1pPr>
           </a:lstStyle>
           <a:p>
@@ -7937,7 +7843,7 @@
       </p:sp>
       <p:sp>
         <p:nvSpPr>
-          <p:cNvPr id="300" name="Shape 300"/>
+          <p:cNvPr id="289" name="Shape 289"/>
           <p:cNvSpPr/>
           <p:nvPr/>
         </p:nvSpPr>
@@ -7981,7 +7887,7 @@
       </p:sp>
       <p:sp>
         <p:nvSpPr>
-          <p:cNvPr id="301" name="Shape 301"/>
+          <p:cNvPr id="290" name="Shape 290"/>
           <p:cNvSpPr/>
           <p:nvPr/>
         </p:nvSpPr>
@@ -8019,7 +7925,7 @@
       </p:sp>
       <p:sp>
         <p:nvSpPr>
-          <p:cNvPr id="302" name="Shape 302"/>
+          <p:cNvPr id="291" name="Shape 291"/>
           <p:cNvSpPr/>
           <p:nvPr/>
         </p:nvSpPr>
@@ -8063,7 +7969,7 @@
       </p:sp>
       <p:sp>
         <p:nvSpPr>
-          <p:cNvPr id="303" name="Shape 303"/>
+          <p:cNvPr id="292" name="Shape 292"/>
           <p:cNvSpPr/>
           <p:nvPr/>
         </p:nvSpPr>
@@ -8107,7 +8013,7 @@
       </p:sp>
       <p:sp>
         <p:nvSpPr>
-          <p:cNvPr id="304" name="Shape 304"/>
+          <p:cNvPr id="293" name="Shape 293"/>
           <p:cNvSpPr/>
           <p:nvPr/>
         </p:nvSpPr>
@@ -8145,14 +8051,14 @@
       </p:sp>
       <p:sp>
         <p:nvSpPr>
-          <p:cNvPr id="305" name="Shape 305"/>
-          <p:cNvSpPr/>
-          <p:nvPr/>
-        </p:nvSpPr>
-        <p:spPr>
-          <a:xfrm>
-            <a:off x="6245047" y="3926902"/>
-            <a:ext cx="521495" cy="889001"/>
+          <p:cNvPr id="294" name="Shape 294"/>
+          <p:cNvSpPr/>
+          <p:nvPr/>
+        </p:nvSpPr>
+        <p:spPr>
+          <a:xfrm>
+            <a:off x="6307676" y="3608175"/>
+            <a:ext cx="389447" cy="609601"/>
           </a:xfrm>
           <a:prstGeom prst="rect">
             <a:avLst/>
@@ -8172,11 +8078,7 @@
           </a:bodyPr>
           <a:lstStyle>
             <a:lvl1pPr>
-              <a:defRPr sz="4800">
-                <a:solidFill>
-                  <a:srgbClr val="D6D6D6"/>
-                </a:solidFill>
-              </a:defRPr>
+              <a:defRPr b="1"/>
             </a:lvl1pPr>
           </a:lstStyle>
           <a:p>
@@ -8189,14 +8091,14 @@
       </p:sp>
       <p:sp>
         <p:nvSpPr>
-          <p:cNvPr id="306" name="Shape 306"/>
-          <p:cNvSpPr/>
-          <p:nvPr/>
-        </p:nvSpPr>
-        <p:spPr>
-          <a:xfrm>
-            <a:off x="900793" y="3926902"/>
-            <a:ext cx="2215754" cy="889001"/>
+          <p:cNvPr id="295" name="Shape 295"/>
+          <p:cNvSpPr/>
+          <p:nvPr/>
+        </p:nvSpPr>
+        <p:spPr>
+          <a:xfrm>
+            <a:off x="5335512" y="5494866"/>
+            <a:ext cx="2333776" cy="609601"/>
           </a:xfrm>
           <a:prstGeom prst="rect">
             <a:avLst/>
@@ -8211,12 +8113,90 @@
           </a:extLst>
         </p:spPr>
         <p:txBody>
+          <a:bodyPr lIns="50800" tIns="50800" rIns="50800" bIns="50800" anchor="ctr">
+            <a:spAutoFit/>
+          </a:bodyPr>
+          <a:lstStyle/>
+          <a:p>
+            <a:pPr/>
+            <a:r>
+              <a:t>Mapping</a:t>
+            </a:r>
+          </a:p>
+        </p:txBody>
+      </p:sp>
+      <p:sp>
+        <p:nvSpPr>
+          <p:cNvPr id="296" name="Shape 296"/>
+          <p:cNvSpPr/>
+          <p:nvPr/>
+        </p:nvSpPr>
+        <p:spPr>
+          <a:xfrm>
+            <a:off x="4924738" y="6189133"/>
+            <a:ext cx="3002906" cy="1117601"/>
+          </a:xfrm>
+          <a:prstGeom prst="rect">
+            <a:avLst/>
+          </a:prstGeom>
+          <a:ln w="12700">
+            <a:miter lim="400000"/>
+          </a:ln>
+          <a:extLst>
+            <a:ext uri="{C572A759-6A51-4108-AA02-DFA0A04FC94B}">
+              <ma14:wrappingTextBoxFlag xmlns:ma14="http://schemas.microsoft.com/office/mac/drawingml/2011/main" val="1"/>
+            </a:ext>
+          </a:extLst>
+        </p:spPr>
+        <p:txBody>
+          <a:bodyPr lIns="50800" tIns="50800" rIns="50800" bIns="50800" anchor="ctr">
+            <a:spAutoFit/>
+          </a:bodyPr>
+          <a:lstStyle/>
+          <a:p>
+            <a:pPr/>
+            <a:r>
+              <a:t>CartoDB, Leaflet</a:t>
+            </a:r>
+          </a:p>
+          <a:p>
+            <a:pPr/>
+            <a:r>
+              <a:t>Mapbox</a:t>
+            </a:r>
+          </a:p>
+        </p:txBody>
+      </p:sp>
+      <p:sp>
+        <p:nvSpPr>
+          <p:cNvPr id="297" name="Shape 297"/>
+          <p:cNvSpPr/>
+          <p:nvPr/>
+        </p:nvSpPr>
+        <p:spPr>
+          <a:xfrm>
+            <a:off x="1260260" y="3608175"/>
+            <a:ext cx="1490031" cy="609601"/>
+          </a:xfrm>
+          <a:prstGeom prst="rect">
+            <a:avLst/>
+          </a:prstGeom>
+          <a:ln w="12700">
+            <a:miter lim="400000"/>
+          </a:ln>
+          <a:extLst>
+            <a:ext uri="{C572A759-6A51-4108-AA02-DFA0A04FC94B}">
+              <ma14:wrappingTextBoxFlag xmlns:ma14="http://schemas.microsoft.com/office/mac/drawingml/2011/main" val="1"/>
+            </a:ext>
+          </a:extLst>
+        </p:spPr>
+        <p:txBody>
           <a:bodyPr wrap="none" lIns="50800" tIns="50800" rIns="50800" bIns="50800" anchor="ctr">
             <a:spAutoFit/>
           </a:bodyPr>
           <a:lstStyle>
             <a:lvl1pPr>
-              <a:defRPr sz="4800"/>
+              <a:defRPr b="1"/>
             </a:lvl1pPr>
           </a:lstStyle>
           <a:p>
@@ -8229,67 +8209,40 @@
       </p:sp>
       <p:sp>
         <p:nvSpPr>
-          <p:cNvPr id="307" name="Shape 307"/>
-          <p:cNvSpPr/>
-          <p:nvPr/>
-        </p:nvSpPr>
-        <p:spPr>
-          <a:xfrm>
-            <a:off x="-25400" y="5271782"/>
-            <a:ext cx="13004800" cy="3759201"/>
-          </a:xfrm>
-          <a:prstGeom prst="rect">
-            <a:avLst/>
-          </a:prstGeom>
-          <a:ln w="12700">
-            <a:miter lim="400000"/>
-          </a:ln>
-          <a:extLst>
-            <a:ext uri="{C572A759-6A51-4108-AA02-DFA0A04FC94B}">
-              <ma14:wrappingTextBoxFlag xmlns:ma14="http://schemas.microsoft.com/office/mac/drawingml/2011/main" val="1"/>
-            </a:ext>
-          </a:extLst>
-        </p:spPr>
-        <p:txBody>
-          <a:bodyPr lIns="50800" tIns="50800" rIns="50800" bIns="50800" anchor="ctr">
-            <a:spAutoFit/>
-          </a:bodyPr>
+          <p:cNvPr id="298" name="Shape 298"/>
+          <p:cNvSpPr/>
+          <p:nvPr/>
+        </p:nvSpPr>
+        <p:spPr>
+          <a:xfrm>
+            <a:off x="4737677" y="6098116"/>
+            <a:ext cx="3377029" cy="1"/>
+          </a:xfrm>
+          <a:prstGeom prst="line">
+            <a:avLst/>
+          </a:prstGeom>
+          <a:ln w="12700">
+            <a:solidFill>
+              <a:schemeClr val="accent1">
+                <a:hueOff val="109193"/>
+                <a:satOff val="-4874"/>
+                <a:lumOff val="12971"/>
+              </a:schemeClr>
+            </a:solidFill>
+            <a:miter lim="400000"/>
+          </a:ln>
+        </p:spPr>
+        <p:txBody>
+          <a:bodyPr lIns="50800" tIns="50800" rIns="50800" bIns="50800" anchor="ctr"/>
           <a:lstStyle/>
           <a:p>
-            <a:pPr marL="481263" indent="-481263" algn="l">
-              <a:buSzPct val="45000"/>
-              <a:buBlip>
-                <a:blip r:embed="rId3"/>
-              </a:buBlip>
-              <a:defRPr sz="3600"/>
-            </a:pPr>
-            <a:r>
-              <a:t>Of all tools, point and click is the easiest to learn if no prior programming experience</a:t>
-            </a:r>
-          </a:p>
-          <a:p>
-            <a:pPr marL="481263" indent="-481263" algn="l">
-              <a:buSzPct val="45000"/>
-              <a:buBlip>
-                <a:blip r:embed="rId3"/>
-              </a:buBlip>
-              <a:defRPr sz="3600"/>
-            </a:pPr>
-            <a:r>
-              <a:t>Creates fast and malleable data viz via drag and drop</a:t>
-            </a:r>
-          </a:p>
-          <a:p>
-            <a:pPr marL="481263" indent="-481263" algn="l">
-              <a:buSzPct val="45000"/>
-              <a:buBlip>
-                <a:blip r:embed="rId3"/>
-              </a:buBlip>
-              <a:defRPr sz="3600"/>
-            </a:pPr>
-            <a:r>
-              <a:t>Provides a wide range of built-ins but not fully flexible, more bespoke viz styles may not be possible or involve a difficult series of “hacks”</a:t>
-            </a:r>
+            <a:pPr>
+              <a:defRPr>
+                <a:solidFill>
+                  <a:srgbClr val="202020"/>
+                </a:solidFill>
+              </a:defRPr>
+            </a:pPr>
           </a:p>
         </p:txBody>
       </p:sp>
@@ -8321,7 +8274,7 @@
       </p:grpSpPr>
       <p:sp>
         <p:nvSpPr>
-          <p:cNvPr id="309" name="Shape 309"/>
+          <p:cNvPr id="300" name="Shape 300"/>
           <p:cNvSpPr/>
           <p:nvPr>
             <p:ph type="title"/>
@@ -8353,7 +8306,7 @@
       </p:sp>
       <p:sp>
         <p:nvSpPr>
-          <p:cNvPr id="310" name="Shape 310"/>
+          <p:cNvPr id="301" name="Shape 301"/>
           <p:cNvSpPr/>
           <p:nvPr/>
         </p:nvSpPr>
@@ -8380,11 +8333,7 @@
           </a:bodyPr>
           <a:lstStyle>
             <a:lvl1pPr>
-              <a:defRPr sz="4800">
-                <a:solidFill>
-                  <a:srgbClr val="D6D6D6"/>
-                </a:solidFill>
-              </a:defRPr>
+              <a:defRPr sz="4800"/>
             </a:lvl1pPr>
           </a:lstStyle>
           <a:p>
@@ -8397,7 +8346,7 @@
       </p:sp>
       <p:sp>
         <p:nvSpPr>
-          <p:cNvPr id="311" name="Shape 311"/>
+          <p:cNvPr id="302" name="Shape 302"/>
           <p:cNvSpPr/>
           <p:nvPr/>
         </p:nvSpPr>
@@ -8436,7 +8385,7 @@
       </p:sp>
       <p:sp>
         <p:nvSpPr>
-          <p:cNvPr id="312" name="Shape 312"/>
+          <p:cNvPr id="303" name="Shape 303"/>
           <p:cNvSpPr/>
           <p:nvPr/>
         </p:nvSpPr>
@@ -8465,7 +8414,7 @@
             <a:lvl1pPr>
               <a:defRPr sz="4800">
                 <a:solidFill>
-                  <a:srgbClr val="004479"/>
+                  <a:srgbClr val="D6D6D6"/>
                 </a:solidFill>
               </a:defRPr>
             </a:lvl1pPr>
@@ -8480,7 +8429,7 @@
       </p:sp>
       <p:sp>
         <p:nvSpPr>
-          <p:cNvPr id="313" name="Shape 313"/>
+          <p:cNvPr id="304" name="Shape 304"/>
           <p:cNvSpPr/>
           <p:nvPr/>
         </p:nvSpPr>
@@ -8524,7 +8473,7 @@
       </p:sp>
       <p:sp>
         <p:nvSpPr>
-          <p:cNvPr id="314" name="Shape 314"/>
+          <p:cNvPr id="305" name="Shape 305"/>
           <p:cNvSpPr/>
           <p:nvPr/>
         </p:nvSpPr>
@@ -8568,7 +8517,7 @@
       </p:sp>
       <p:sp>
         <p:nvSpPr>
-          <p:cNvPr id="315" name="Shape 315"/>
+          <p:cNvPr id="306" name="Shape 306"/>
           <p:cNvSpPr/>
           <p:nvPr/>
         </p:nvSpPr>
@@ -8612,7 +8561,7 @@
       </p:sp>
       <p:sp>
         <p:nvSpPr>
-          <p:cNvPr id="316" name="Shape 316"/>
+          <p:cNvPr id="307" name="Shape 307"/>
           <p:cNvSpPr/>
           <p:nvPr/>
         </p:nvSpPr>
@@ -8650,7 +8599,7 @@
       </p:sp>
       <p:sp>
         <p:nvSpPr>
-          <p:cNvPr id="317" name="Shape 317"/>
+          <p:cNvPr id="308" name="Shape 308"/>
           <p:cNvSpPr/>
           <p:nvPr/>
         </p:nvSpPr>
@@ -8694,7 +8643,7 @@
       </p:sp>
       <p:sp>
         <p:nvSpPr>
-          <p:cNvPr id="318" name="Shape 318"/>
+          <p:cNvPr id="309" name="Shape 309"/>
           <p:cNvSpPr/>
           <p:nvPr/>
         </p:nvSpPr>
@@ -8738,7 +8687,7 @@
       </p:sp>
       <p:sp>
         <p:nvSpPr>
-          <p:cNvPr id="319" name="Shape 319"/>
+          <p:cNvPr id="310" name="Shape 310"/>
           <p:cNvSpPr/>
           <p:nvPr/>
         </p:nvSpPr>
@@ -8776,7 +8725,7 @@
       </p:sp>
       <p:sp>
         <p:nvSpPr>
-          <p:cNvPr id="320" name="Shape 320"/>
+          <p:cNvPr id="311" name="Shape 311"/>
           <p:cNvSpPr/>
           <p:nvPr/>
         </p:nvSpPr>
@@ -8805,7 +8754,7 @@
             <a:lvl1pPr>
               <a:defRPr sz="4800">
                 <a:solidFill>
-                  <a:srgbClr val="004479"/>
+                  <a:srgbClr val="D6D6D6"/>
                 </a:solidFill>
               </a:defRPr>
             </a:lvl1pPr>
@@ -8820,7 +8769,7 @@
       </p:sp>
       <p:sp>
         <p:nvSpPr>
-          <p:cNvPr id="321" name="Shape 321"/>
+          <p:cNvPr id="312" name="Shape 312"/>
           <p:cNvSpPr/>
           <p:nvPr/>
         </p:nvSpPr>
@@ -8847,11 +8796,7 @@
           </a:bodyPr>
           <a:lstStyle>
             <a:lvl1pPr>
-              <a:defRPr sz="4800">
-                <a:solidFill>
-                  <a:srgbClr val="D6D6D6"/>
-                </a:solidFill>
-              </a:defRPr>
+              <a:defRPr sz="4800"/>
             </a:lvl1pPr>
           </a:lstStyle>
           <a:p>
@@ -8864,14 +8809,14 @@
       </p:sp>
       <p:sp>
         <p:nvSpPr>
-          <p:cNvPr id="322" name="Shape 322"/>
-          <p:cNvSpPr/>
-          <p:nvPr/>
-        </p:nvSpPr>
-        <p:spPr>
-          <a:xfrm>
-            <a:off x="0" y="5177159"/>
-            <a:ext cx="13004800" cy="2540001"/>
+          <p:cNvPr id="313" name="Shape 313"/>
+          <p:cNvSpPr/>
+          <p:nvPr/>
+        </p:nvSpPr>
+        <p:spPr>
+          <a:xfrm>
+            <a:off x="-25400" y="5271782"/>
+            <a:ext cx="13004800" cy="3759201"/>
           </a:xfrm>
           <a:prstGeom prst="rect">
             <a:avLst/>
@@ -8899,7 +8844,7 @@
               <a:defRPr sz="3600"/>
             </a:pPr>
             <a:r>
-              <a:t>If new to R, then steeper learning curve. Best route only if previously familiar with specific programming language</a:t>
+              <a:t>Of all tools, point and click is the easiest to learn if no prior programming experience</a:t>
             </a:r>
           </a:p>
           <a:p>
@@ -8911,7 +8856,7 @@
               <a:defRPr sz="3600"/>
             </a:pPr>
             <a:r>
-              <a:t>Greater flexible through programmatic chart design</a:t>
+              <a:t>Creates fast and malleable data viz via drag and drop</a:t>
             </a:r>
           </a:p>
           <a:p>
@@ -8923,7 +8868,7 @@
               <a:defRPr sz="3600"/>
             </a:pPr>
             <a:r>
-              <a:t>Limited ability to create interactive data viz</a:t>
+              <a:t>Provides a wide range of built-ins but not fully flexible, more bespoke viz styles may not be possible or involve a difficult series of “hacks”</a:t>
             </a:r>
           </a:p>
         </p:txBody>
@@ -8956,7 +8901,7 @@
       </p:grpSpPr>
       <p:sp>
         <p:nvSpPr>
-          <p:cNvPr id="324" name="Shape 324"/>
+          <p:cNvPr id="315" name="Shape 315"/>
           <p:cNvSpPr/>
           <p:nvPr>
             <p:ph type="title"/>
@@ -8988,7 +8933,7 @@
       </p:sp>
       <p:sp>
         <p:nvSpPr>
-          <p:cNvPr id="325" name="Shape 325"/>
+          <p:cNvPr id="316" name="Shape 316"/>
           <p:cNvSpPr/>
           <p:nvPr/>
         </p:nvSpPr>
@@ -9032,7 +8977,7 @@
       </p:sp>
       <p:sp>
         <p:nvSpPr>
-          <p:cNvPr id="326" name="Shape 326"/>
+          <p:cNvPr id="317" name="Shape 317"/>
           <p:cNvSpPr/>
           <p:nvPr/>
         </p:nvSpPr>
@@ -9071,7 +9016,7 @@
       </p:sp>
       <p:sp>
         <p:nvSpPr>
-          <p:cNvPr id="327" name="Shape 327"/>
+          <p:cNvPr id="318" name="Shape 318"/>
           <p:cNvSpPr/>
           <p:nvPr/>
         </p:nvSpPr>
@@ -9100,7 +9045,7 @@
             <a:lvl1pPr>
               <a:defRPr sz="4800">
                 <a:solidFill>
-                  <a:srgbClr val="D6D6D6"/>
+                  <a:srgbClr val="004479"/>
                 </a:solidFill>
               </a:defRPr>
             </a:lvl1pPr>
@@ -9115,7 +9060,7 @@
       </p:sp>
       <p:sp>
         <p:nvSpPr>
-          <p:cNvPr id="328" name="Shape 328"/>
+          <p:cNvPr id="319" name="Shape 319"/>
           <p:cNvSpPr/>
           <p:nvPr/>
         </p:nvSpPr>
@@ -9144,7 +9089,7 @@
             <a:lvl1pPr>
               <a:defRPr sz="4800">
                 <a:solidFill>
-                  <a:srgbClr val="004479"/>
+                  <a:srgbClr val="D6D6D6"/>
                 </a:solidFill>
               </a:defRPr>
             </a:lvl1pPr>
@@ -9159,7 +9104,7 @@
       </p:sp>
       <p:sp>
         <p:nvSpPr>
-          <p:cNvPr id="329" name="Shape 329"/>
+          <p:cNvPr id="320" name="Shape 320"/>
           <p:cNvSpPr/>
           <p:nvPr/>
         </p:nvSpPr>
@@ -9188,7 +9133,7 @@
             <a:lvl1pPr>
               <a:defRPr sz="4800">
                 <a:solidFill>
-                  <a:srgbClr val="004479"/>
+                  <a:srgbClr val="D6D6D6"/>
                 </a:solidFill>
               </a:defRPr>
             </a:lvl1pPr>
@@ -9203,7 +9148,7 @@
       </p:sp>
       <p:sp>
         <p:nvSpPr>
-          <p:cNvPr id="330" name="Shape 330"/>
+          <p:cNvPr id="321" name="Shape 321"/>
           <p:cNvSpPr/>
           <p:nvPr/>
         </p:nvSpPr>
@@ -9247,7 +9192,7 @@
       </p:sp>
       <p:sp>
         <p:nvSpPr>
-          <p:cNvPr id="331" name="Shape 331"/>
+          <p:cNvPr id="322" name="Shape 322"/>
           <p:cNvSpPr/>
           <p:nvPr/>
         </p:nvSpPr>
@@ -9285,7 +9230,7 @@
       </p:sp>
       <p:sp>
         <p:nvSpPr>
-          <p:cNvPr id="332" name="Shape 332"/>
+          <p:cNvPr id="323" name="Shape 323"/>
           <p:cNvSpPr/>
           <p:nvPr/>
         </p:nvSpPr>
@@ -9329,7 +9274,7 @@
       </p:sp>
       <p:sp>
         <p:nvSpPr>
-          <p:cNvPr id="333" name="Shape 333"/>
+          <p:cNvPr id="324" name="Shape 324"/>
           <p:cNvSpPr/>
           <p:nvPr/>
         </p:nvSpPr>
@@ -9373,7 +9318,7 @@
       </p:sp>
       <p:sp>
         <p:nvSpPr>
-          <p:cNvPr id="334" name="Shape 334"/>
+          <p:cNvPr id="325" name="Shape 325"/>
           <p:cNvSpPr/>
           <p:nvPr/>
         </p:nvSpPr>
@@ -9411,7 +9356,7 @@
       </p:sp>
       <p:sp>
         <p:nvSpPr>
-          <p:cNvPr id="335" name="Shape 335"/>
+          <p:cNvPr id="326" name="Shape 326"/>
           <p:cNvSpPr/>
           <p:nvPr/>
         </p:nvSpPr>
@@ -9440,7 +9385,7 @@
             <a:lvl1pPr>
               <a:defRPr sz="4800">
                 <a:solidFill>
-                  <a:srgbClr val="D6D6D6"/>
+                  <a:srgbClr val="004479"/>
                 </a:solidFill>
               </a:defRPr>
             </a:lvl1pPr>
@@ -9455,7 +9400,7 @@
       </p:sp>
       <p:sp>
         <p:nvSpPr>
-          <p:cNvPr id="336" name="Shape 336"/>
+          <p:cNvPr id="327" name="Shape 327"/>
           <p:cNvSpPr/>
           <p:nvPr/>
         </p:nvSpPr>
@@ -9499,14 +9444,14 @@
       </p:sp>
       <p:sp>
         <p:nvSpPr>
-          <p:cNvPr id="337" name="Shape 337"/>
-          <p:cNvSpPr/>
-          <p:nvPr/>
-        </p:nvSpPr>
-        <p:spPr>
-          <a:xfrm>
-            <a:off x="0" y="5139820"/>
-            <a:ext cx="13004800" cy="3149601"/>
+          <p:cNvPr id="328" name="Shape 328"/>
+          <p:cNvSpPr/>
+          <p:nvPr/>
+        </p:nvSpPr>
+        <p:spPr>
+          <a:xfrm>
+            <a:off x="0" y="5177159"/>
+            <a:ext cx="13004800" cy="2540001"/>
           </a:xfrm>
           <a:prstGeom prst="rect">
             <a:avLst/>
@@ -9534,7 +9479,7 @@
               <a:defRPr sz="3600"/>
             </a:pPr>
             <a:r>
-              <a:t>Steep learning curve, challenging even to those with front experience</a:t>
+              <a:t>If new to R, then steeper learning curve. Best route only if previously familiar with specific programming language</a:t>
             </a:r>
           </a:p>
           <a:p>
@@ -9546,7 +9491,7 @@
               <a:defRPr sz="3600"/>
             </a:pPr>
             <a:r>
-              <a:t>Extremely flexible in design</a:t>
+              <a:t>Greater flexible through programmatic chart design</a:t>
             </a:r>
           </a:p>
           <a:p>
@@ -9558,7 +9503,7 @@
               <a:defRPr sz="3600"/>
             </a:pPr>
             <a:r>
-              <a:t>Most of the interactive data visualization you see at the NY Times or Washington Post was created D3</a:t>
+              <a:t>Limited ability to create interactive data viz</a:t>
             </a:r>
           </a:p>
         </p:txBody>
@@ -9591,7 +9536,7 @@
       </p:grpSpPr>
       <p:sp>
         <p:nvSpPr>
-          <p:cNvPr id="339" name="Shape 339"/>
+          <p:cNvPr id="330" name="Shape 330"/>
           <p:cNvSpPr/>
           <p:nvPr>
             <p:ph type="title"/>
@@ -9623,7 +9568,51 @@
       </p:sp>
       <p:sp>
         <p:nvSpPr>
-          <p:cNvPr id="340" name="Shape 340"/>
+          <p:cNvPr id="331" name="Shape 331"/>
+          <p:cNvSpPr/>
+          <p:nvPr/>
+        </p:nvSpPr>
+        <p:spPr>
+          <a:xfrm>
+            <a:off x="196808" y="2869785"/>
+            <a:ext cx="3854008" cy="889001"/>
+          </a:xfrm>
+          <a:prstGeom prst="rect">
+            <a:avLst/>
+          </a:prstGeom>
+          <a:ln w="12700">
+            <a:miter lim="400000"/>
+          </a:ln>
+          <a:extLst>
+            <a:ext uri="{C572A759-6A51-4108-AA02-DFA0A04FC94B}">
+              <ma14:wrappingTextBoxFlag xmlns:ma14="http://schemas.microsoft.com/office/mac/drawingml/2011/main" val="1"/>
+            </a:ext>
+          </a:extLst>
+        </p:spPr>
+        <p:txBody>
+          <a:bodyPr lIns="50800" tIns="50800" rIns="50800" bIns="50800" anchor="ctr">
+            <a:spAutoFit/>
+          </a:bodyPr>
+          <a:lstStyle>
+            <a:lvl1pPr>
+              <a:defRPr sz="4800">
+                <a:solidFill>
+                  <a:srgbClr val="D6D6D6"/>
+                </a:solidFill>
+              </a:defRPr>
+            </a:lvl1pPr>
+          </a:lstStyle>
+          <a:p>
+            <a:pPr/>
+            <a:r>
+              <a:t>Point &amp; Click</a:t>
+            </a:r>
+          </a:p>
+        </p:txBody>
+      </p:sp>
+      <p:sp>
+        <p:nvSpPr>
+          <p:cNvPr id="332" name="Shape 332"/>
           <p:cNvSpPr/>
           <p:nvPr/>
         </p:nvSpPr>
@@ -9662,14 +9651,14 @@
       </p:sp>
       <p:sp>
         <p:nvSpPr>
-          <p:cNvPr id="341" name="Shape 341"/>
-          <p:cNvSpPr/>
-          <p:nvPr/>
-        </p:nvSpPr>
-        <p:spPr>
-          <a:xfrm>
-            <a:off x="5059511" y="2896964"/>
-            <a:ext cx="2885778" cy="889001"/>
+          <p:cNvPr id="333" name="Shape 333"/>
+          <p:cNvSpPr/>
+          <p:nvPr/>
+        </p:nvSpPr>
+        <p:spPr>
+          <a:xfrm>
+            <a:off x="3905025" y="2476085"/>
+            <a:ext cx="5531795" cy="1676401"/>
           </a:xfrm>
           <a:prstGeom prst="rect">
             <a:avLst/>
@@ -9691,7 +9680,7 @@
             <a:lvl1pPr>
               <a:defRPr sz="4800">
                 <a:solidFill>
-                  <a:srgbClr val="004479"/>
+                  <a:srgbClr val="D6D6D6"/>
                 </a:solidFill>
               </a:defRPr>
             </a:lvl1pPr>
@@ -9699,21 +9688,21 @@
           <a:p>
             <a:pPr/>
             <a:r>
-              <a:t>Mapping</a:t>
-            </a:r>
-          </a:p>
-        </p:txBody>
-      </p:sp>
-      <p:sp>
-        <p:nvSpPr>
-          <p:cNvPr id="342" name="Shape 342"/>
-          <p:cNvSpPr/>
-          <p:nvPr/>
-        </p:nvSpPr>
-        <p:spPr>
-          <a:xfrm>
-            <a:off x="333875" y="4066602"/>
-            <a:ext cx="12337050" cy="889001"/>
+              <a:t>Statistical Programming</a:t>
+            </a:r>
+          </a:p>
+        </p:txBody>
+      </p:sp>
+      <p:sp>
+        <p:nvSpPr>
+          <p:cNvPr id="334" name="Shape 334"/>
+          <p:cNvSpPr/>
+          <p:nvPr/>
+        </p:nvSpPr>
+        <p:spPr>
+          <a:xfrm>
+            <a:off x="9863649" y="2869785"/>
+            <a:ext cx="2885779" cy="889001"/>
           </a:xfrm>
           <a:prstGeom prst="rect">
             <a:avLst/>
@@ -9743,14 +9732,58 @@
           <a:p>
             <a:pPr/>
             <a:r>
-              <a:t>CartoDB, Leaflet, MapBox</a:t>
-            </a:r>
-          </a:p>
-        </p:txBody>
-      </p:sp>
-      <p:sp>
-        <p:nvSpPr>
-          <p:cNvPr id="343" name="Shape 343"/>
+              <a:t>JavaScript</a:t>
+            </a:r>
+          </a:p>
+        </p:txBody>
+      </p:sp>
+      <p:sp>
+        <p:nvSpPr>
+          <p:cNvPr id="335" name="Shape 335"/>
+          <p:cNvSpPr/>
+          <p:nvPr/>
+        </p:nvSpPr>
+        <p:spPr>
+          <a:xfrm>
+            <a:off x="9805086" y="3926902"/>
+            <a:ext cx="3002906" cy="889001"/>
+          </a:xfrm>
+          <a:prstGeom prst="rect">
+            <a:avLst/>
+          </a:prstGeom>
+          <a:ln w="12700">
+            <a:miter lim="400000"/>
+          </a:ln>
+          <a:extLst>
+            <a:ext uri="{C572A759-6A51-4108-AA02-DFA0A04FC94B}">
+              <ma14:wrappingTextBoxFlag xmlns:ma14="http://schemas.microsoft.com/office/mac/drawingml/2011/main" val="1"/>
+            </a:ext>
+          </a:extLst>
+        </p:spPr>
+        <p:txBody>
+          <a:bodyPr lIns="50800" tIns="50800" rIns="50800" bIns="50800" anchor="ctr">
+            <a:spAutoFit/>
+          </a:bodyPr>
+          <a:lstStyle>
+            <a:lvl1pPr>
+              <a:defRPr sz="4800">
+                <a:solidFill>
+                  <a:srgbClr val="004479"/>
+                </a:solidFill>
+              </a:defRPr>
+            </a:lvl1pPr>
+          </a:lstStyle>
+          <a:p>
+            <a:pPr/>
+            <a:r>
+              <a:t>D3</a:t>
+            </a:r>
+          </a:p>
+        </p:txBody>
+      </p:sp>
+      <p:sp>
+        <p:nvSpPr>
+          <p:cNvPr id="336" name="Shape 336"/>
           <p:cNvSpPr/>
           <p:nvPr/>
         </p:nvSpPr>
@@ -9794,7 +9827,7 @@
       </p:sp>
       <p:sp>
         <p:nvSpPr>
-          <p:cNvPr id="344" name="Shape 344"/>
+          <p:cNvPr id="337" name="Shape 337"/>
           <p:cNvSpPr/>
           <p:nvPr/>
         </p:nvSpPr>
@@ -9832,7 +9865,7 @@
       </p:sp>
       <p:sp>
         <p:nvSpPr>
-          <p:cNvPr id="345" name="Shape 345"/>
+          <p:cNvPr id="338" name="Shape 338"/>
           <p:cNvSpPr/>
           <p:nvPr/>
         </p:nvSpPr>
@@ -9876,7 +9909,7 @@
       </p:sp>
       <p:sp>
         <p:nvSpPr>
-          <p:cNvPr id="346" name="Shape 346"/>
+          <p:cNvPr id="339" name="Shape 339"/>
           <p:cNvSpPr/>
           <p:nvPr/>
         </p:nvSpPr>
@@ -9920,7 +9953,7 @@
       </p:sp>
       <p:sp>
         <p:nvSpPr>
-          <p:cNvPr id="347" name="Shape 347"/>
+          <p:cNvPr id="340" name="Shape 340"/>
           <p:cNvSpPr/>
           <p:nvPr/>
         </p:nvSpPr>
@@ -9958,14 +9991,102 @@
       </p:sp>
       <p:sp>
         <p:nvSpPr>
-          <p:cNvPr id="348" name="Shape 348"/>
-          <p:cNvSpPr/>
-          <p:nvPr/>
-        </p:nvSpPr>
-        <p:spPr>
-          <a:xfrm>
-            <a:off x="0" y="4835020"/>
-            <a:ext cx="13004800" cy="3759201"/>
+          <p:cNvPr id="341" name="Shape 341"/>
+          <p:cNvSpPr/>
+          <p:nvPr/>
+        </p:nvSpPr>
+        <p:spPr>
+          <a:xfrm>
+            <a:off x="6245047" y="3926902"/>
+            <a:ext cx="521495" cy="889001"/>
+          </a:xfrm>
+          <a:prstGeom prst="rect">
+            <a:avLst/>
+          </a:prstGeom>
+          <a:ln w="12700">
+            <a:miter lim="400000"/>
+          </a:ln>
+          <a:extLst>
+            <a:ext uri="{C572A759-6A51-4108-AA02-DFA0A04FC94B}">
+              <ma14:wrappingTextBoxFlag xmlns:ma14="http://schemas.microsoft.com/office/mac/drawingml/2011/main" val="1"/>
+            </a:ext>
+          </a:extLst>
+        </p:spPr>
+        <p:txBody>
+          <a:bodyPr wrap="none" lIns="50800" tIns="50800" rIns="50800" bIns="50800" anchor="ctr">
+            <a:spAutoFit/>
+          </a:bodyPr>
+          <a:lstStyle>
+            <a:lvl1pPr>
+              <a:defRPr sz="4800">
+                <a:solidFill>
+                  <a:srgbClr val="D6D6D6"/>
+                </a:solidFill>
+              </a:defRPr>
+            </a:lvl1pPr>
+          </a:lstStyle>
+          <a:p>
+            <a:pPr/>
+            <a:r>
+              <a:t>R</a:t>
+            </a:r>
+          </a:p>
+        </p:txBody>
+      </p:sp>
+      <p:sp>
+        <p:nvSpPr>
+          <p:cNvPr id="342" name="Shape 342"/>
+          <p:cNvSpPr/>
+          <p:nvPr/>
+        </p:nvSpPr>
+        <p:spPr>
+          <a:xfrm>
+            <a:off x="900793" y="3926902"/>
+            <a:ext cx="2215754" cy="889001"/>
+          </a:xfrm>
+          <a:prstGeom prst="rect">
+            <a:avLst/>
+          </a:prstGeom>
+          <a:ln w="12700">
+            <a:miter lim="400000"/>
+          </a:ln>
+          <a:extLst>
+            <a:ext uri="{C572A759-6A51-4108-AA02-DFA0A04FC94B}">
+              <ma14:wrappingTextBoxFlag xmlns:ma14="http://schemas.microsoft.com/office/mac/drawingml/2011/main" val="1"/>
+            </a:ext>
+          </a:extLst>
+        </p:spPr>
+        <p:txBody>
+          <a:bodyPr wrap="none" lIns="50800" tIns="50800" rIns="50800" bIns="50800" anchor="ctr">
+            <a:spAutoFit/>
+          </a:bodyPr>
+          <a:lstStyle>
+            <a:lvl1pPr>
+              <a:defRPr sz="4800">
+                <a:solidFill>
+                  <a:srgbClr val="D6D6D6"/>
+                </a:solidFill>
+              </a:defRPr>
+            </a:lvl1pPr>
+          </a:lstStyle>
+          <a:p>
+            <a:pPr/>
+            <a:r>
+              <a:t>Tableau</a:t>
+            </a:r>
+          </a:p>
+        </p:txBody>
+      </p:sp>
+      <p:sp>
+        <p:nvSpPr>
+          <p:cNvPr id="343" name="Shape 343"/>
+          <p:cNvSpPr/>
+          <p:nvPr/>
+        </p:nvSpPr>
+        <p:spPr>
+          <a:xfrm>
+            <a:off x="0" y="5139820"/>
+            <a:ext cx="13004800" cy="3149601"/>
           </a:xfrm>
           <a:prstGeom prst="rect">
             <a:avLst/>
@@ -9993,7 +10114,7 @@
               <a:defRPr sz="3600"/>
             </a:pPr>
             <a:r>
-              <a:t>Most data visualization tools have mapping, but some tools are mapping specific and very in-depth</a:t>
+              <a:t>Steep learning curve, challenging even to those with front experience</a:t>
             </a:r>
           </a:p>
           <a:p>
@@ -10005,7 +10126,7 @@
               <a:defRPr sz="3600"/>
             </a:pPr>
             <a:r>
-              <a:t>May provide geo-location and well stylized / customized basemaps</a:t>
+              <a:t>Extremely flexible in design</a:t>
             </a:r>
           </a:p>
           <a:p>
@@ -10017,7 +10138,7 @@
               <a:defRPr sz="3600"/>
             </a:pPr>
             <a:r>
-              <a:t>CartoDB and MapBox both have point and click as well as Javascript capabilities. Leaflet is a Javascript language. </a:t>
+              <a:t>Most of the interactive data visualization you see at the NY Times or Washington Post was created D3</a:t>
             </a:r>
           </a:p>
         </p:txBody>
@@ -10115,7 +10236,7 @@
           <a:p>
             <a:pPr/>
             <a:r>
-              <a:t>High level step by step guide to using open source data to visualize our city.</a:t>
+              <a:t>High level start to finish roadmap for data visualization when working with open data.</a:t>
             </a:r>
           </a:p>
         </p:txBody>
@@ -10362,17 +10483,13 @@
       </p:grpSpPr>
       <p:sp>
         <p:nvSpPr>
-          <p:cNvPr id="350" name="Shape 350"/>
+          <p:cNvPr id="345" name="Shape 345"/>
           <p:cNvSpPr/>
           <p:nvPr>
-            <p:ph type="title" idx="4294967295"/>
+            <p:ph type="title"/>
           </p:nvPr>
         </p:nvSpPr>
         <p:spPr>
-          <a:xfrm>
-            <a:off x="355600" y="2764366"/>
-            <a:ext cx="12293600" cy="2044701"/>
-          </a:xfrm>
           <a:prstGeom prst="rect">
             <a:avLst/>
           </a:prstGeom>
@@ -10380,8 +10497,8 @@
         <p:txBody>
           <a:bodyPr/>
           <a:lstStyle>
-            <a:lvl1pPr algn="ctr">
-              <a:defRPr spc="-148" sz="7400">
+            <a:lvl1pPr defTabSz="484886">
+              <a:defRPr spc="-122" sz="6142">
                 <a:solidFill>
                   <a:srgbClr val="D81E00"/>
                 </a:solidFill>
@@ -10391,21 +10508,60 @@
           <a:p>
             <a:pPr/>
             <a:r>
-              <a:t>Let’s Viz Some Data!</a:t>
-            </a:r>
-          </a:p>
-        </p:txBody>
-      </p:sp>
-      <p:sp>
-        <p:nvSpPr>
-          <p:cNvPr id="351" name="Shape 351"/>
-          <p:cNvSpPr/>
-          <p:nvPr/>
-        </p:nvSpPr>
-        <p:spPr>
-          <a:xfrm>
-            <a:off x="355599" y="4038599"/>
-            <a:ext cx="12293602" cy="1676401"/>
+              <a:t>Many Data Viz Tools to Choose From</a:t>
+            </a:r>
+          </a:p>
+        </p:txBody>
+      </p:sp>
+      <p:sp>
+        <p:nvSpPr>
+          <p:cNvPr id="346" name="Shape 346"/>
+          <p:cNvSpPr/>
+          <p:nvPr/>
+        </p:nvSpPr>
+        <p:spPr>
+          <a:xfrm>
+            <a:off x="282785" y="4066602"/>
+            <a:ext cx="12446019" cy="1"/>
+          </a:xfrm>
+          <a:prstGeom prst="line">
+            <a:avLst/>
+          </a:prstGeom>
+          <a:ln w="12700">
+            <a:solidFill>
+              <a:schemeClr val="accent1">
+                <a:hueOff val="109193"/>
+                <a:satOff val="-4874"/>
+                <a:lumOff val="12971"/>
+              </a:schemeClr>
+            </a:solidFill>
+            <a:miter lim="400000"/>
+          </a:ln>
+        </p:spPr>
+        <p:txBody>
+          <a:bodyPr lIns="50800" tIns="50800" rIns="50800" bIns="50800" anchor="ctr"/>
+          <a:lstStyle/>
+          <a:p>
+            <a:pPr>
+              <a:defRPr>
+                <a:solidFill>
+                  <a:srgbClr val="202020"/>
+                </a:solidFill>
+              </a:defRPr>
+            </a:pPr>
+          </a:p>
+        </p:txBody>
+      </p:sp>
+      <p:sp>
+        <p:nvSpPr>
+          <p:cNvPr id="347" name="Shape 347"/>
+          <p:cNvSpPr/>
+          <p:nvPr/>
+        </p:nvSpPr>
+        <p:spPr>
+          <a:xfrm>
+            <a:off x="5059511" y="2896964"/>
+            <a:ext cx="2885778" cy="889001"/>
           </a:xfrm>
           <a:prstGeom prst="rect">
             <a:avLst/>
@@ -10423,31 +10579,70 @@
           <a:bodyPr lIns="50800" tIns="50800" rIns="50800" bIns="50800" anchor="ctr">
             <a:spAutoFit/>
           </a:bodyPr>
-          <a:lstStyle/>
-          <a:p>
-            <a:pPr>
-              <a:defRPr sz="4800"/>
-            </a:pPr>
-            <a:r>
-              <a:t>A CartoDB Breakout</a:t>
-            </a:r>
-          </a:p>
-          <a:p>
-            <a:pPr>
-              <a:defRPr sz="4800"/>
-            </a:pPr>
-            <a:r>
-              <a:rPr u="sng">
-                <a:hlinkClick r:id="rId2" invalidUrl="" action="" tgtFrame="" tooltip="" history="1" highlightClick="0" endSnd="0"/>
-              </a:rPr>
-              <a:t>www.cartodb.com</a:t>
-            </a:r>
-          </a:p>
-        </p:txBody>
-      </p:sp>
-      <p:sp>
-        <p:nvSpPr>
-          <p:cNvPr id="352" name="Shape 352"/>
+          <a:lstStyle>
+            <a:lvl1pPr>
+              <a:defRPr sz="4800">
+                <a:solidFill>
+                  <a:srgbClr val="004479"/>
+                </a:solidFill>
+              </a:defRPr>
+            </a:lvl1pPr>
+          </a:lstStyle>
+          <a:p>
+            <a:pPr/>
+            <a:r>
+              <a:t>Mapping</a:t>
+            </a:r>
+          </a:p>
+        </p:txBody>
+      </p:sp>
+      <p:sp>
+        <p:nvSpPr>
+          <p:cNvPr id="348" name="Shape 348"/>
+          <p:cNvSpPr/>
+          <p:nvPr/>
+        </p:nvSpPr>
+        <p:spPr>
+          <a:xfrm>
+            <a:off x="333875" y="4066602"/>
+            <a:ext cx="12337050" cy="889001"/>
+          </a:xfrm>
+          <a:prstGeom prst="rect">
+            <a:avLst/>
+          </a:prstGeom>
+          <a:ln w="12700">
+            <a:miter lim="400000"/>
+          </a:ln>
+          <a:extLst>
+            <a:ext uri="{C572A759-6A51-4108-AA02-DFA0A04FC94B}">
+              <ma14:wrappingTextBoxFlag xmlns:ma14="http://schemas.microsoft.com/office/mac/drawingml/2011/main" val="1"/>
+            </a:ext>
+          </a:extLst>
+        </p:spPr>
+        <p:txBody>
+          <a:bodyPr lIns="50800" tIns="50800" rIns="50800" bIns="50800" anchor="ctr">
+            <a:spAutoFit/>
+          </a:bodyPr>
+          <a:lstStyle>
+            <a:lvl1pPr>
+              <a:defRPr sz="4800">
+                <a:solidFill>
+                  <a:srgbClr val="004479"/>
+                </a:solidFill>
+              </a:defRPr>
+            </a:lvl1pPr>
+          </a:lstStyle>
+          <a:p>
+            <a:pPr/>
+            <a:r>
+              <a:t>CartoDB, Leaflet, MapBox</a:t>
+            </a:r>
+          </a:p>
+        </p:txBody>
+      </p:sp>
+      <p:sp>
+        <p:nvSpPr>
+          <p:cNvPr id="349" name="Shape 349"/>
           <p:cNvSpPr/>
           <p:nvPr/>
         </p:nvSpPr>
@@ -10491,7 +10686,7 @@
       </p:sp>
       <p:sp>
         <p:nvSpPr>
-          <p:cNvPr id="353" name="Shape 353"/>
+          <p:cNvPr id="350" name="Shape 350"/>
           <p:cNvSpPr/>
           <p:nvPr/>
         </p:nvSpPr>
@@ -10507,7 +10702,7 @@
             </a:avLst>
           </a:prstGeom>
           <a:blipFill>
-            <a:blip r:embed="rId3"/>
+            <a:blip r:embed="rId2"/>
           </a:blipFill>
           <a:ln w="12700">
             <a:miter lim="400000"/>
@@ -10529,7 +10724,7 @@
       </p:sp>
       <p:sp>
         <p:nvSpPr>
-          <p:cNvPr id="354" name="Shape 354"/>
+          <p:cNvPr id="351" name="Shape 351"/>
           <p:cNvSpPr/>
           <p:nvPr/>
         </p:nvSpPr>
@@ -10573,7 +10768,7 @@
       </p:sp>
       <p:sp>
         <p:nvSpPr>
-          <p:cNvPr id="355" name="Shape 355"/>
+          <p:cNvPr id="352" name="Shape 352"/>
           <p:cNvSpPr/>
           <p:nvPr/>
         </p:nvSpPr>
@@ -10617,7 +10812,7 @@
       </p:sp>
       <p:sp>
         <p:nvSpPr>
-          <p:cNvPr id="356" name="Shape 356"/>
+          <p:cNvPr id="353" name="Shape 353"/>
           <p:cNvSpPr/>
           <p:nvPr/>
         </p:nvSpPr>
@@ -10633,7 +10828,7 @@
             </a:avLst>
           </a:prstGeom>
           <a:blipFill>
-            <a:blip r:embed="rId3"/>
+            <a:blip r:embed="rId2"/>
           </a:blipFill>
           <a:ln w="12700">
             <a:miter lim="400000"/>
@@ -10655,14 +10850,14 @@
       </p:sp>
       <p:sp>
         <p:nvSpPr>
-          <p:cNvPr id="357" name="Shape 357"/>
-          <p:cNvSpPr/>
-          <p:nvPr/>
-        </p:nvSpPr>
-        <p:spPr>
-          <a:xfrm>
-            <a:off x="2160767" y="7995478"/>
-            <a:ext cx="8683266" cy="1117601"/>
+          <p:cNvPr id="354" name="Shape 354"/>
+          <p:cNvSpPr/>
+          <p:nvPr/>
+        </p:nvSpPr>
+        <p:spPr>
+          <a:xfrm>
+            <a:off x="0" y="4835020"/>
+            <a:ext cx="13004800" cy="3759201"/>
           </a:xfrm>
           <a:prstGeom prst="rect">
             <a:avLst/>
@@ -10677,38 +10872,44 @@
           </a:extLst>
         </p:spPr>
         <p:txBody>
-          <a:bodyPr wrap="none" lIns="50800" tIns="50800" rIns="50800" bIns="50800" anchor="ctr">
+          <a:bodyPr lIns="50800" tIns="50800" rIns="50800" bIns="50800" anchor="ctr">
             <a:spAutoFit/>
           </a:bodyPr>
           <a:lstStyle/>
           <a:p>
-            <a:pPr/>
-            <a:r>
-              <a:t>For future reference this </a:t>
-            </a:r>
-            <a:r>
-              <a:rPr u="sng">
-                <a:hlinkClick r:id="rId4" invalidUrl="" action="" tgtFrame="" tooltip="" history="1" highlightClick="0" endSnd="0"/>
-              </a:rPr>
-              <a:t>Guide to CartoDB</a:t>
-            </a:r>
-            <a:r>
-              <a:t> from a </a:t>
-            </a:r>
-          </a:p>
-          <a:p>
-            <a:pPr/>
-            <a:r>
-              <a:t>recent </a:t>
-            </a:r>
-            <a:r>
-              <a:rPr u="sng">
-                <a:hlinkClick r:id="rId5" invalidUrl="" action="" tgtFrame="" tooltip="" history="1" highlightClick="0" endSnd="0"/>
-              </a:rPr>
-              <a:t>MaptimeDC</a:t>
-            </a:r>
-            <a:r>
-              <a:t> event is great.</a:t>
+            <a:pPr marL="481263" indent="-481263" algn="l">
+              <a:buSzPct val="45000"/>
+              <a:buBlip>
+                <a:blip r:embed="rId3"/>
+              </a:buBlip>
+              <a:defRPr sz="3600"/>
+            </a:pPr>
+            <a:r>
+              <a:t>Most data visualization tools have mapping, but some tools are mapping specific and very in-depth</a:t>
+            </a:r>
+          </a:p>
+          <a:p>
+            <a:pPr marL="481263" indent="-481263" algn="l">
+              <a:buSzPct val="45000"/>
+              <a:buBlip>
+                <a:blip r:embed="rId3"/>
+              </a:buBlip>
+              <a:defRPr sz="3600"/>
+            </a:pPr>
+            <a:r>
+              <a:t>May provide geo-location and well stylized / customized basemaps</a:t>
+            </a:r>
+          </a:p>
+          <a:p>
+            <a:pPr marL="481263" indent="-481263" algn="l">
+              <a:buSzPct val="45000"/>
+              <a:buBlip>
+                <a:blip r:embed="rId3"/>
+              </a:buBlip>
+              <a:defRPr sz="3600"/>
+            </a:pPr>
+            <a:r>
+              <a:t>CartoDB and MapBox both have point and click as well as Javascript capabilities. Leaflet is a Javascript language. </a:t>
             </a:r>
           </a:p>
         </p:txBody>
@@ -10741,13 +10942,17 @@
       </p:grpSpPr>
       <p:sp>
         <p:nvSpPr>
-          <p:cNvPr id="359" name="Shape 359"/>
+          <p:cNvPr id="356" name="Shape 356"/>
           <p:cNvSpPr/>
           <p:nvPr>
-            <p:ph type="title"/>
+            <p:ph type="title" idx="4294967295"/>
           </p:nvPr>
         </p:nvSpPr>
         <p:spPr>
+          <a:xfrm>
+            <a:off x="355600" y="2764366"/>
+            <a:ext cx="12293600" cy="2044701"/>
+          </a:xfrm>
           <a:prstGeom prst="rect">
             <a:avLst/>
           </a:prstGeom>
@@ -10755,7 +10960,7 @@
         <p:txBody>
           <a:bodyPr/>
           <a:lstStyle>
-            <a:lvl1pPr>
+            <a:lvl1pPr algn="ctr">
               <a:defRPr spc="-148" sz="7400">
                 <a:solidFill>
                   <a:srgbClr val="D81E00"/>
@@ -10766,14 +10971,63 @@
           <a:p>
             <a:pPr/>
             <a:r>
-              <a:t>Color Matters</a:t>
-            </a:r>
-          </a:p>
-        </p:txBody>
-      </p:sp>
-      <p:sp>
-        <p:nvSpPr>
-          <p:cNvPr id="360" name="Shape 360"/>
+              <a:t>Let’s Viz Some Data!</a:t>
+            </a:r>
+          </a:p>
+        </p:txBody>
+      </p:sp>
+      <p:sp>
+        <p:nvSpPr>
+          <p:cNvPr id="357" name="Shape 357"/>
+          <p:cNvSpPr/>
+          <p:nvPr/>
+        </p:nvSpPr>
+        <p:spPr>
+          <a:xfrm>
+            <a:off x="355599" y="4038599"/>
+            <a:ext cx="12293602" cy="1676401"/>
+          </a:xfrm>
+          <a:prstGeom prst="rect">
+            <a:avLst/>
+          </a:prstGeom>
+          <a:ln w="12700">
+            <a:miter lim="400000"/>
+          </a:ln>
+          <a:extLst>
+            <a:ext uri="{C572A759-6A51-4108-AA02-DFA0A04FC94B}">
+              <ma14:wrappingTextBoxFlag xmlns:ma14="http://schemas.microsoft.com/office/mac/drawingml/2011/main" val="1"/>
+            </a:ext>
+          </a:extLst>
+        </p:spPr>
+        <p:txBody>
+          <a:bodyPr lIns="50800" tIns="50800" rIns="50800" bIns="50800" anchor="ctr">
+            <a:spAutoFit/>
+          </a:bodyPr>
+          <a:lstStyle/>
+          <a:p>
+            <a:pPr>
+              <a:defRPr sz="4800"/>
+            </a:pPr>
+            <a:r>
+              <a:t>A CartoDB Breakout</a:t>
+            </a:r>
+          </a:p>
+          <a:p>
+            <a:pPr>
+              <a:defRPr sz="4800"/>
+            </a:pPr>
+            <a:r>
+              <a:rPr u="sng">
+                <a:hlinkClick r:id="rId2" invalidUrl="" action="" tgtFrame="" tooltip="" history="1" highlightClick="0" endSnd="0"/>
+              </a:rPr>
+              <a:t>www.cartodb.com</a:t>
+            </a:r>
+          </a:p>
+        </p:txBody>
+      </p:sp>
+      <p:sp>
+        <p:nvSpPr>
+          <p:cNvPr id="358" name="Shape 358"/>
           <p:cNvSpPr/>
           <p:nvPr/>
         </p:nvSpPr>
@@ -10817,7 +11071,7 @@
       </p:sp>
       <p:sp>
         <p:nvSpPr>
-          <p:cNvPr id="361" name="Shape 361"/>
+          <p:cNvPr id="359" name="Shape 359"/>
           <p:cNvSpPr/>
           <p:nvPr/>
         </p:nvSpPr>
@@ -10833,7 +11087,7 @@
             </a:avLst>
           </a:prstGeom>
           <a:blipFill>
-            <a:blip r:embed="rId2"/>
+            <a:blip r:embed="rId3"/>
           </a:blipFill>
           <a:ln w="12700">
             <a:miter lim="400000"/>
@@ -10855,7 +11109,7 @@
       </p:sp>
       <p:sp>
         <p:nvSpPr>
-          <p:cNvPr id="362" name="Shape 362"/>
+          <p:cNvPr id="360" name="Shape 360"/>
           <p:cNvSpPr/>
           <p:nvPr/>
         </p:nvSpPr>
@@ -10899,7 +11153,7 @@
       </p:sp>
       <p:sp>
         <p:nvSpPr>
-          <p:cNvPr id="363" name="Shape 363"/>
+          <p:cNvPr id="361" name="Shape 361"/>
           <p:cNvSpPr/>
           <p:nvPr/>
         </p:nvSpPr>
@@ -10943,7 +11197,7 @@
       </p:sp>
       <p:sp>
         <p:nvSpPr>
-          <p:cNvPr id="364" name="Shape 364"/>
+          <p:cNvPr id="362" name="Shape 362"/>
           <p:cNvSpPr/>
           <p:nvPr/>
         </p:nvSpPr>
@@ -10959,7 +11213,7 @@
             </a:avLst>
           </a:prstGeom>
           <a:blipFill>
-            <a:blip r:embed="rId2"/>
+            <a:blip r:embed="rId3"/>
           </a:blipFill>
           <a:ln w="12700">
             <a:miter lim="400000"/>
@@ -10979,74 +11233,16 @@
           </a:p>
         </p:txBody>
       </p:sp>
-      <p:pic>
-        <p:nvPicPr>
-          <p:cNvPr id="365" name="Screen Shot 2016-02-29 at 6.40.16 PM.png"/>
-          <p:cNvPicPr>
-            <a:picLocks noChangeAspect="1"/>
-          </p:cNvPicPr>
-          <p:nvPr/>
-        </p:nvPicPr>
-        <p:blipFill>
-          <a:blip r:embed="rId3">
-            <a:extLst/>
-          </a:blip>
-          <a:stretch>
-            <a:fillRect/>
-          </a:stretch>
-        </p:blipFill>
-        <p:spPr>
-          <a:xfrm>
-            <a:off x="54266" y="2886006"/>
-            <a:ext cx="6247258" cy="3547585"/>
-          </a:xfrm>
-          <a:prstGeom prst="rect">
-            <a:avLst/>
-          </a:prstGeom>
-          <a:ln w="12700">
-            <a:miter lim="400000"/>
-          </a:ln>
-        </p:spPr>
-      </p:pic>
-      <p:pic>
-        <p:nvPicPr>
-          <p:cNvPr id="366" name="Screen Shot 2016-02-29 at 6.50.29 PM.png"/>
-          <p:cNvPicPr>
-            <a:picLocks noChangeAspect="1"/>
-          </p:cNvPicPr>
-          <p:nvPr/>
-        </p:nvPicPr>
-        <p:blipFill>
-          <a:blip r:embed="rId4">
-            <a:extLst/>
-          </a:blip>
-          <a:stretch>
-            <a:fillRect/>
-          </a:stretch>
-        </p:blipFill>
-        <p:spPr>
-          <a:xfrm>
-            <a:off x="6318327" y="2802906"/>
-            <a:ext cx="6635430" cy="3713784"/>
-          </a:xfrm>
-          <a:prstGeom prst="rect">
-            <a:avLst/>
-          </a:prstGeom>
-          <a:ln w="12700">
-            <a:miter lim="400000"/>
-          </a:ln>
-        </p:spPr>
-      </p:pic>
-      <p:sp>
-        <p:nvSpPr>
-          <p:cNvPr id="367" name="Shape 367"/>
-          <p:cNvSpPr/>
-          <p:nvPr/>
-        </p:nvSpPr>
-        <p:spPr>
-          <a:xfrm>
-            <a:off x="0" y="6747719"/>
-            <a:ext cx="13004801" cy="1320801"/>
+      <p:sp>
+        <p:nvSpPr>
+          <p:cNvPr id="363" name="Shape 363"/>
+          <p:cNvSpPr/>
+          <p:nvPr/>
+        </p:nvSpPr>
+        <p:spPr>
+          <a:xfrm>
+            <a:off x="2160767" y="7995478"/>
+            <a:ext cx="8683266" cy="1117601"/>
           </a:xfrm>
           <a:prstGeom prst="rect">
             <a:avLst/>
@@ -11061,18 +11257,38 @@
           </a:extLst>
         </p:spPr>
         <p:txBody>
-          <a:bodyPr lIns="50800" tIns="50800" rIns="50800" bIns="50800" anchor="ctr">
+          <a:bodyPr wrap="none" lIns="50800" tIns="50800" rIns="50800" bIns="50800" anchor="ctr">
             <a:spAutoFit/>
           </a:bodyPr>
-          <a:lstStyle>
-            <a:lvl1pPr algn="l">
-              <a:defRPr sz="3600"/>
-            </a:lvl1pPr>
-          </a:lstStyle>
-          <a:p>
-            <a:pPr/>
-            <a:r>
-              <a:t>At it’s worst color can repeal or confuse the reader. At it’s best color can draw the reader in and help tell the story. </a:t>
+          <a:lstStyle/>
+          <a:p>
+            <a:pPr/>
+            <a:r>
+              <a:t>For future reference this </a:t>
+            </a:r>
+            <a:r>
+              <a:rPr u="sng">
+                <a:hlinkClick r:id="rId4" invalidUrl="" action="" tgtFrame="" tooltip="" history="1" highlightClick="0" endSnd="0"/>
+              </a:rPr>
+              <a:t>Guide to CartoDB</a:t>
+            </a:r>
+            <a:r>
+              <a:t> from a </a:t>
+            </a:r>
+          </a:p>
+          <a:p>
+            <a:pPr/>
+            <a:r>
+              <a:t>recent </a:t>
+            </a:r>
+            <a:r>
+              <a:rPr u="sng">
+                <a:hlinkClick r:id="rId5" invalidUrl="" action="" tgtFrame="" tooltip="" history="1" highlightClick="0" endSnd="0"/>
+              </a:rPr>
+              <a:t>MaptimeDC</a:t>
+            </a:r>
+            <a:r>
+              <a:t> event is great.</a:t>
             </a:r>
           </a:p>
         </p:txBody>
@@ -11105,7 +11321,7 @@
       </p:grpSpPr>
       <p:sp>
         <p:nvSpPr>
-          <p:cNvPr id="369" name="Shape 369"/>
+          <p:cNvPr id="365" name="Shape 365"/>
           <p:cNvSpPr/>
           <p:nvPr>
             <p:ph type="title"/>
@@ -11137,7 +11353,7 @@
       </p:sp>
       <p:sp>
         <p:nvSpPr>
-          <p:cNvPr id="370" name="Shape 370"/>
+          <p:cNvPr id="366" name="Shape 366"/>
           <p:cNvSpPr/>
           <p:nvPr/>
         </p:nvSpPr>
@@ -11181,7 +11397,7 @@
       </p:sp>
       <p:sp>
         <p:nvSpPr>
-          <p:cNvPr id="371" name="Shape 371"/>
+          <p:cNvPr id="367" name="Shape 367"/>
           <p:cNvSpPr/>
           <p:nvPr/>
         </p:nvSpPr>
@@ -11219,7 +11435,7 @@
       </p:sp>
       <p:sp>
         <p:nvSpPr>
-          <p:cNvPr id="372" name="Shape 372"/>
+          <p:cNvPr id="368" name="Shape 368"/>
           <p:cNvSpPr/>
           <p:nvPr/>
         </p:nvSpPr>
@@ -11263,7 +11479,7 @@
       </p:sp>
       <p:sp>
         <p:nvSpPr>
-          <p:cNvPr id="373" name="Shape 373"/>
+          <p:cNvPr id="369" name="Shape 369"/>
           <p:cNvSpPr/>
           <p:nvPr/>
         </p:nvSpPr>
@@ -11307,7 +11523,7 @@
       </p:sp>
       <p:sp>
         <p:nvSpPr>
-          <p:cNvPr id="374" name="Shape 374"/>
+          <p:cNvPr id="370" name="Shape 370"/>
           <p:cNvSpPr/>
           <p:nvPr/>
         </p:nvSpPr>
@@ -11343,16 +11559,74 @@
           </a:p>
         </p:txBody>
       </p:sp>
-      <p:sp>
-        <p:nvSpPr>
-          <p:cNvPr id="375" name="Shape 375"/>
-          <p:cNvSpPr/>
-          <p:nvPr/>
-        </p:nvSpPr>
-        <p:spPr>
-          <a:xfrm>
-            <a:off x="389739" y="2784825"/>
-            <a:ext cx="12570181" cy="6197601"/>
+      <p:pic>
+        <p:nvPicPr>
+          <p:cNvPr id="371" name="Screen Shot 2016-02-29 at 6.40.16 PM.png"/>
+          <p:cNvPicPr>
+            <a:picLocks noChangeAspect="1"/>
+          </p:cNvPicPr>
+          <p:nvPr/>
+        </p:nvPicPr>
+        <p:blipFill>
+          <a:blip r:embed="rId3">
+            <a:extLst/>
+          </a:blip>
+          <a:stretch>
+            <a:fillRect/>
+          </a:stretch>
+        </p:blipFill>
+        <p:spPr>
+          <a:xfrm>
+            <a:off x="107649" y="3286792"/>
+            <a:ext cx="6142666" cy="3488191"/>
+          </a:xfrm>
+          <a:prstGeom prst="rect">
+            <a:avLst/>
+          </a:prstGeom>
+          <a:ln w="12700">
+            <a:miter lim="400000"/>
+          </a:ln>
+        </p:spPr>
+      </p:pic>
+      <p:pic>
+        <p:nvPicPr>
+          <p:cNvPr id="372" name="Screen Shot 2016-02-29 at 6.50.29 PM.png"/>
+          <p:cNvPicPr>
+            <a:picLocks noChangeAspect="1"/>
+          </p:cNvPicPr>
+          <p:nvPr/>
+        </p:nvPicPr>
+        <p:blipFill>
+          <a:blip r:embed="rId4">
+            <a:extLst/>
+          </a:blip>
+          <a:stretch>
+            <a:fillRect/>
+          </a:stretch>
+        </p:blipFill>
+        <p:spPr>
+          <a:xfrm>
+            <a:off x="6578618" y="3227398"/>
+            <a:ext cx="6338484" cy="3547585"/>
+          </a:xfrm>
+          <a:prstGeom prst="rect">
+            <a:avLst/>
+          </a:prstGeom>
+          <a:ln w="12700">
+            <a:miter lim="400000"/>
+          </a:ln>
+        </p:spPr>
+      </p:pic>
+      <p:sp>
+        <p:nvSpPr>
+          <p:cNvPr id="373" name="Shape 373"/>
+          <p:cNvSpPr/>
+          <p:nvPr/>
+        </p:nvSpPr>
+        <p:spPr>
+          <a:xfrm>
+            <a:off x="0" y="6986694"/>
+            <a:ext cx="13004801" cy="1320801"/>
           </a:xfrm>
           <a:prstGeom prst="rect">
             <a:avLst/>
@@ -11370,91 +11644,189 @@
           <a:bodyPr lIns="50800" tIns="50800" rIns="50800" bIns="50800" anchor="ctr">
             <a:spAutoFit/>
           </a:bodyPr>
-          <a:lstStyle/>
-          <a:p>
-            <a:pPr marL="481263" indent="-481263" algn="l">
-              <a:buSzPct val="45000"/>
-              <a:buBlip>
-                <a:blip r:embed="rId3"/>
-              </a:buBlip>
+          <a:lstStyle>
+            <a:lvl1pPr algn="l">
               <a:defRPr sz="3600"/>
-            </a:pPr>
-            <a:r>
-              <a:t>Use different colors for different categories (qualitative), but not different values across a range (quantitative). </a:t>
-            </a:r>
-          </a:p>
-          <a:p>
-            <a:pPr algn="l">
+            </a:lvl1pPr>
+          </a:lstStyle>
+          <a:p>
+            <a:pPr/>
+            <a:r>
+              <a:t>At it’s worst color can repeal or confuse the reader. At it’s best color can draw the reader in and help tell the story. </a:t>
+            </a:r>
+          </a:p>
+        </p:txBody>
+      </p:sp>
+      <p:sp>
+        <p:nvSpPr>
+          <p:cNvPr id="374" name="Shape 374"/>
+          <p:cNvSpPr/>
+          <p:nvPr/>
+        </p:nvSpPr>
+        <p:spPr>
+          <a:xfrm>
+            <a:off x="2561397" y="2532396"/>
+            <a:ext cx="1235171" cy="711201"/>
+          </a:xfrm>
+          <a:prstGeom prst="rect">
+            <a:avLst/>
+          </a:prstGeom>
+          <a:ln w="12700">
+            <a:miter lim="400000"/>
+          </a:ln>
+          <a:extLst>
+            <a:ext uri="{C572A759-6A51-4108-AA02-DFA0A04FC94B}">
+              <ma14:wrappingTextBoxFlag xmlns:ma14="http://schemas.microsoft.com/office/mac/drawingml/2011/main" val="1"/>
+            </a:ext>
+          </a:extLst>
+        </p:spPr>
+        <p:txBody>
+          <a:bodyPr lIns="50800" tIns="50800" rIns="50800" bIns="50800" anchor="ctr">
+            <a:spAutoFit/>
+          </a:bodyPr>
+          <a:lstStyle>
+            <a:lvl1pPr algn="l">
               <a:defRPr sz="3600"/>
-            </a:pPr>
-          </a:p>
-          <a:p>
-            <a:pPr marL="481263" indent="-481263" algn="l">
-              <a:buSzPct val="45000"/>
-              <a:buBlip>
-                <a:blip r:embed="rId3"/>
-              </a:buBlip>
+            </a:lvl1pPr>
+          </a:lstStyle>
+          <a:p>
+            <a:pPr/>
+            <a:r>
+              <a:t>BAD</a:t>
+            </a:r>
+          </a:p>
+        </p:txBody>
+      </p:sp>
+      <p:sp>
+        <p:nvSpPr>
+          <p:cNvPr id="375" name="Shape 375"/>
+          <p:cNvSpPr/>
+          <p:nvPr/>
+        </p:nvSpPr>
+        <p:spPr>
+          <a:xfrm>
+            <a:off x="8965546" y="2524125"/>
+            <a:ext cx="1973632" cy="711201"/>
+          </a:xfrm>
+          <a:prstGeom prst="rect">
+            <a:avLst/>
+          </a:prstGeom>
+          <a:ln w="12700">
+            <a:miter lim="400000"/>
+          </a:ln>
+          <a:extLst>
+            <a:ext uri="{C572A759-6A51-4108-AA02-DFA0A04FC94B}">
+              <ma14:wrappingTextBoxFlag xmlns:ma14="http://schemas.microsoft.com/office/mac/drawingml/2011/main" val="1"/>
+            </a:ext>
+          </a:extLst>
+        </p:spPr>
+        <p:txBody>
+          <a:bodyPr lIns="50800" tIns="50800" rIns="50800" bIns="50800" anchor="ctr">
+            <a:spAutoFit/>
+          </a:bodyPr>
+          <a:lstStyle>
+            <a:lvl1pPr algn="l">
               <a:defRPr sz="3600"/>
-            </a:pPr>
-            <a:r>
-              <a:t>But never more than six colors.</a:t>
-            </a:r>
-          </a:p>
-          <a:p>
-            <a:pPr algn="l">
-              <a:defRPr sz="3600"/>
-            </a:pPr>
-          </a:p>
-          <a:p>
-            <a:pPr marL="481263" indent="-481263" algn="l">
-              <a:buSzPct val="45000"/>
-              <a:buBlip>
-                <a:blip r:embed="rId3"/>
-              </a:buBlip>
-              <a:defRPr sz="3600"/>
-            </a:pPr>
-            <a:r>
-              <a:t>Be mindful of color blindness. </a:t>
-            </a:r>
-          </a:p>
-          <a:p>
-            <a:pPr algn="l">
-              <a:defRPr sz="3600"/>
-            </a:pPr>
-          </a:p>
-          <a:p>
-            <a:pPr marL="481263" indent="-481263" algn="l">
-              <a:buSzPct val="45000"/>
-              <a:buBlip>
-                <a:blip r:embed="rId3"/>
-              </a:buBlip>
-              <a:defRPr sz="3600"/>
-            </a:pPr>
-            <a:r>
-              <a:t>For multiple graphs, a connected color scheme.</a:t>
-            </a:r>
-          </a:p>
-          <a:p>
-            <a:pPr algn="l">
-              <a:defRPr sz="3600"/>
-            </a:pPr>
-          </a:p>
-          <a:p>
-            <a:pPr marL="481263" indent="-481263" algn="l">
-              <a:buSzPct val="45000"/>
-              <a:buBlip>
-                <a:blip r:embed="rId3"/>
-              </a:buBlip>
-              <a:defRPr sz="3600"/>
-            </a:pPr>
-            <a:r>
-              <a:t>When in doubt, use ColorBrewer2 at </a:t>
-            </a:r>
-            <a:r>
-              <a:rPr u="sng">
-                <a:hlinkClick r:id="rId4" invalidUrl="" action="" tgtFrame="" tooltip="" history="1" highlightClick="0" endSnd="0"/>
-              </a:rPr>
-              <a:t>colorbrewer2.org</a:t>
+            </a:lvl1pPr>
+          </a:lstStyle>
+          <a:p>
+            <a:pPr/>
+            <a:r>
+              <a:t>BETTER</a:t>
+            </a:r>
+          </a:p>
+        </p:txBody>
+      </p:sp>
+      <p:sp>
+        <p:nvSpPr>
+          <p:cNvPr id="376" name="Shape 376"/>
+          <p:cNvSpPr/>
+          <p:nvPr/>
+        </p:nvSpPr>
+        <p:spPr>
+          <a:xfrm>
+            <a:off x="6654564" y="6813639"/>
+            <a:ext cx="6186591" cy="341839"/>
+          </a:xfrm>
+          <a:prstGeom prst="rect">
+            <a:avLst/>
+          </a:prstGeom>
+          <a:ln w="12700">
+            <a:miter lim="400000"/>
+          </a:ln>
+          <a:extLst>
+            <a:ext uri="{C572A759-6A51-4108-AA02-DFA0A04FC94B}">
+              <ma14:wrappingTextBoxFlag xmlns:ma14="http://schemas.microsoft.com/office/mac/drawingml/2011/main" val="1"/>
+            </a:ext>
+          </a:extLst>
+        </p:spPr>
+        <p:txBody>
+          <a:bodyPr lIns="50800" tIns="50800" rIns="50800" bIns="50800">
+            <a:normAutofit fontScale="100000" lnSpcReduction="0"/>
+          </a:bodyPr>
+          <a:lstStyle>
+            <a:lvl1pPr algn="l" defTabSz="368045">
+              <a:spcBef>
+                <a:spcPts val="600"/>
+              </a:spcBef>
+              <a:defRPr sz="1512">
+                <a:solidFill>
+                  <a:srgbClr val="5C86B9"/>
+                </a:solidFill>
+              </a:defRPr>
+            </a:lvl1pPr>
+          </a:lstStyle>
+          <a:p>
+            <a:pPr/>
+            <a:r>
+              <a:t>Source: DataLensDC</a:t>
+            </a:r>
+          </a:p>
+        </p:txBody>
+      </p:sp>
+      <p:sp>
+        <p:nvSpPr>
+          <p:cNvPr id="377" name="Shape 377"/>
+          <p:cNvSpPr/>
+          <p:nvPr/>
+        </p:nvSpPr>
+        <p:spPr>
+          <a:xfrm>
+            <a:off x="85687" y="6813639"/>
+            <a:ext cx="6186591" cy="341839"/>
+          </a:xfrm>
+          <a:prstGeom prst="rect">
+            <a:avLst/>
+          </a:prstGeom>
+          <a:ln w="12700">
+            <a:miter lim="400000"/>
+          </a:ln>
+          <a:extLst>
+            <a:ext uri="{C572A759-6A51-4108-AA02-DFA0A04FC94B}">
+              <ma14:wrappingTextBoxFlag xmlns:ma14="http://schemas.microsoft.com/office/mac/drawingml/2011/main" val="1"/>
+            </a:ext>
+          </a:extLst>
+        </p:spPr>
+        <p:txBody>
+          <a:bodyPr lIns="50800" tIns="50800" rIns="50800" bIns="50800">
+            <a:normAutofit fontScale="100000" lnSpcReduction="0"/>
+          </a:bodyPr>
+          <a:lstStyle>
+            <a:lvl1pPr algn="l" defTabSz="368045">
+              <a:spcBef>
+                <a:spcPts val="600"/>
+              </a:spcBef>
+              <a:defRPr sz="1512">
+                <a:solidFill>
+                  <a:srgbClr val="5C86B9"/>
+                </a:solidFill>
+              </a:defRPr>
+            </a:lvl1pPr>
+          </a:lstStyle>
+          <a:p>
+            <a:pPr/>
+            <a:r>
+              <a:t>Source: DataLensDC</a:t>
             </a:r>
           </a:p>
         </p:txBody>
@@ -11487,7 +11859,7 @@
       </p:grpSpPr>
       <p:sp>
         <p:nvSpPr>
-          <p:cNvPr id="377" name="Shape 377"/>
+          <p:cNvPr id="379" name="Shape 379"/>
           <p:cNvSpPr/>
           <p:nvPr>
             <p:ph type="title"/>
@@ -11512,14 +11884,14 @@
           <a:p>
             <a:pPr/>
             <a:r>
-              <a:t>Label Well and Often</a:t>
-            </a:r>
-          </a:p>
-        </p:txBody>
-      </p:sp>
-      <p:sp>
-        <p:nvSpPr>
-          <p:cNvPr id="378" name="Shape 378"/>
+              <a:t>Color Matters</a:t>
+            </a:r>
+          </a:p>
+        </p:txBody>
+      </p:sp>
+      <p:sp>
+        <p:nvSpPr>
+          <p:cNvPr id="380" name="Shape 380"/>
           <p:cNvSpPr/>
           <p:nvPr/>
         </p:nvSpPr>
@@ -11563,7 +11935,7 @@
       </p:sp>
       <p:sp>
         <p:nvSpPr>
-          <p:cNvPr id="379" name="Shape 379"/>
+          <p:cNvPr id="381" name="Shape 381"/>
           <p:cNvSpPr/>
           <p:nvPr/>
         </p:nvSpPr>
@@ -11601,7 +11973,7 @@
       </p:sp>
       <p:sp>
         <p:nvSpPr>
-          <p:cNvPr id="380" name="Shape 380"/>
+          <p:cNvPr id="382" name="Shape 382"/>
           <p:cNvSpPr/>
           <p:nvPr/>
         </p:nvSpPr>
@@ -11645,7 +12017,7 @@
       </p:sp>
       <p:sp>
         <p:nvSpPr>
-          <p:cNvPr id="381" name="Shape 381"/>
+          <p:cNvPr id="383" name="Shape 383"/>
           <p:cNvSpPr/>
           <p:nvPr/>
         </p:nvSpPr>
@@ -11689,7 +12061,7 @@
       </p:sp>
       <p:sp>
         <p:nvSpPr>
-          <p:cNvPr id="382" name="Shape 382"/>
+          <p:cNvPr id="384" name="Shape 384"/>
           <p:cNvSpPr/>
           <p:nvPr/>
         </p:nvSpPr>
@@ -11725,45 +12097,16 @@
           </a:p>
         </p:txBody>
       </p:sp>
-      <p:pic>
-        <p:nvPicPr>
-          <p:cNvPr id="383" name="Screen Shot 2016-02-29 at 7.00.28 PM.png"/>
-          <p:cNvPicPr>
-            <a:picLocks noChangeAspect="1"/>
-          </p:cNvPicPr>
-          <p:nvPr/>
-        </p:nvPicPr>
-        <p:blipFill>
-          <a:blip r:embed="rId3">
-            <a:extLst/>
-          </a:blip>
-          <a:stretch>
-            <a:fillRect/>
-          </a:stretch>
-        </p:blipFill>
-        <p:spPr>
-          <a:xfrm>
-            <a:off x="4231309" y="3981576"/>
-            <a:ext cx="8680768" cy="4897930"/>
-          </a:xfrm>
-          <a:prstGeom prst="rect">
-            <a:avLst/>
-          </a:prstGeom>
-          <a:ln w="12700">
-            <a:miter lim="400000"/>
-          </a:ln>
-        </p:spPr>
-      </p:pic>
-      <p:sp>
-        <p:nvSpPr>
-          <p:cNvPr id="384" name="Shape 384"/>
-          <p:cNvSpPr/>
-          <p:nvPr/>
-        </p:nvSpPr>
-        <p:spPr>
-          <a:xfrm>
-            <a:off x="0" y="2641726"/>
-            <a:ext cx="13004801" cy="1320801"/>
+      <p:sp>
+        <p:nvSpPr>
+          <p:cNvPr id="385" name="Shape 385"/>
+          <p:cNvSpPr/>
+          <p:nvPr/>
+        </p:nvSpPr>
+        <p:spPr>
+          <a:xfrm>
+            <a:off x="389739" y="2784825"/>
+            <a:ext cx="12570181" cy="6197601"/>
           </a:xfrm>
           <a:prstGeom prst="rect">
             <a:avLst/>
@@ -11781,85 +12124,91 @@
           <a:bodyPr lIns="50800" tIns="50800" rIns="50800" bIns="50800" anchor="ctr">
             <a:spAutoFit/>
           </a:bodyPr>
-          <a:lstStyle>
-            <a:lvl1pPr algn="l">
+          <a:lstStyle/>
+          <a:p>
+            <a:pPr marL="481263" indent="-481263" algn="l">
+              <a:buSzPct val="45000"/>
+              <a:buBlip>
+                <a:blip r:embed="rId3"/>
+              </a:buBlip>
               <a:defRPr sz="3600"/>
-            </a:lvl1pPr>
-          </a:lstStyle>
-          <a:p>
-            <a:pPr/>
-            <a:r>
-              <a:t>Labeling can occasionally be overlooked when focusing on the content of the graph, but are crucial for readers to get the facts</a:t>
-            </a:r>
-          </a:p>
-        </p:txBody>
-      </p:sp>
-      <p:sp>
-        <p:nvSpPr>
-          <p:cNvPr id="385" name="Shape 385"/>
-          <p:cNvSpPr/>
-          <p:nvPr/>
-        </p:nvSpPr>
-        <p:spPr>
-          <a:xfrm>
-            <a:off x="0" y="4855741"/>
-            <a:ext cx="13004801" cy="3149601"/>
-          </a:xfrm>
-          <a:prstGeom prst="rect">
-            <a:avLst/>
-          </a:prstGeom>
-          <a:ln w="12700">
-            <a:miter lim="400000"/>
-          </a:ln>
-          <a:extLst>
-            <a:ext uri="{C572A759-6A51-4108-AA02-DFA0A04FC94B}">
-              <ma14:wrappingTextBoxFlag xmlns:ma14="http://schemas.microsoft.com/office/mac/drawingml/2011/main" val="1"/>
-            </a:ext>
-          </a:extLst>
-        </p:spPr>
-        <p:txBody>
-          <a:bodyPr lIns="50800" tIns="50800" rIns="50800" bIns="50800" anchor="ctr">
-            <a:spAutoFit/>
-          </a:bodyPr>
-          <a:lstStyle/>
+            </a:pPr>
+            <a:r>
+              <a:t>Use different colors for different categories (qualitative), but not different values across a range (quantitative). </a:t>
+            </a:r>
+          </a:p>
           <a:p>
             <a:pPr algn="l">
               <a:defRPr sz="3600"/>
             </a:pPr>
-            <a:r>
-              <a:t>Lack of proper </a:t>
+          </a:p>
+          <a:p>
+            <a:pPr marL="481263" indent="-481263" algn="l">
+              <a:buSzPct val="45000"/>
+              <a:buBlip>
+                <a:blip r:embed="rId3"/>
+              </a:buBlip>
+              <a:defRPr sz="3600"/>
+            </a:pPr>
+            <a:r>
+              <a:t>But never more than six colors.</a:t>
             </a:r>
           </a:p>
           <a:p>
             <a:pPr algn="l">
               <a:defRPr sz="3600"/>
             </a:pPr>
-            <a:r>
-              <a:t>labeling can confuse</a:t>
+          </a:p>
+          <a:p>
+            <a:pPr marL="481263" indent="-481263" algn="l">
+              <a:buSzPct val="45000"/>
+              <a:buBlip>
+                <a:blip r:embed="rId3"/>
+              </a:buBlip>
+              <a:defRPr sz="3600"/>
+            </a:pPr>
+            <a:r>
+              <a:t>Be mindful of color blindness. </a:t>
             </a:r>
           </a:p>
           <a:p>
             <a:pPr algn="l">
               <a:defRPr sz="3600"/>
             </a:pPr>
-            <a:r>
-              <a:t>or mislead, forcing</a:t>
+          </a:p>
+          <a:p>
+            <a:pPr marL="481263" indent="-481263" algn="l">
+              <a:buSzPct val="45000"/>
+              <a:buBlip>
+                <a:blip r:embed="rId3"/>
+              </a:buBlip>
+              <a:defRPr sz="3600"/>
+            </a:pPr>
+            <a:r>
+              <a:t>For multiple graphs, a connected color scheme.</a:t>
             </a:r>
           </a:p>
           <a:p>
             <a:pPr algn="l">
               <a:defRPr sz="3600"/>
             </a:pPr>
-            <a:r>
-              <a:t>the reader to guess </a:t>
-            </a:r>
-          </a:p>
-          <a:p>
-            <a:pPr algn="l">
+          </a:p>
+          <a:p>
+            <a:pPr marL="481263" indent="-481263" algn="l">
+              <a:buSzPct val="45000"/>
+              <a:buBlip>
+                <a:blip r:embed="rId3"/>
+              </a:buBlip>
               <a:defRPr sz="3600"/>
             </a:pPr>
             <a:r>
-              <a:t>of do “visual math.”</a:t>
+              <a:t>When in doubt, use ColorBrewer2 at </a:t>
+            </a:r>
+            <a:r>
+              <a:rPr u="sng">
+                <a:hlinkClick r:id="rId4" invalidUrl="" action="" tgtFrame="" tooltip="" history="1" highlightClick="0" endSnd="0"/>
+              </a:rPr>
+              <a:t>colorbrewer2.org</a:t>
             </a:r>
           </a:p>
         </p:txBody>
@@ -11917,7 +12266,7 @@
           <a:p>
             <a:pPr/>
             <a:r>
-              <a:t>Titles To Tell Stories</a:t>
+              <a:t>Label Well and Often</a:t>
             </a:r>
           </a:p>
         </p:txBody>
@@ -12127,6 +12476,192 @@
                 </a:solidFill>
               </a:defRPr>
             </a:pPr>
+          </a:p>
+        </p:txBody>
+      </p:sp>
+      <p:pic>
+        <p:nvPicPr>
+          <p:cNvPr id="393" name="Screen Shot 2016-02-29 at 7.00.28 PM.png"/>
+          <p:cNvPicPr>
+            <a:picLocks noChangeAspect="1"/>
+          </p:cNvPicPr>
+          <p:nvPr/>
+        </p:nvPicPr>
+        <p:blipFill>
+          <a:blip r:embed="rId3">
+            <a:extLst/>
+          </a:blip>
+          <a:stretch>
+            <a:fillRect/>
+          </a:stretch>
+        </p:blipFill>
+        <p:spPr>
+          <a:xfrm>
+            <a:off x="4231309" y="3981576"/>
+            <a:ext cx="8680768" cy="4897930"/>
+          </a:xfrm>
+          <a:prstGeom prst="rect">
+            <a:avLst/>
+          </a:prstGeom>
+          <a:ln w="12700">
+            <a:miter lim="400000"/>
+          </a:ln>
+        </p:spPr>
+      </p:pic>
+      <p:sp>
+        <p:nvSpPr>
+          <p:cNvPr id="394" name="Shape 394"/>
+          <p:cNvSpPr/>
+          <p:nvPr/>
+        </p:nvSpPr>
+        <p:spPr>
+          <a:xfrm>
+            <a:off x="0" y="2641727"/>
+            <a:ext cx="13004801" cy="1320801"/>
+          </a:xfrm>
+          <a:prstGeom prst="rect">
+            <a:avLst/>
+          </a:prstGeom>
+          <a:ln w="12700">
+            <a:miter lim="400000"/>
+          </a:ln>
+          <a:extLst>
+            <a:ext uri="{C572A759-6A51-4108-AA02-DFA0A04FC94B}">
+              <ma14:wrappingTextBoxFlag xmlns:ma14="http://schemas.microsoft.com/office/mac/drawingml/2011/main" val="1"/>
+            </a:ext>
+          </a:extLst>
+        </p:spPr>
+        <p:txBody>
+          <a:bodyPr lIns="50800" tIns="50800" rIns="50800" bIns="50800" anchor="ctr">
+            <a:spAutoFit/>
+          </a:bodyPr>
+          <a:lstStyle>
+            <a:lvl1pPr algn="l">
+              <a:defRPr sz="3600"/>
+            </a:lvl1pPr>
+          </a:lstStyle>
+          <a:p>
+            <a:pPr/>
+            <a:r>
+              <a:t>Labeling can occasionally be overlooked when focusing on the content of the graph, but are crucial for readers to get the facts</a:t>
+            </a:r>
+          </a:p>
+        </p:txBody>
+      </p:sp>
+      <p:sp>
+        <p:nvSpPr>
+          <p:cNvPr id="395" name="Shape 395"/>
+          <p:cNvSpPr/>
+          <p:nvPr/>
+        </p:nvSpPr>
+        <p:spPr>
+          <a:xfrm>
+            <a:off x="0" y="4855741"/>
+            <a:ext cx="13004801" cy="3149601"/>
+          </a:xfrm>
+          <a:prstGeom prst="rect">
+            <a:avLst/>
+          </a:prstGeom>
+          <a:ln w="12700">
+            <a:miter lim="400000"/>
+          </a:ln>
+          <a:extLst>
+            <a:ext uri="{C572A759-6A51-4108-AA02-DFA0A04FC94B}">
+              <ma14:wrappingTextBoxFlag xmlns:ma14="http://schemas.microsoft.com/office/mac/drawingml/2011/main" val="1"/>
+            </a:ext>
+          </a:extLst>
+        </p:spPr>
+        <p:txBody>
+          <a:bodyPr lIns="50800" tIns="50800" rIns="50800" bIns="50800" anchor="ctr">
+            <a:spAutoFit/>
+          </a:bodyPr>
+          <a:lstStyle/>
+          <a:p>
+            <a:pPr algn="l">
+              <a:defRPr sz="3600"/>
+            </a:pPr>
+            <a:r>
+              <a:t>Lack of proper </a:t>
+            </a:r>
+          </a:p>
+          <a:p>
+            <a:pPr algn="l">
+              <a:defRPr sz="3600"/>
+            </a:pPr>
+            <a:r>
+              <a:t>labeling can confuse</a:t>
+            </a:r>
+          </a:p>
+          <a:p>
+            <a:pPr algn="l">
+              <a:defRPr sz="3600"/>
+            </a:pPr>
+            <a:r>
+              <a:t>or mislead, forcing</a:t>
+            </a:r>
+          </a:p>
+          <a:p>
+            <a:pPr algn="l">
+              <a:defRPr sz="3600"/>
+            </a:pPr>
+            <a:r>
+              <a:t>the reader to guess </a:t>
+            </a:r>
+          </a:p>
+          <a:p>
+            <a:pPr algn="l">
+              <a:defRPr sz="3600"/>
+            </a:pPr>
+            <a:r>
+              <a:t>of do “visual math.”</a:t>
+            </a:r>
+          </a:p>
+        </p:txBody>
+      </p:sp>
+      <p:sp>
+        <p:nvSpPr>
+          <p:cNvPr id="396" name="Shape 396"/>
+          <p:cNvSpPr/>
+          <p:nvPr/>
+        </p:nvSpPr>
+        <p:spPr>
+          <a:xfrm>
+            <a:off x="4160167" y="8898555"/>
+            <a:ext cx="6186591" cy="341839"/>
+          </a:xfrm>
+          <a:prstGeom prst="rect">
+            <a:avLst/>
+          </a:prstGeom>
+          <a:ln w="12700">
+            <a:miter lim="400000"/>
+          </a:ln>
+          <a:extLst>
+            <a:ext uri="{C572A759-6A51-4108-AA02-DFA0A04FC94B}">
+              <ma14:wrappingTextBoxFlag xmlns:ma14="http://schemas.microsoft.com/office/mac/drawingml/2011/main" val="1"/>
+            </a:ext>
+          </a:extLst>
+        </p:spPr>
+        <p:txBody>
+          <a:bodyPr lIns="50800" tIns="50800" rIns="50800" bIns="50800">
+            <a:normAutofit fontScale="100000" lnSpcReduction="0"/>
+          </a:bodyPr>
+          <a:lstStyle>
+            <a:lvl1pPr algn="l" defTabSz="368045">
+              <a:spcBef>
+                <a:spcPts val="600"/>
+              </a:spcBef>
+              <a:defRPr sz="1512">
+                <a:solidFill>
+                  <a:srgbClr val="5C86B9"/>
+                </a:solidFill>
+              </a:defRPr>
+            </a:lvl1pPr>
+          </a:lstStyle>
+          <a:p>
+            <a:pPr/>
+            <a:r>
+              <a:t>Source: Uber</a:t>
+            </a:r>
           </a:p>
         </p:txBody>
       </p:sp>
@@ -12158,17 +12693,13 @@
       </p:grpSpPr>
       <p:sp>
         <p:nvSpPr>
-          <p:cNvPr id="394" name="Shape 394"/>
+          <p:cNvPr id="398" name="Shape 398"/>
           <p:cNvSpPr/>
           <p:nvPr>
-            <p:ph type="title" idx="4294967295"/>
+            <p:ph type="title"/>
           </p:nvPr>
         </p:nvSpPr>
         <p:spPr>
-          <a:xfrm>
-            <a:off x="355600" y="2764366"/>
-            <a:ext cx="12293600" cy="2044701"/>
-          </a:xfrm>
           <a:prstGeom prst="rect">
             <a:avLst/>
           </a:prstGeom>
@@ -12176,7 +12707,7 @@
         <p:txBody>
           <a:bodyPr/>
           <a:lstStyle>
-            <a:lvl1pPr algn="ctr">
+            <a:lvl1pPr>
               <a:defRPr spc="-148" sz="7400">
                 <a:solidFill>
                   <a:srgbClr val="D81E00"/>
@@ -12187,76 +12718,14 @@
           <a:p>
             <a:pPr/>
             <a:r>
-              <a:t>Let’s Viz Some Data!</a:t>
-            </a:r>
-          </a:p>
-        </p:txBody>
-      </p:sp>
-      <p:sp>
-        <p:nvSpPr>
-          <p:cNvPr id="395" name="Shape 395"/>
-          <p:cNvSpPr/>
-          <p:nvPr/>
-        </p:nvSpPr>
-        <p:spPr>
-          <a:xfrm>
-            <a:off x="355599" y="4172958"/>
-            <a:ext cx="12293602" cy="3251201"/>
-          </a:xfrm>
-          <a:prstGeom prst="rect">
-            <a:avLst/>
-          </a:prstGeom>
-          <a:ln w="12700">
-            <a:miter lim="400000"/>
-          </a:ln>
-          <a:extLst>
-            <a:ext uri="{C572A759-6A51-4108-AA02-DFA0A04FC94B}">
-              <ma14:wrappingTextBoxFlag xmlns:ma14="http://schemas.microsoft.com/office/mac/drawingml/2011/main" val="1"/>
-            </a:ext>
-          </a:extLst>
-        </p:spPr>
-        <p:txBody>
-          <a:bodyPr lIns="50800" tIns="50800" rIns="50800" bIns="50800" anchor="ctr">
-            <a:spAutoFit/>
-          </a:bodyPr>
-          <a:lstStyle/>
-          <a:p>
-            <a:pPr>
-              <a:defRPr sz="4800"/>
-            </a:pPr>
-            <a:r>
-              <a:t>A Tableau Breakout</a:t>
-            </a:r>
-          </a:p>
-          <a:p>
-            <a:pPr>
-              <a:defRPr sz="4800"/>
-            </a:pPr>
-          </a:p>
-          <a:p>
-            <a:pPr>
-              <a:defRPr sz="4800"/>
-            </a:pPr>
-            <a:r>
-              <a:t>To get started:</a:t>
-            </a:r>
-          </a:p>
-          <a:p>
-            <a:pPr>
-              <a:defRPr sz="4800"/>
-            </a:pPr>
-            <a:r>
-              <a:rPr u="sng">
-                <a:hlinkClick r:id="rId2" invalidUrl="" action="" tgtFrame="" tooltip="" history="1" highlightClick="0" endSnd="0"/>
-              </a:rPr>
-              <a:t>https://public.tableau.com/s/download</a:t>
-            </a:r>
-          </a:p>
-        </p:txBody>
-      </p:sp>
-      <p:sp>
-        <p:nvSpPr>
-          <p:cNvPr id="396" name="Shape 396"/>
+              <a:t>Titles To Tell Stories</a:t>
+            </a:r>
+          </a:p>
+        </p:txBody>
+      </p:sp>
+      <p:sp>
+        <p:nvSpPr>
+          <p:cNvPr id="399" name="Shape 399"/>
           <p:cNvSpPr/>
           <p:nvPr/>
         </p:nvSpPr>
@@ -12300,7 +12769,7 @@
       </p:sp>
       <p:sp>
         <p:nvSpPr>
-          <p:cNvPr id="397" name="Shape 397"/>
+          <p:cNvPr id="400" name="Shape 400"/>
           <p:cNvSpPr/>
           <p:nvPr/>
         </p:nvSpPr>
@@ -12316,7 +12785,7 @@
             </a:avLst>
           </a:prstGeom>
           <a:blipFill>
-            <a:blip r:embed="rId3"/>
+            <a:blip r:embed="rId2"/>
           </a:blipFill>
           <a:ln w="12700">
             <a:miter lim="400000"/>
@@ -12338,7 +12807,7 @@
       </p:sp>
       <p:sp>
         <p:nvSpPr>
-          <p:cNvPr id="398" name="Shape 398"/>
+          <p:cNvPr id="401" name="Shape 401"/>
           <p:cNvSpPr/>
           <p:nvPr/>
         </p:nvSpPr>
@@ -12382,7 +12851,7 @@
       </p:sp>
       <p:sp>
         <p:nvSpPr>
-          <p:cNvPr id="399" name="Shape 399"/>
+          <p:cNvPr id="402" name="Shape 402"/>
           <p:cNvSpPr/>
           <p:nvPr/>
         </p:nvSpPr>
@@ -12426,7 +12895,7 @@
       </p:sp>
       <p:sp>
         <p:nvSpPr>
-          <p:cNvPr id="400" name="Shape 400"/>
+          <p:cNvPr id="403" name="Shape 403"/>
           <p:cNvSpPr/>
           <p:nvPr/>
         </p:nvSpPr>
@@ -12442,7 +12911,7 @@
             </a:avLst>
           </a:prstGeom>
           <a:blipFill>
-            <a:blip r:embed="rId3"/>
+            <a:blip r:embed="rId2"/>
           </a:blipFill>
           <a:ln w="12700">
             <a:miter lim="400000"/>
@@ -12462,16 +12931,45 @@
           </a:p>
         </p:txBody>
       </p:sp>
-      <p:sp>
-        <p:nvSpPr>
-          <p:cNvPr id="401" name="Shape 401"/>
-          <p:cNvSpPr/>
-          <p:nvPr/>
-        </p:nvSpPr>
-        <p:spPr>
-          <a:xfrm>
-            <a:off x="2399729" y="7995478"/>
-            <a:ext cx="8205342" cy="1117601"/>
+      <p:pic>
+        <p:nvPicPr>
+          <p:cNvPr id="404" name="Screen Shot 2016-03-02 at 5.34.52 PM.png"/>
+          <p:cNvPicPr>
+            <a:picLocks noChangeAspect="1"/>
+          </p:cNvPicPr>
+          <p:nvPr/>
+        </p:nvPicPr>
+        <p:blipFill>
+          <a:blip r:embed="rId3">
+            <a:extLst/>
+          </a:blip>
+          <a:stretch>
+            <a:fillRect/>
+          </a:stretch>
+        </p:blipFill>
+        <p:spPr>
+          <a:xfrm>
+            <a:off x="3105150" y="4241428"/>
+            <a:ext cx="6794501" cy="4889501"/>
+          </a:xfrm>
+          <a:prstGeom prst="rect">
+            <a:avLst/>
+          </a:prstGeom>
+          <a:ln w="12700">
+            <a:miter lim="400000"/>
+          </a:ln>
+        </p:spPr>
+      </p:pic>
+      <p:sp>
+        <p:nvSpPr>
+          <p:cNvPr id="405" name="Shape 405"/>
+          <p:cNvSpPr/>
+          <p:nvPr/>
+        </p:nvSpPr>
+        <p:spPr>
+          <a:xfrm>
+            <a:off x="0" y="2641727"/>
+            <a:ext cx="13004801" cy="1320801"/>
           </a:xfrm>
           <a:prstGeom prst="rect">
             <a:avLst/>
@@ -12486,6 +12984,322 @@
           </a:extLst>
         </p:spPr>
         <p:txBody>
+          <a:bodyPr lIns="50800" tIns="50800" rIns="50800" bIns="50800" anchor="ctr">
+            <a:spAutoFit/>
+          </a:bodyPr>
+          <a:lstStyle/>
+          <a:p>
+            <a:pPr>
+              <a:defRPr sz="3600"/>
+            </a:pPr>
+            <a:r>
+              <a:t>Bad Title: New Residents aged 20-29 (%)</a:t>
+            </a:r>
+          </a:p>
+          <a:p>
+            <a:pPr>
+              <a:defRPr sz="3600"/>
+            </a:pPr>
+            <a:r>
+              <a:t>Better Title: Nearly Half of New DC Residents in their 20s</a:t>
+            </a:r>
+          </a:p>
+        </p:txBody>
+      </p:sp>
+    </p:spTree>
+  </p:cSld>
+  <p:clrMapOvr>
+    <a:masterClrMapping/>
+  </p:clrMapOvr>
+  <p:transition xmlns:p14="http://schemas.microsoft.com/office/powerpoint/2010/main" spd="med" advClick="1" p14:dur="1000"/>
+</p:sld>
+</file>
+
+<file path=ppt/slides/slide26.xml><?xml version="1.0" encoding="utf-8"?>
+<p:sld xmlns:a="http://schemas.openxmlformats.org/drawingml/2006/main" xmlns:r="http://schemas.openxmlformats.org/officeDocument/2006/relationships" xmlns:p="http://schemas.openxmlformats.org/presentationml/2006/main" showMasterSp="1" showMasterPhAnim="1">
+  <p:cSld>
+    <p:spTree>
+      <p:nvGrpSpPr>
+        <p:cNvPr id="1" name=""/>
+        <p:cNvGrpSpPr/>
+        <p:nvPr/>
+      </p:nvGrpSpPr>
+      <p:grpSpPr>
+        <a:xfrm>
+          <a:off x="0" y="0"/>
+          <a:ext cx="0" cy="0"/>
+          <a:chOff x="0" y="0"/>
+          <a:chExt cx="0" cy="0"/>
+        </a:xfrm>
+      </p:grpSpPr>
+      <p:sp>
+        <p:nvSpPr>
+          <p:cNvPr id="407" name="Shape 407"/>
+          <p:cNvSpPr/>
+          <p:nvPr>
+            <p:ph type="title" idx="4294967295"/>
+          </p:nvPr>
+        </p:nvSpPr>
+        <p:spPr>
+          <a:xfrm>
+            <a:off x="355600" y="2764366"/>
+            <a:ext cx="12293600" cy="2044701"/>
+          </a:xfrm>
+          <a:prstGeom prst="rect">
+            <a:avLst/>
+          </a:prstGeom>
+        </p:spPr>
+        <p:txBody>
+          <a:bodyPr/>
+          <a:lstStyle>
+            <a:lvl1pPr algn="ctr">
+              <a:defRPr spc="-148" sz="7400">
+                <a:solidFill>
+                  <a:srgbClr val="D81E00"/>
+                </a:solidFill>
+              </a:defRPr>
+            </a:lvl1pPr>
+          </a:lstStyle>
+          <a:p>
+            <a:pPr/>
+            <a:r>
+              <a:t>Let’s Viz Some Data!</a:t>
+            </a:r>
+          </a:p>
+        </p:txBody>
+      </p:sp>
+      <p:sp>
+        <p:nvSpPr>
+          <p:cNvPr id="408" name="Shape 408"/>
+          <p:cNvSpPr/>
+          <p:nvPr/>
+        </p:nvSpPr>
+        <p:spPr>
+          <a:xfrm>
+            <a:off x="1072593" y="9135533"/>
+            <a:ext cx="2885779" cy="533401"/>
+          </a:xfrm>
+          <a:prstGeom prst="rect">
+            <a:avLst/>
+          </a:prstGeom>
+          <a:ln w="12700">
+            <a:miter lim="400000"/>
+          </a:ln>
+          <a:extLst>
+            <a:ext uri="{C572A759-6A51-4108-AA02-DFA0A04FC94B}">
+              <ma14:wrappingTextBoxFlag xmlns:ma14="http://schemas.microsoft.com/office/mac/drawingml/2011/main" val="1"/>
+            </a:ext>
+          </a:extLst>
+        </p:spPr>
+        <p:txBody>
+          <a:bodyPr lIns="50800" tIns="50800" rIns="50800" bIns="50800" anchor="ctr">
+            <a:spAutoFit/>
+          </a:bodyPr>
+          <a:lstStyle>
+            <a:lvl1pPr>
+              <a:defRPr sz="2600">
+                <a:solidFill>
+                  <a:srgbClr val="9F9F9F"/>
+                </a:solidFill>
+              </a:defRPr>
+            </a:lvl1pPr>
+          </a:lstStyle>
+          <a:p>
+            <a:pPr/>
+            <a:r>
+              <a:t>Select Your Data</a:t>
+            </a:r>
+          </a:p>
+        </p:txBody>
+      </p:sp>
+      <p:sp>
+        <p:nvSpPr>
+          <p:cNvPr id="409" name="Shape 409"/>
+          <p:cNvSpPr/>
+          <p:nvPr/>
+        </p:nvSpPr>
+        <p:spPr>
+          <a:xfrm>
+            <a:off x="3937745" y="9276754"/>
+            <a:ext cx="383260" cy="274440"/>
+          </a:xfrm>
+          <a:prstGeom prst="rightArrow">
+            <a:avLst>
+              <a:gd name="adj1" fmla="val 32000"/>
+              <a:gd name="adj2" fmla="val 97503"/>
+            </a:avLst>
+          </a:prstGeom>
+          <a:blipFill>
+            <a:blip r:embed="rId2"/>
+          </a:blipFill>
+          <a:ln w="12700">
+            <a:miter lim="400000"/>
+          </a:ln>
+        </p:spPr>
+        <p:txBody>
+          <a:bodyPr lIns="50800" tIns="50800" rIns="50800" bIns="50800" anchor="ctr"/>
+          <a:lstStyle/>
+          <a:p>
+            <a:pPr>
+              <a:defRPr>
+                <a:solidFill>
+                  <a:srgbClr val="9F9F9F"/>
+                </a:solidFill>
+              </a:defRPr>
+            </a:pPr>
+          </a:p>
+        </p:txBody>
+      </p:sp>
+      <p:sp>
+        <p:nvSpPr>
+          <p:cNvPr id="410" name="Shape 410"/>
+          <p:cNvSpPr/>
+          <p:nvPr/>
+        </p:nvSpPr>
+        <p:spPr>
+          <a:xfrm>
+            <a:off x="4428726" y="9110133"/>
+            <a:ext cx="3179292" cy="533401"/>
+          </a:xfrm>
+          <a:prstGeom prst="rect">
+            <a:avLst/>
+          </a:prstGeom>
+          <a:ln w="12700">
+            <a:miter lim="400000"/>
+          </a:ln>
+          <a:extLst>
+            <a:ext uri="{C572A759-6A51-4108-AA02-DFA0A04FC94B}">
+              <ma14:wrappingTextBoxFlag xmlns:ma14="http://schemas.microsoft.com/office/mac/drawingml/2011/main" val="1"/>
+            </a:ext>
+          </a:extLst>
+        </p:spPr>
+        <p:txBody>
+          <a:bodyPr wrap="none" lIns="50800" tIns="50800" rIns="50800" bIns="50800" anchor="ctr">
+            <a:spAutoFit/>
+          </a:bodyPr>
+          <a:lstStyle>
+            <a:lvl1pPr>
+              <a:defRPr sz="2600">
+                <a:solidFill>
+                  <a:srgbClr val="9F9F9F"/>
+                </a:solidFill>
+              </a:defRPr>
+            </a:lvl1pPr>
+          </a:lstStyle>
+          <a:p>
+            <a:pPr/>
+            <a:r>
+              <a:t>Transform Your Data</a:t>
+            </a:r>
+          </a:p>
+        </p:txBody>
+      </p:sp>
+      <p:sp>
+        <p:nvSpPr>
+          <p:cNvPr id="411" name="Shape 411"/>
+          <p:cNvSpPr/>
+          <p:nvPr/>
+        </p:nvSpPr>
+        <p:spPr>
+          <a:xfrm>
+            <a:off x="8246407" y="9110133"/>
+            <a:ext cx="3002906" cy="533401"/>
+          </a:xfrm>
+          <a:prstGeom prst="rect">
+            <a:avLst/>
+          </a:prstGeom>
+          <a:ln w="12700">
+            <a:miter lim="400000"/>
+          </a:ln>
+          <a:extLst>
+            <a:ext uri="{C572A759-6A51-4108-AA02-DFA0A04FC94B}">
+              <ma14:wrappingTextBoxFlag xmlns:ma14="http://schemas.microsoft.com/office/mac/drawingml/2011/main" val="1"/>
+            </a:ext>
+          </a:extLst>
+        </p:spPr>
+        <p:txBody>
+          <a:bodyPr wrap="none" lIns="50800" tIns="50800" rIns="50800" bIns="50800" anchor="ctr">
+            <a:spAutoFit/>
+          </a:bodyPr>
+          <a:lstStyle>
+            <a:lvl1pPr>
+              <a:defRPr sz="2600">
+                <a:solidFill>
+                  <a:srgbClr val="000000"/>
+                </a:solidFill>
+              </a:defRPr>
+            </a:lvl1pPr>
+          </a:lstStyle>
+          <a:p>
+            <a:pPr/>
+            <a:r>
+              <a:t>Visualize Your Data</a:t>
+            </a:r>
+          </a:p>
+        </p:txBody>
+      </p:sp>
+      <p:sp>
+        <p:nvSpPr>
+          <p:cNvPr id="412" name="Shape 412"/>
+          <p:cNvSpPr/>
+          <p:nvPr/>
+        </p:nvSpPr>
+        <p:spPr>
+          <a:xfrm>
+            <a:off x="7735582" y="9276754"/>
+            <a:ext cx="383261" cy="274440"/>
+          </a:xfrm>
+          <a:prstGeom prst="rightArrow">
+            <a:avLst>
+              <a:gd name="adj1" fmla="val 32000"/>
+              <a:gd name="adj2" fmla="val 97503"/>
+            </a:avLst>
+          </a:prstGeom>
+          <a:blipFill>
+            <a:blip r:embed="rId2"/>
+          </a:blipFill>
+          <a:ln w="12700">
+            <a:miter lim="400000"/>
+          </a:ln>
+        </p:spPr>
+        <p:txBody>
+          <a:bodyPr lIns="50800" tIns="50800" rIns="50800" bIns="50800" anchor="ctr"/>
+          <a:lstStyle/>
+          <a:p>
+            <a:pPr>
+              <a:defRPr>
+                <a:solidFill>
+                  <a:srgbClr val="9F9F9F"/>
+                </a:solidFill>
+              </a:defRPr>
+            </a:pPr>
+          </a:p>
+        </p:txBody>
+      </p:sp>
+      <p:sp>
+        <p:nvSpPr>
+          <p:cNvPr id="413" name="Shape 413"/>
+          <p:cNvSpPr/>
+          <p:nvPr/>
+        </p:nvSpPr>
+        <p:spPr>
+          <a:xfrm>
+            <a:off x="2399729" y="7995478"/>
+            <a:ext cx="8205342" cy="1117601"/>
+          </a:xfrm>
+          <a:prstGeom prst="rect">
+            <a:avLst/>
+          </a:prstGeom>
+          <a:ln w="12700">
+            <a:miter lim="400000"/>
+          </a:ln>
+          <a:extLst>
+            <a:ext uri="{C572A759-6A51-4108-AA02-DFA0A04FC94B}">
+              <ma14:wrappingTextBoxFlag xmlns:ma14="http://schemas.microsoft.com/office/mac/drawingml/2011/main" val="1"/>
+            </a:ext>
+          </a:extLst>
+        </p:spPr>
+        <p:txBody>
           <a:bodyPr wrap="none" lIns="50800" tIns="50800" rIns="50800" bIns="50800" anchor="ctr">
             <a:spAutoFit/>
           </a:bodyPr>
@@ -12504,6 +13318,566 @@
           </a:p>
         </p:txBody>
       </p:sp>
+      <p:sp>
+        <p:nvSpPr>
+          <p:cNvPr id="414" name="Shape 414"/>
+          <p:cNvSpPr/>
+          <p:nvPr/>
+        </p:nvSpPr>
+        <p:spPr>
+          <a:xfrm>
+            <a:off x="355599" y="4172958"/>
+            <a:ext cx="12293602" cy="3251201"/>
+          </a:xfrm>
+          <a:prstGeom prst="rect">
+            <a:avLst/>
+          </a:prstGeom>
+          <a:ln w="12700">
+            <a:miter lim="400000"/>
+          </a:ln>
+          <a:extLst>
+            <a:ext uri="{C572A759-6A51-4108-AA02-DFA0A04FC94B}">
+              <ma14:wrappingTextBoxFlag xmlns:ma14="http://schemas.microsoft.com/office/mac/drawingml/2011/main" val="1"/>
+            </a:ext>
+          </a:extLst>
+        </p:spPr>
+        <p:txBody>
+          <a:bodyPr lIns="50800" tIns="50800" rIns="50800" bIns="50800" anchor="ctr">
+            <a:spAutoFit/>
+          </a:bodyPr>
+          <a:lstStyle/>
+          <a:p>
+            <a:pPr>
+              <a:defRPr sz="4800"/>
+            </a:pPr>
+            <a:r>
+              <a:t>A Tableau Breakout</a:t>
+            </a:r>
+          </a:p>
+          <a:p>
+            <a:pPr>
+              <a:defRPr sz="4800"/>
+            </a:pPr>
+          </a:p>
+          <a:p>
+            <a:pPr>
+              <a:defRPr sz="4800"/>
+            </a:pPr>
+            <a:r>
+              <a:t>To get started:</a:t>
+            </a:r>
+          </a:p>
+          <a:p>
+            <a:pPr>
+              <a:defRPr sz="4800"/>
+            </a:pPr>
+            <a:r>
+              <a:rPr u="sng">
+                <a:hlinkClick r:id="rId3" invalidUrl="" action="" tgtFrame="" tooltip="" history="1" highlightClick="0" endSnd="0"/>
+              </a:rPr>
+              <a:t>https://public.tableau.com/s/download</a:t>
+            </a:r>
+          </a:p>
+        </p:txBody>
+      </p:sp>
+    </p:spTree>
+  </p:cSld>
+  <p:clrMapOvr>
+    <a:masterClrMapping/>
+  </p:clrMapOvr>
+  <p:transition xmlns:p14="http://schemas.microsoft.com/office/powerpoint/2010/main" spd="med" advClick="1" p14:dur="1000"/>
+</p:sld>
+</file>
+
+<file path=ppt/slides/slide27.xml><?xml version="1.0" encoding="utf-8"?>
+<p:sld xmlns:a="http://schemas.openxmlformats.org/drawingml/2006/main" xmlns:r="http://schemas.openxmlformats.org/officeDocument/2006/relationships" xmlns:p="http://schemas.openxmlformats.org/presentationml/2006/main" showMasterSp="1" showMasterPhAnim="1">
+  <p:cSld>
+    <p:spTree>
+      <p:nvGrpSpPr>
+        <p:cNvPr id="1" name=""/>
+        <p:cNvGrpSpPr/>
+        <p:nvPr/>
+      </p:nvGrpSpPr>
+      <p:grpSpPr>
+        <a:xfrm>
+          <a:off x="0" y="0"/>
+          <a:ext cx="0" cy="0"/>
+          <a:chOff x="0" y="0"/>
+          <a:chExt cx="0" cy="0"/>
+        </a:xfrm>
+      </p:grpSpPr>
+      <p:sp>
+        <p:nvSpPr>
+          <p:cNvPr id="416" name="Shape 416"/>
+          <p:cNvSpPr/>
+          <p:nvPr>
+            <p:ph type="title"/>
+          </p:nvPr>
+        </p:nvSpPr>
+        <p:spPr>
+          <a:prstGeom prst="rect">
+            <a:avLst/>
+          </a:prstGeom>
+        </p:spPr>
+        <p:txBody>
+          <a:bodyPr/>
+          <a:lstStyle>
+            <a:lvl1pPr defTabSz="566674">
+              <a:defRPr spc="-143" sz="7178">
+                <a:solidFill>
+                  <a:srgbClr val="D81E00"/>
+                </a:solidFill>
+              </a:defRPr>
+            </a:lvl1pPr>
+          </a:lstStyle>
+          <a:p>
+            <a:pPr/>
+            <a:r>
+              <a:t>Awesome Blogs about Data Viz</a:t>
+            </a:r>
+          </a:p>
+        </p:txBody>
+      </p:sp>
+      <p:sp>
+        <p:nvSpPr>
+          <p:cNvPr id="417" name="Shape 417"/>
+          <p:cNvSpPr/>
+          <p:nvPr/>
+        </p:nvSpPr>
+        <p:spPr>
+          <a:xfrm>
+            <a:off x="1072593" y="9135533"/>
+            <a:ext cx="2885779" cy="533401"/>
+          </a:xfrm>
+          <a:prstGeom prst="rect">
+            <a:avLst/>
+          </a:prstGeom>
+          <a:ln w="12700">
+            <a:miter lim="400000"/>
+          </a:ln>
+          <a:extLst>
+            <a:ext uri="{C572A759-6A51-4108-AA02-DFA0A04FC94B}">
+              <ma14:wrappingTextBoxFlag xmlns:ma14="http://schemas.microsoft.com/office/mac/drawingml/2011/main" val="1"/>
+            </a:ext>
+          </a:extLst>
+        </p:spPr>
+        <p:txBody>
+          <a:bodyPr lIns="50800" tIns="50800" rIns="50800" bIns="50800" anchor="ctr">
+            <a:spAutoFit/>
+          </a:bodyPr>
+          <a:lstStyle>
+            <a:lvl1pPr>
+              <a:defRPr sz="2600">
+                <a:solidFill>
+                  <a:srgbClr val="9F9F9F"/>
+                </a:solidFill>
+              </a:defRPr>
+            </a:lvl1pPr>
+          </a:lstStyle>
+          <a:p>
+            <a:pPr/>
+            <a:r>
+              <a:t>Select Your Data</a:t>
+            </a:r>
+          </a:p>
+        </p:txBody>
+      </p:sp>
+      <p:sp>
+        <p:nvSpPr>
+          <p:cNvPr id="418" name="Shape 418"/>
+          <p:cNvSpPr/>
+          <p:nvPr/>
+        </p:nvSpPr>
+        <p:spPr>
+          <a:xfrm>
+            <a:off x="3937745" y="9276754"/>
+            <a:ext cx="383260" cy="274440"/>
+          </a:xfrm>
+          <a:prstGeom prst="rightArrow">
+            <a:avLst>
+              <a:gd name="adj1" fmla="val 32000"/>
+              <a:gd name="adj2" fmla="val 97503"/>
+            </a:avLst>
+          </a:prstGeom>
+          <a:blipFill>
+            <a:blip r:embed="rId2"/>
+          </a:blipFill>
+          <a:ln w="12700">
+            <a:miter lim="400000"/>
+          </a:ln>
+        </p:spPr>
+        <p:txBody>
+          <a:bodyPr lIns="50800" tIns="50800" rIns="50800" bIns="50800" anchor="ctr"/>
+          <a:lstStyle/>
+          <a:p>
+            <a:pPr>
+              <a:defRPr>
+                <a:solidFill>
+                  <a:srgbClr val="9F9F9F"/>
+                </a:solidFill>
+              </a:defRPr>
+            </a:pPr>
+          </a:p>
+        </p:txBody>
+      </p:sp>
+      <p:sp>
+        <p:nvSpPr>
+          <p:cNvPr id="419" name="Shape 419"/>
+          <p:cNvSpPr/>
+          <p:nvPr/>
+        </p:nvSpPr>
+        <p:spPr>
+          <a:xfrm>
+            <a:off x="4428726" y="9110133"/>
+            <a:ext cx="3179292" cy="533401"/>
+          </a:xfrm>
+          <a:prstGeom prst="rect">
+            <a:avLst/>
+          </a:prstGeom>
+          <a:ln w="12700">
+            <a:miter lim="400000"/>
+          </a:ln>
+          <a:extLst>
+            <a:ext uri="{C572A759-6A51-4108-AA02-DFA0A04FC94B}">
+              <ma14:wrappingTextBoxFlag xmlns:ma14="http://schemas.microsoft.com/office/mac/drawingml/2011/main" val="1"/>
+            </a:ext>
+          </a:extLst>
+        </p:spPr>
+        <p:txBody>
+          <a:bodyPr wrap="none" lIns="50800" tIns="50800" rIns="50800" bIns="50800" anchor="ctr">
+            <a:spAutoFit/>
+          </a:bodyPr>
+          <a:lstStyle>
+            <a:lvl1pPr>
+              <a:defRPr sz="2600">
+                <a:solidFill>
+                  <a:srgbClr val="9F9F9F"/>
+                </a:solidFill>
+              </a:defRPr>
+            </a:lvl1pPr>
+          </a:lstStyle>
+          <a:p>
+            <a:pPr/>
+            <a:r>
+              <a:t>Transform Your Data</a:t>
+            </a:r>
+          </a:p>
+        </p:txBody>
+      </p:sp>
+      <p:sp>
+        <p:nvSpPr>
+          <p:cNvPr id="420" name="Shape 420"/>
+          <p:cNvSpPr/>
+          <p:nvPr/>
+        </p:nvSpPr>
+        <p:spPr>
+          <a:xfrm>
+            <a:off x="8246407" y="9110133"/>
+            <a:ext cx="3002906" cy="533401"/>
+          </a:xfrm>
+          <a:prstGeom prst="rect">
+            <a:avLst/>
+          </a:prstGeom>
+          <a:ln w="12700">
+            <a:miter lim="400000"/>
+          </a:ln>
+          <a:extLst>
+            <a:ext uri="{C572A759-6A51-4108-AA02-DFA0A04FC94B}">
+              <ma14:wrappingTextBoxFlag xmlns:ma14="http://schemas.microsoft.com/office/mac/drawingml/2011/main" val="1"/>
+            </a:ext>
+          </a:extLst>
+        </p:spPr>
+        <p:txBody>
+          <a:bodyPr wrap="none" lIns="50800" tIns="50800" rIns="50800" bIns="50800" anchor="ctr">
+            <a:spAutoFit/>
+          </a:bodyPr>
+          <a:lstStyle>
+            <a:lvl1pPr>
+              <a:defRPr sz="2600">
+                <a:solidFill>
+                  <a:srgbClr val="000000"/>
+                </a:solidFill>
+              </a:defRPr>
+            </a:lvl1pPr>
+          </a:lstStyle>
+          <a:p>
+            <a:pPr/>
+            <a:r>
+              <a:t>Visualize Your Data</a:t>
+            </a:r>
+          </a:p>
+        </p:txBody>
+      </p:sp>
+      <p:sp>
+        <p:nvSpPr>
+          <p:cNvPr id="421" name="Shape 421"/>
+          <p:cNvSpPr/>
+          <p:nvPr/>
+        </p:nvSpPr>
+        <p:spPr>
+          <a:xfrm>
+            <a:off x="7735582" y="9276754"/>
+            <a:ext cx="383261" cy="274440"/>
+          </a:xfrm>
+          <a:prstGeom prst="rightArrow">
+            <a:avLst>
+              <a:gd name="adj1" fmla="val 32000"/>
+              <a:gd name="adj2" fmla="val 97503"/>
+            </a:avLst>
+          </a:prstGeom>
+          <a:blipFill>
+            <a:blip r:embed="rId2"/>
+          </a:blipFill>
+          <a:ln w="12700">
+            <a:miter lim="400000"/>
+          </a:ln>
+        </p:spPr>
+        <p:txBody>
+          <a:bodyPr lIns="50800" tIns="50800" rIns="50800" bIns="50800" anchor="ctr"/>
+          <a:lstStyle/>
+          <a:p>
+            <a:pPr>
+              <a:defRPr>
+                <a:solidFill>
+                  <a:srgbClr val="9F9F9F"/>
+                </a:solidFill>
+              </a:defRPr>
+            </a:pPr>
+          </a:p>
+        </p:txBody>
+      </p:sp>
+      <p:pic>
+        <p:nvPicPr>
+          <p:cNvPr id="422" name="Screen Shot 2016-03-02 at 5.28.07 PM.png"/>
+          <p:cNvPicPr>
+            <a:picLocks noChangeAspect="1"/>
+          </p:cNvPicPr>
+          <p:nvPr/>
+        </p:nvPicPr>
+        <p:blipFill>
+          <a:blip r:embed="rId3">
+            <a:extLst/>
+          </a:blip>
+          <a:stretch>
+            <a:fillRect/>
+          </a:stretch>
+        </p:blipFill>
+        <p:spPr>
+          <a:xfrm>
+            <a:off x="4541412" y="4490888"/>
+            <a:ext cx="3683001" cy="838201"/>
+          </a:xfrm>
+          <a:prstGeom prst="rect">
+            <a:avLst/>
+          </a:prstGeom>
+          <a:ln w="12700">
+            <a:miter lim="400000"/>
+          </a:ln>
+        </p:spPr>
+      </p:pic>
+      <p:pic>
+        <p:nvPicPr>
+          <p:cNvPr id="423" name="Screen Shot 2016-03-02 at 5.28.14 PM.png"/>
+          <p:cNvPicPr>
+            <a:picLocks noChangeAspect="1"/>
+          </p:cNvPicPr>
+          <p:nvPr/>
+        </p:nvPicPr>
+        <p:blipFill>
+          <a:blip r:embed="rId4">
+            <a:extLst/>
+          </a:blip>
+          <a:stretch>
+            <a:fillRect/>
+          </a:stretch>
+        </p:blipFill>
+        <p:spPr>
+          <a:xfrm>
+            <a:off x="5259435" y="5758433"/>
+            <a:ext cx="2895601" cy="1143001"/>
+          </a:xfrm>
+          <a:prstGeom prst="rect">
+            <a:avLst/>
+          </a:prstGeom>
+          <a:ln w="12700">
+            <a:miter lim="400000"/>
+          </a:ln>
+        </p:spPr>
+      </p:pic>
+      <p:pic>
+        <p:nvPicPr>
+          <p:cNvPr id="424" name="Screen Shot 2016-03-02 at 5.28.19 PM.png"/>
+          <p:cNvPicPr>
+            <a:picLocks noChangeAspect="1"/>
+          </p:cNvPicPr>
+          <p:nvPr/>
+        </p:nvPicPr>
+        <p:blipFill>
+          <a:blip r:embed="rId5">
+            <a:extLst/>
+          </a:blip>
+          <a:stretch>
+            <a:fillRect/>
+          </a:stretch>
+        </p:blipFill>
+        <p:spPr>
+          <a:xfrm>
+            <a:off x="8778187" y="4429496"/>
+            <a:ext cx="4096009" cy="1656608"/>
+          </a:xfrm>
+          <a:prstGeom prst="rect">
+            <a:avLst/>
+          </a:prstGeom>
+          <a:ln w="12700">
+            <a:miter lim="400000"/>
+          </a:ln>
+        </p:spPr>
+      </p:pic>
+      <p:pic>
+        <p:nvPicPr>
+          <p:cNvPr id="425" name="Screen Shot 2016-03-02 at 5.28.32 PM.png"/>
+          <p:cNvPicPr>
+            <a:picLocks noChangeAspect="1"/>
+          </p:cNvPicPr>
+          <p:nvPr/>
+        </p:nvPicPr>
+        <p:blipFill>
+          <a:blip r:embed="rId6">
+            <a:extLst/>
+          </a:blip>
+          <a:stretch>
+            <a:fillRect/>
+          </a:stretch>
+        </p:blipFill>
+        <p:spPr>
+          <a:xfrm>
+            <a:off x="323224" y="7197300"/>
+            <a:ext cx="5067301" cy="1549401"/>
+          </a:xfrm>
+          <a:prstGeom prst="rect">
+            <a:avLst/>
+          </a:prstGeom>
+          <a:ln w="12700">
+            <a:miter lim="400000"/>
+          </a:ln>
+        </p:spPr>
+      </p:pic>
+      <p:pic>
+        <p:nvPicPr>
+          <p:cNvPr id="426" name="Screen Shot 2016-03-02 at 5.28.38 PM.png"/>
+          <p:cNvPicPr>
+            <a:picLocks noChangeAspect="1"/>
+          </p:cNvPicPr>
+          <p:nvPr/>
+        </p:nvPicPr>
+        <p:blipFill>
+          <a:blip r:embed="rId7">
+            <a:extLst/>
+          </a:blip>
+          <a:stretch>
+            <a:fillRect/>
+          </a:stretch>
+        </p:blipFill>
+        <p:spPr>
+          <a:xfrm>
+            <a:off x="9702184" y="2848038"/>
+            <a:ext cx="2946401" cy="1308101"/>
+          </a:xfrm>
+          <a:prstGeom prst="rect">
+            <a:avLst/>
+          </a:prstGeom>
+          <a:ln w="12700">
+            <a:miter lim="400000"/>
+          </a:ln>
+        </p:spPr>
+      </p:pic>
+      <p:pic>
+        <p:nvPicPr>
+          <p:cNvPr id="427" name="Screen Shot 2016-03-02 at 5.28.43 PM.png"/>
+          <p:cNvPicPr>
+            <a:picLocks noChangeAspect="1"/>
+          </p:cNvPicPr>
+          <p:nvPr/>
+        </p:nvPicPr>
+        <p:blipFill>
+          <a:blip r:embed="rId8">
+            <a:extLst/>
+          </a:blip>
+          <a:stretch>
+            <a:fillRect/>
+          </a:stretch>
+        </p:blipFill>
+        <p:spPr>
+          <a:xfrm>
+            <a:off x="316352" y="5295719"/>
+            <a:ext cx="3810001" cy="812801"/>
+          </a:xfrm>
+          <a:prstGeom prst="rect">
+            <a:avLst/>
+          </a:prstGeom>
+          <a:ln w="12700">
+            <a:miter lim="400000"/>
+          </a:ln>
+        </p:spPr>
+      </p:pic>
+      <p:pic>
+        <p:nvPicPr>
+          <p:cNvPr id="428" name="Screen Shot 2016-03-02 at 5.28.52 PM.png"/>
+          <p:cNvPicPr>
+            <a:picLocks noChangeAspect="1"/>
+          </p:cNvPicPr>
+          <p:nvPr/>
+        </p:nvPicPr>
+        <p:blipFill>
+          <a:blip r:embed="rId9">
+            <a:extLst/>
+          </a:blip>
+          <a:stretch>
+            <a:fillRect/>
+          </a:stretch>
+        </p:blipFill>
+        <p:spPr>
+          <a:xfrm>
+            <a:off x="7798501" y="7457777"/>
+            <a:ext cx="4940301" cy="647701"/>
+          </a:xfrm>
+          <a:prstGeom prst="rect">
+            <a:avLst/>
+          </a:prstGeom>
+          <a:ln w="12700">
+            <a:miter lim="400000"/>
+          </a:ln>
+        </p:spPr>
+      </p:pic>
+      <p:pic>
+        <p:nvPicPr>
+          <p:cNvPr id="429" name="Screen Shot 2016-03-02 at 5.29.00 PM.png"/>
+          <p:cNvPicPr>
+            <a:picLocks noChangeAspect="1"/>
+          </p:cNvPicPr>
+          <p:nvPr/>
+        </p:nvPicPr>
+        <p:blipFill>
+          <a:blip r:embed="rId10">
+            <a:extLst/>
+          </a:blip>
+          <a:stretch>
+            <a:fillRect/>
+          </a:stretch>
+        </p:blipFill>
+        <p:spPr>
+          <a:xfrm>
+            <a:off x="409531" y="2848038"/>
+            <a:ext cx="6794501" cy="1358901"/>
+          </a:xfrm>
+          <a:prstGeom prst="rect">
+            <a:avLst/>
+          </a:prstGeom>
+          <a:ln w="12700">
+            <a:miter lim="400000"/>
+          </a:ln>
+        </p:spPr>
+      </p:pic>
     </p:spTree>
   </p:cSld>
   <p:clrMapOvr>
@@ -12662,7 +14036,7 @@
           <a:p>
             <a:pPr/>
             <a:r>
-              <a:t>Where is Open Data?</a:t>
+              <a:t>Also…</a:t>
             </a:r>
           </a:p>
         </p:txBody>
@@ -12675,8 +14049,8 @@
         </p:nvSpPr>
         <p:spPr>
           <a:xfrm>
-            <a:off x="1072593" y="9135533"/>
-            <a:ext cx="2885779" cy="533401"/>
+            <a:off x="355599" y="4711827"/>
+            <a:ext cx="12293602" cy="2463801"/>
           </a:xfrm>
           <a:prstGeom prst="rect">
             <a:avLst/>
@@ -12696,280 +14070,14 @@
           </a:bodyPr>
           <a:lstStyle>
             <a:lvl1pPr>
-              <a:defRPr sz="2600">
-                <a:solidFill>
-                  <a:srgbClr val="0A121C"/>
-                </a:solidFill>
-              </a:defRPr>
+              <a:defRPr sz="4800"/>
             </a:lvl1pPr>
           </a:lstStyle>
           <a:p>
             <a:pPr/>
             <a:r>
-              <a:t>Select Your Data</a:t>
-            </a:r>
-          </a:p>
-        </p:txBody>
-      </p:sp>
-      <p:sp>
-        <p:nvSpPr>
-          <p:cNvPr id="152" name="Shape 152"/>
-          <p:cNvSpPr/>
-          <p:nvPr/>
-        </p:nvSpPr>
-        <p:spPr>
-          <a:xfrm>
-            <a:off x="3937745" y="9276754"/>
-            <a:ext cx="383260" cy="274440"/>
-          </a:xfrm>
-          <a:prstGeom prst="rightArrow">
-            <a:avLst>
-              <a:gd name="adj1" fmla="val 32000"/>
-              <a:gd name="adj2" fmla="val 97503"/>
-            </a:avLst>
-          </a:prstGeom>
-          <a:blipFill>
-            <a:blip r:embed="rId2"/>
-          </a:blipFill>
-          <a:ln w="12700">
-            <a:miter lim="400000"/>
-          </a:ln>
-        </p:spPr>
-        <p:txBody>
-          <a:bodyPr lIns="50800" tIns="50800" rIns="50800" bIns="50800" anchor="ctr"/>
-          <a:lstStyle/>
-          <a:p>
-            <a:pPr>
-              <a:defRPr>
-                <a:solidFill>
-                  <a:srgbClr val="9F9F9F"/>
-                </a:solidFill>
-              </a:defRPr>
-            </a:pPr>
-          </a:p>
-        </p:txBody>
-      </p:sp>
-      <p:sp>
-        <p:nvSpPr>
-          <p:cNvPr id="153" name="Shape 153"/>
-          <p:cNvSpPr/>
-          <p:nvPr/>
-        </p:nvSpPr>
-        <p:spPr>
-          <a:xfrm>
-            <a:off x="4428726" y="9110133"/>
-            <a:ext cx="3179292" cy="533401"/>
-          </a:xfrm>
-          <a:prstGeom prst="rect">
-            <a:avLst/>
-          </a:prstGeom>
-          <a:ln w="12700">
-            <a:miter lim="400000"/>
-          </a:ln>
-          <a:extLst>
-            <a:ext uri="{C572A759-6A51-4108-AA02-DFA0A04FC94B}">
-              <ma14:wrappingTextBoxFlag xmlns:ma14="http://schemas.microsoft.com/office/mac/drawingml/2011/main" val="1"/>
-            </a:ext>
-          </a:extLst>
-        </p:spPr>
-        <p:txBody>
-          <a:bodyPr wrap="none" lIns="50800" tIns="50800" rIns="50800" bIns="50800" anchor="ctr">
-            <a:spAutoFit/>
-          </a:bodyPr>
-          <a:lstStyle>
-            <a:lvl1pPr>
-              <a:defRPr sz="2600">
-                <a:solidFill>
-                  <a:srgbClr val="9F9F9F"/>
-                </a:solidFill>
-              </a:defRPr>
-            </a:lvl1pPr>
-          </a:lstStyle>
-          <a:p>
-            <a:pPr/>
-            <a:r>
-              <a:t>Transform Your Data</a:t>
-            </a:r>
-          </a:p>
-        </p:txBody>
-      </p:sp>
-      <p:sp>
-        <p:nvSpPr>
-          <p:cNvPr id="154" name="Shape 154"/>
-          <p:cNvSpPr/>
-          <p:nvPr/>
-        </p:nvSpPr>
-        <p:spPr>
-          <a:xfrm>
-            <a:off x="8246407" y="9110133"/>
-            <a:ext cx="3002906" cy="533401"/>
-          </a:xfrm>
-          <a:prstGeom prst="rect">
-            <a:avLst/>
-          </a:prstGeom>
-          <a:ln w="12700">
-            <a:miter lim="400000"/>
-          </a:ln>
-          <a:extLst>
-            <a:ext uri="{C572A759-6A51-4108-AA02-DFA0A04FC94B}">
-              <ma14:wrappingTextBoxFlag xmlns:ma14="http://schemas.microsoft.com/office/mac/drawingml/2011/main" val="1"/>
-            </a:ext>
-          </a:extLst>
-        </p:spPr>
-        <p:txBody>
-          <a:bodyPr wrap="none" lIns="50800" tIns="50800" rIns="50800" bIns="50800" anchor="ctr">
-            <a:spAutoFit/>
-          </a:bodyPr>
-          <a:lstStyle>
-            <a:lvl1pPr>
-              <a:defRPr sz="2600">
-                <a:solidFill>
-                  <a:srgbClr val="9F9F9F"/>
-                </a:solidFill>
-              </a:defRPr>
-            </a:lvl1pPr>
-          </a:lstStyle>
-          <a:p>
-            <a:pPr/>
-            <a:r>
-              <a:t>Visualize Your Data</a:t>
-            </a:r>
-          </a:p>
-        </p:txBody>
-      </p:sp>
-      <p:sp>
-        <p:nvSpPr>
-          <p:cNvPr id="155" name="Shape 155"/>
-          <p:cNvSpPr/>
-          <p:nvPr/>
-        </p:nvSpPr>
-        <p:spPr>
-          <a:xfrm>
-            <a:off x="355599" y="2599266"/>
-            <a:ext cx="12293602" cy="6400801"/>
-          </a:xfrm>
-          <a:prstGeom prst="rect">
-            <a:avLst/>
-          </a:prstGeom>
-          <a:ln w="12700">
-            <a:miter lim="400000"/>
-          </a:ln>
-          <a:extLst>
-            <a:ext uri="{C572A759-6A51-4108-AA02-DFA0A04FC94B}">
-              <ma14:wrappingTextBoxFlag xmlns:ma14="http://schemas.microsoft.com/office/mac/drawingml/2011/main" val="1"/>
-            </a:ext>
-          </a:extLst>
-        </p:spPr>
-        <p:txBody>
-          <a:bodyPr lIns="50800" tIns="50800" rIns="50800" bIns="50800" anchor="ctr">
-            <a:spAutoFit/>
-          </a:bodyPr>
-          <a:lstStyle/>
-          <a:p>
-            <a:pPr algn="l">
-              <a:defRPr sz="4800"/>
-            </a:pPr>
-            <a:r>
-              <a:t>Lots of places!</a:t>
-            </a:r>
-          </a:p>
-          <a:p>
-            <a:pPr algn="l">
-              <a:defRPr sz="4800"/>
-            </a:pPr>
-          </a:p>
-          <a:p>
-            <a:pPr algn="l">
-              <a:defRPr sz="4800"/>
-            </a:pPr>
-            <a:r>
-              <a:t>Mainly: </a:t>
-            </a:r>
-            <a:r>
-              <a:rPr u="sng">
-                <a:hlinkClick r:id="rId3" invalidUrl="" action="" tgtFrame="" tooltip="" history="1" highlightClick="0" endSnd="0"/>
-              </a:rPr>
-              <a:t>data.gov</a:t>
-            </a:r>
-            <a:r>
-              <a:t> (for federal data)</a:t>
-            </a:r>
-          </a:p>
-          <a:p>
-            <a:pPr lvl="8" algn="l">
-              <a:defRPr sz="4800"/>
-            </a:pPr>
-            <a:r>
-              <a:t>   </a:t>
-            </a:r>
-            <a:r>
-              <a:rPr u="sng">
-                <a:hlinkClick r:id="rId4" invalidUrl="" action="" tgtFrame="" tooltip="" history="1" highlightClick="0" endSnd="0"/>
-              </a:rPr>
-              <a:t>opendata.dc.gov</a:t>
-            </a:r>
-            <a:r>
-              <a:t> (for District data)</a:t>
-            </a:r>
-          </a:p>
-          <a:p>
-            <a:pPr algn="l">
-              <a:defRPr sz="4800"/>
-            </a:pPr>
-            <a:r>
-              <a:t>But also District agency sites (like OSSE, WMATA), and non government actors.</a:t>
-            </a:r>
-          </a:p>
-          <a:p>
-            <a:pPr algn="l">
-              <a:defRPr sz="4800"/>
-            </a:pPr>
-          </a:p>
-          <a:p>
-            <a:pPr algn="l">
-              <a:defRPr sz="4800"/>
-            </a:pPr>
-            <a:r>
-              <a:t>Google ferociously and often. </a:t>
-            </a:r>
-          </a:p>
-        </p:txBody>
-      </p:sp>
-      <p:sp>
-        <p:nvSpPr>
-          <p:cNvPr id="156" name="Shape 156"/>
-          <p:cNvSpPr/>
-          <p:nvPr/>
-        </p:nvSpPr>
-        <p:spPr>
-          <a:xfrm>
-            <a:off x="7735582" y="9276754"/>
-            <a:ext cx="383261" cy="274440"/>
-          </a:xfrm>
-          <a:prstGeom prst="rightArrow">
-            <a:avLst>
-              <a:gd name="adj1" fmla="val 32000"/>
-              <a:gd name="adj2" fmla="val 97503"/>
-            </a:avLst>
-          </a:prstGeom>
-          <a:blipFill>
-            <a:blip r:embed="rId2"/>
-          </a:blipFill>
-          <a:ln w="12700">
-            <a:miter lim="400000"/>
-          </a:ln>
-        </p:spPr>
-        <p:txBody>
-          <a:bodyPr lIns="50800" tIns="50800" rIns="50800" bIns="50800" anchor="ctr"/>
-          <a:lstStyle/>
-          <a:p>
-            <a:pPr>
-              <a:defRPr>
-                <a:solidFill>
-                  <a:srgbClr val="9F9F9F"/>
-                </a:solidFill>
-              </a:defRPr>
-            </a:pPr>
+              <a:t>We have some really awesome TAs here to help you out today! </a:t>
+            </a:r>
           </a:p>
         </p:txBody>
       </p:sp>
@@ -13001,7 +14109,7 @@
       </p:grpSpPr>
       <p:sp>
         <p:nvSpPr>
-          <p:cNvPr id="158" name="Shape 158"/>
+          <p:cNvPr id="153" name="Shape 153"/>
           <p:cNvSpPr/>
           <p:nvPr>
             <p:ph type="title"/>
@@ -13026,112 +14134,14 @@
           <a:p>
             <a:pPr/>
             <a:r>
-              <a:t>Most Common Datatypes</a:t>
-            </a:r>
-          </a:p>
-        </p:txBody>
-      </p:sp>
-      <p:sp>
-        <p:nvSpPr>
-          <p:cNvPr id="159" name="Shape 159"/>
-          <p:cNvSpPr/>
-          <p:nvPr/>
-        </p:nvSpPr>
-        <p:spPr>
-          <a:xfrm>
-            <a:off x="355599" y="2818404"/>
-            <a:ext cx="12293602" cy="6121401"/>
-          </a:xfrm>
-          <a:prstGeom prst="rect">
-            <a:avLst/>
-          </a:prstGeom>
-          <a:ln w="12700">
-            <a:miter lim="400000"/>
-          </a:ln>
-          <a:extLst>
-            <a:ext uri="{C572A759-6A51-4108-AA02-DFA0A04FC94B}">
-              <ma14:wrappingTextBoxFlag xmlns:ma14="http://schemas.microsoft.com/office/mac/drawingml/2011/main" val="1"/>
-            </a:ext>
-          </a:extLst>
-        </p:spPr>
-        <p:txBody>
-          <a:bodyPr lIns="50800" tIns="50800" rIns="50800" bIns="50800" anchor="ctr">
-            <a:spAutoFit/>
-          </a:bodyPr>
-          <a:lstStyle/>
-          <a:p>
-            <a:pPr algn="l">
-              <a:defRPr sz="4800"/>
-            </a:pPr>
-            <a:r>
-              <a:t>CSV - comma separated values.</a:t>
-            </a:r>
-          </a:p>
-          <a:p>
-            <a:pPr lvl="1" algn="l">
-              <a:defRPr sz="3600"/>
-            </a:pPr>
-            <a:r>
-              <a:t>Most universally accepted data format, easily accessed in Excel and programming languages.</a:t>
-            </a:r>
-          </a:p>
-          <a:p>
-            <a:pPr algn="l">
-              <a:defRPr sz="4800"/>
-            </a:pPr>
-            <a:r>
-              <a:t>JSON/GeoJSON - javascript object notation</a:t>
-            </a:r>
-          </a:p>
-          <a:p>
-            <a:pPr lvl="1" algn="l">
-              <a:defRPr sz="3600"/>
-            </a:pPr>
-            <a:r>
-              <a:t>Data storage through name-value pairing. Common output from APIs, readable in all coding languages.</a:t>
-            </a:r>
-          </a:p>
-          <a:p>
-            <a:pPr lvl="2" algn="l">
-              <a:defRPr sz="3600"/>
-            </a:pPr>
-            <a:r>
-              <a:t>Just want a CSV? It’s easy! </a:t>
-            </a:r>
-            <a:r>
-              <a:rPr u="sng">
-                <a:hlinkClick r:id="rId2" invalidUrl="" action="" tgtFrame="" tooltip="" history="1" highlightClick="0" endSnd="0"/>
-              </a:rPr>
-              <a:t>http://konklone.io/json/</a:t>
-            </a:r>
-          </a:p>
-          <a:p>
-            <a:pPr algn="l">
-              <a:defRPr sz="4800"/>
-            </a:pPr>
-            <a:r>
-              <a:t>PDF (not machine readable)</a:t>
-            </a:r>
-          </a:p>
-          <a:p>
-            <a:pPr lvl="1" algn="l">
-              <a:defRPr sz="3600"/>
-            </a:pPr>
-            <a:r>
-              <a:t>But there’s an app for that! </a:t>
-            </a:r>
-            <a:r>
-              <a:rPr u="sng">
-                <a:hlinkClick r:id="rId3" invalidUrl="" action="" tgtFrame="" tooltip="" history="1" highlightClick="0" endSnd="0"/>
-              </a:rPr>
-              <a:t>http://tabula.technology/</a:t>
-            </a:r>
-          </a:p>
-        </p:txBody>
-      </p:sp>
-      <p:sp>
-        <p:nvSpPr>
-          <p:cNvPr id="160" name="Shape 160"/>
+              <a:t>Where is Open Data?</a:t>
+            </a:r>
+          </a:p>
+        </p:txBody>
+      </p:sp>
+      <p:sp>
+        <p:nvSpPr>
+          <p:cNvPr id="154" name="Shape 154"/>
           <p:cNvSpPr/>
           <p:nvPr/>
         </p:nvSpPr>
@@ -13175,7 +14185,7 @@
       </p:sp>
       <p:sp>
         <p:nvSpPr>
-          <p:cNvPr id="161" name="Shape 161"/>
+          <p:cNvPr id="155" name="Shape 155"/>
           <p:cNvSpPr/>
           <p:nvPr/>
         </p:nvSpPr>
@@ -13191,7 +14201,7 @@
             </a:avLst>
           </a:prstGeom>
           <a:blipFill>
-            <a:blip r:embed="rId4"/>
+            <a:blip r:embed="rId2"/>
           </a:blipFill>
           <a:ln w="12700">
             <a:miter lim="400000"/>
@@ -13213,7 +14223,7 @@
       </p:sp>
       <p:sp>
         <p:nvSpPr>
-          <p:cNvPr id="162" name="Shape 162"/>
+          <p:cNvPr id="156" name="Shape 156"/>
           <p:cNvSpPr/>
           <p:nvPr/>
         </p:nvSpPr>
@@ -13257,7 +14267,7 @@
       </p:sp>
       <p:sp>
         <p:nvSpPr>
-          <p:cNvPr id="163" name="Shape 163"/>
+          <p:cNvPr id="157" name="Shape 157"/>
           <p:cNvSpPr/>
           <p:nvPr/>
         </p:nvSpPr>
@@ -13301,7 +14311,105 @@
       </p:sp>
       <p:sp>
         <p:nvSpPr>
-          <p:cNvPr id="164" name="Shape 164"/>
+          <p:cNvPr id="158" name="Shape 158"/>
+          <p:cNvSpPr/>
+          <p:nvPr/>
+        </p:nvSpPr>
+        <p:spPr>
+          <a:xfrm>
+            <a:off x="355599" y="2599266"/>
+            <a:ext cx="12293602" cy="6400801"/>
+          </a:xfrm>
+          <a:prstGeom prst="rect">
+            <a:avLst/>
+          </a:prstGeom>
+          <a:ln w="12700">
+            <a:miter lim="400000"/>
+          </a:ln>
+          <a:extLst>
+            <a:ext uri="{C572A759-6A51-4108-AA02-DFA0A04FC94B}">
+              <ma14:wrappingTextBoxFlag xmlns:ma14="http://schemas.microsoft.com/office/mac/drawingml/2011/main" val="1"/>
+            </a:ext>
+          </a:extLst>
+        </p:spPr>
+        <p:txBody>
+          <a:bodyPr lIns="50800" tIns="50800" rIns="50800" bIns="50800" anchor="ctr">
+            <a:spAutoFit/>
+          </a:bodyPr>
+          <a:lstStyle/>
+          <a:p>
+            <a:pPr algn="l">
+              <a:defRPr sz="4800"/>
+            </a:pPr>
+            <a:r>
+              <a:t>Lots of places!</a:t>
+            </a:r>
+          </a:p>
+          <a:p>
+            <a:pPr algn="l">
+              <a:defRPr sz="4800"/>
+            </a:pPr>
+          </a:p>
+          <a:p>
+            <a:pPr algn="l">
+              <a:defRPr sz="4800"/>
+            </a:pPr>
+            <a:r>
+              <a:t>Mainly: </a:t>
+            </a:r>
+            <a:r>
+              <a:rPr u="sng">
+                <a:hlinkClick r:id="rId3" invalidUrl="" action="" tgtFrame="" tooltip="" history="1" highlightClick="0" endSnd="0"/>
+              </a:rPr>
+              <a:t>data.gov</a:t>
+            </a:r>
+            <a:r>
+              <a:t> (for federal data)</a:t>
+            </a:r>
+          </a:p>
+          <a:p>
+            <a:pPr lvl="8" algn="l">
+              <a:defRPr sz="4800"/>
+            </a:pPr>
+            <a:r>
+              <a:t>   </a:t>
+            </a:r>
+            <a:r>
+              <a:rPr u="sng">
+                <a:hlinkClick r:id="rId4" invalidUrl="" action="" tgtFrame="" tooltip="" history="1" highlightClick="0" endSnd="0"/>
+              </a:rPr>
+              <a:t>opendata.dc.gov</a:t>
+            </a:r>
+            <a:r>
+              <a:t> (for District data)</a:t>
+            </a:r>
+          </a:p>
+          <a:p>
+            <a:pPr algn="l">
+              <a:defRPr sz="4800"/>
+            </a:pPr>
+            <a:r>
+              <a:t>But also District agency sites (like OSSE, WMATA), and non government actors.</a:t>
+            </a:r>
+          </a:p>
+          <a:p>
+            <a:pPr algn="l">
+              <a:defRPr sz="4800"/>
+            </a:pPr>
+          </a:p>
+          <a:p>
+            <a:pPr algn="l">
+              <a:defRPr sz="4800"/>
+            </a:pPr>
+            <a:r>
+              <a:t>Google ferociously and often. </a:t>
+            </a:r>
+          </a:p>
+        </p:txBody>
+      </p:sp>
+      <p:sp>
+        <p:nvSpPr>
+          <p:cNvPr id="159" name="Shape 159"/>
           <p:cNvSpPr/>
           <p:nvPr/>
         </p:nvSpPr>
@@ -13317,7 +14425,7 @@
             </a:avLst>
           </a:prstGeom>
           <a:blipFill>
-            <a:blip r:embed="rId4"/>
+            <a:blip r:embed="rId2"/>
           </a:blipFill>
           <a:ln w="12700">
             <a:miter lim="400000"/>
@@ -13365,7 +14473,7 @@
       </p:grpSpPr>
       <p:sp>
         <p:nvSpPr>
-          <p:cNvPr id="166" name="Shape 166"/>
+          <p:cNvPr id="161" name="Shape 161"/>
           <p:cNvSpPr/>
           <p:nvPr>
             <p:ph type="title"/>
@@ -13390,21 +14498,21 @@
           <a:p>
             <a:pPr/>
             <a:r>
-              <a:t>Should I viz this data?</a:t>
-            </a:r>
-          </a:p>
-        </p:txBody>
-      </p:sp>
-      <p:sp>
-        <p:nvSpPr>
-          <p:cNvPr id="167" name="Shape 167"/>
-          <p:cNvSpPr/>
-          <p:nvPr/>
-        </p:nvSpPr>
-        <p:spPr>
-          <a:xfrm>
-            <a:off x="355599" y="3257550"/>
-            <a:ext cx="12293602" cy="4826001"/>
+              <a:t>Most Common Datatypes</a:t>
+            </a:r>
+          </a:p>
+        </p:txBody>
+      </p:sp>
+      <p:sp>
+        <p:nvSpPr>
+          <p:cNvPr id="162" name="Shape 162"/>
+          <p:cNvSpPr/>
+          <p:nvPr/>
+        </p:nvSpPr>
+        <p:spPr>
+          <a:xfrm>
+            <a:off x="355599" y="2818404"/>
+            <a:ext cx="12293602" cy="6121401"/>
           </a:xfrm>
           <a:prstGeom prst="rect">
             <a:avLst/>
@@ -13425,40 +14533,77 @@
           <a:lstStyle/>
           <a:p>
             <a:pPr algn="l">
-              <a:defRPr b="1" sz="4800"/>
-            </a:pPr>
-            <a:r>
-              <a:t>Visualizations require good data. </a:t>
+              <a:defRPr sz="4800"/>
+            </a:pPr>
+            <a:r>
+              <a:t>CSV - comma separated values.</a:t>
+            </a:r>
+          </a:p>
+          <a:p>
+            <a:pPr lvl="1" algn="l">
+              <a:defRPr sz="3600"/>
+            </a:pPr>
+            <a:r>
+              <a:t>Most universally accepted data format, easily accessed in Excel and programming languages.</a:t>
             </a:r>
           </a:p>
           <a:p>
             <a:pPr algn="l">
-              <a:defRPr b="1" sz="4800"/>
-            </a:pPr>
+              <a:defRPr sz="4800"/>
+            </a:pPr>
+            <a:r>
+              <a:t>JSON/GeoJSON - javascript object notation</a:t>
+            </a:r>
+          </a:p>
+          <a:p>
+            <a:pPr lvl="1" algn="l">
+              <a:defRPr sz="3600"/>
+            </a:pPr>
+            <a:r>
+              <a:t>Data storage through name-value pairing. Common output from APIs, readable in all coding languages.</a:t>
+            </a:r>
+          </a:p>
+          <a:p>
+            <a:pPr lvl="2" algn="l">
+              <a:defRPr sz="3600"/>
+            </a:pPr>
+            <a:r>
+              <a:t>Just want a CSV? It’s easy! </a:t>
+            </a:r>
+            <a:r>
+              <a:rPr u="sng">
+                <a:hlinkClick r:id="rId2" invalidUrl="" action="" tgtFrame="" tooltip="" history="1" highlightClick="0" endSnd="0"/>
+              </a:rPr>
+              <a:t>http://konklone.io/json/</a:t>
+            </a:r>
           </a:p>
           <a:p>
             <a:pPr algn="l">
-              <a:defRPr b="1" sz="4800"/>
-            </a:pPr>
-            <a:r>
-              <a:t>So consider the limitations of your data. </a:t>
-            </a:r>
-          </a:p>
-          <a:p>
-            <a:pPr algn="l">
-              <a:defRPr b="1" sz="4800"/>
-            </a:pPr>
-          </a:p>
-          <a:p>
-            <a:pPr algn="l">
-              <a:defRPr b="1" sz="4800"/>
-            </a:pPr>
-          </a:p>
-        </p:txBody>
-      </p:sp>
-      <p:sp>
-        <p:nvSpPr>
-          <p:cNvPr id="168" name="Shape 168"/>
+              <a:defRPr sz="4800"/>
+            </a:pPr>
+            <a:r>
+              <a:t>PDF (not machine readable)</a:t>
+            </a:r>
+          </a:p>
+          <a:p>
+            <a:pPr lvl="1" algn="l">
+              <a:defRPr sz="3600"/>
+            </a:pPr>
+            <a:r>
+              <a:t>But there’s an app for that! </a:t>
+            </a:r>
+            <a:r>
+              <a:rPr u="sng">
+                <a:hlinkClick r:id="rId3" invalidUrl="" action="" tgtFrame="" tooltip="" history="1" highlightClick="0" endSnd="0"/>
+              </a:rPr>
+              <a:t>http://tabula.technology/</a:t>
+            </a:r>
+          </a:p>
+        </p:txBody>
+      </p:sp>
+      <p:sp>
+        <p:nvSpPr>
+          <p:cNvPr id="163" name="Shape 163"/>
           <p:cNvSpPr/>
           <p:nvPr/>
         </p:nvSpPr>
@@ -13502,7 +14647,7 @@
       </p:sp>
       <p:sp>
         <p:nvSpPr>
-          <p:cNvPr id="169" name="Shape 169"/>
+          <p:cNvPr id="164" name="Shape 164"/>
           <p:cNvSpPr/>
           <p:nvPr/>
         </p:nvSpPr>
@@ -13518,7 +14663,7 @@
             </a:avLst>
           </a:prstGeom>
           <a:blipFill>
-            <a:blip r:embed="rId2"/>
+            <a:blip r:embed="rId4"/>
           </a:blipFill>
           <a:ln w="12700">
             <a:miter lim="400000"/>
@@ -13540,7 +14685,7 @@
       </p:sp>
       <p:sp>
         <p:nvSpPr>
-          <p:cNvPr id="170" name="Shape 170"/>
+          <p:cNvPr id="165" name="Shape 165"/>
           <p:cNvSpPr/>
           <p:nvPr/>
         </p:nvSpPr>
@@ -13584,7 +14729,7 @@
       </p:sp>
       <p:sp>
         <p:nvSpPr>
-          <p:cNvPr id="171" name="Shape 171"/>
+          <p:cNvPr id="166" name="Shape 166"/>
           <p:cNvSpPr/>
           <p:nvPr/>
         </p:nvSpPr>
@@ -13628,7 +14773,7 @@
       </p:sp>
       <p:sp>
         <p:nvSpPr>
-          <p:cNvPr id="172" name="Shape 172"/>
+          <p:cNvPr id="167" name="Shape 167"/>
           <p:cNvSpPr/>
           <p:nvPr/>
         </p:nvSpPr>
@@ -13644,7 +14789,7 @@
             </a:avLst>
           </a:prstGeom>
           <a:blipFill>
-            <a:blip r:embed="rId2"/>
+            <a:blip r:embed="rId4"/>
           </a:blipFill>
           <a:ln w="12700">
             <a:miter lim="400000"/>
@@ -13692,7 +14837,7 @@
       </p:grpSpPr>
       <p:sp>
         <p:nvSpPr>
-          <p:cNvPr id="174" name="Shape 174"/>
+          <p:cNvPr id="169" name="Shape 169"/>
           <p:cNvSpPr/>
           <p:nvPr>
             <p:ph type="title"/>
@@ -13724,14 +14869,14 @@
       </p:sp>
       <p:sp>
         <p:nvSpPr>
-          <p:cNvPr id="175" name="Shape 175"/>
-          <p:cNvSpPr/>
-          <p:nvPr/>
-        </p:nvSpPr>
-        <p:spPr>
-          <a:xfrm>
-            <a:off x="355599" y="2513509"/>
-            <a:ext cx="12293602" cy="6299201"/>
+          <p:cNvPr id="170" name="Shape 170"/>
+          <p:cNvSpPr/>
+          <p:nvPr/>
+        </p:nvSpPr>
+        <p:spPr>
+          <a:xfrm>
+            <a:off x="355599" y="3257550"/>
+            <a:ext cx="12293602" cy="4826001"/>
           </a:xfrm>
           <a:prstGeom prst="rect">
             <a:avLst/>
@@ -13752,10 +14897,10 @@
           <a:lstStyle/>
           <a:p>
             <a:pPr algn="l">
-              <a:defRPr sz="4800"/>
-            </a:pPr>
-            <a:r>
-              <a:t>How accurate are these estimations?</a:t>
+              <a:defRPr b="1" sz="4800"/>
+            </a:pPr>
+            <a:r>
+              <a:t>Visualizations require good data. </a:t>
             </a:r>
           </a:p>
           <a:p>
@@ -13767,6 +14912,9 @@
             <a:pPr algn="l">
               <a:defRPr b="1" sz="4800"/>
             </a:pPr>
+            <a:r>
+              <a:t>So consider the limitations of your data. </a:t>
+            </a:r>
           </a:p>
           <a:p>
             <a:pPr algn="l">
@@ -13775,59 +14923,14 @@
           </a:p>
           <a:p>
             <a:pPr algn="l">
-              <a:defRPr sz="3600"/>
-            </a:pPr>
-          </a:p>
-          <a:p>
-            <a:pPr algn="l">
-              <a:defRPr sz="3600"/>
-            </a:pPr>
-            <a:r>
-              <a:t>Margin of error shows the source’s confidence in it’s estimations. These tables can be interpreted as:</a:t>
-            </a:r>
-          </a:p>
-          <a:p>
-            <a:pPr algn="l">
-              <a:defRPr sz="3600"/>
-            </a:pPr>
-            <a:r>
-              <a:t>We are 90% confident the right number is in between (estimate - margin of error) and (estimate + margin of error)</a:t>
-            </a:r>
-          </a:p>
-        </p:txBody>
-      </p:sp>
-      <p:pic>
-        <p:nvPicPr>
-          <p:cNvPr id="176" name="Screen Shot 2016-02-23 at 8.32.24 PM.png"/>
-          <p:cNvPicPr>
-            <a:picLocks noChangeAspect="1"/>
-          </p:cNvPicPr>
-          <p:nvPr/>
-        </p:nvPicPr>
-        <p:blipFill>
-          <a:blip r:embed="rId2">
-            <a:extLst/>
-          </a:blip>
-          <a:stretch>
-            <a:fillRect/>
-          </a:stretch>
-        </p:blipFill>
-        <p:spPr>
-          <a:xfrm>
-            <a:off x="2010248" y="3489983"/>
-            <a:ext cx="8581345" cy="2371957"/>
-          </a:xfrm>
-          <a:prstGeom prst="rect">
-            <a:avLst/>
-          </a:prstGeom>
-          <a:ln w="12700">
-            <a:miter lim="400000"/>
-          </a:ln>
-        </p:spPr>
-      </p:pic>
-      <p:sp>
-        <p:nvSpPr>
-          <p:cNvPr id="177" name="Shape 177"/>
+              <a:defRPr b="1" sz="4800"/>
+            </a:pPr>
+          </a:p>
+        </p:txBody>
+      </p:sp>
+      <p:sp>
+        <p:nvSpPr>
+          <p:cNvPr id="171" name="Shape 171"/>
           <p:cNvSpPr/>
           <p:nvPr/>
         </p:nvSpPr>
@@ -13871,7 +14974,7 @@
       </p:sp>
       <p:sp>
         <p:nvSpPr>
-          <p:cNvPr id="178" name="Shape 178"/>
+          <p:cNvPr id="172" name="Shape 172"/>
           <p:cNvSpPr/>
           <p:nvPr/>
         </p:nvSpPr>
@@ -13887,7 +14990,7 @@
             </a:avLst>
           </a:prstGeom>
           <a:blipFill>
-            <a:blip r:embed="rId3"/>
+            <a:blip r:embed="rId2"/>
           </a:blipFill>
           <a:ln w="12700">
             <a:miter lim="400000"/>
@@ -13909,7 +15012,7 @@
       </p:sp>
       <p:sp>
         <p:nvSpPr>
-          <p:cNvPr id="179" name="Shape 179"/>
+          <p:cNvPr id="173" name="Shape 173"/>
           <p:cNvSpPr/>
           <p:nvPr/>
         </p:nvSpPr>
@@ -13953,7 +15056,7 @@
       </p:sp>
       <p:sp>
         <p:nvSpPr>
-          <p:cNvPr id="180" name="Shape 180"/>
+          <p:cNvPr id="174" name="Shape 174"/>
           <p:cNvSpPr/>
           <p:nvPr/>
         </p:nvSpPr>
@@ -13997,7 +15100,7 @@
       </p:sp>
       <p:sp>
         <p:nvSpPr>
-          <p:cNvPr id="181" name="Shape 181"/>
+          <p:cNvPr id="175" name="Shape 175"/>
           <p:cNvSpPr/>
           <p:nvPr/>
         </p:nvSpPr>
@@ -14013,7 +15116,7 @@
             </a:avLst>
           </a:prstGeom>
           <a:blipFill>
-            <a:blip r:embed="rId3"/>
+            <a:blip r:embed="rId2"/>
           </a:blipFill>
           <a:ln w="12700">
             <a:miter lim="400000"/>
@@ -14030,53 +15133,6 @@
                 </a:solidFill>
               </a:defRPr>
             </a:pPr>
-          </a:p>
-        </p:txBody>
-      </p:sp>
-      <p:sp>
-        <p:nvSpPr>
-          <p:cNvPr id="182" name="Shape 182"/>
-          <p:cNvSpPr/>
-          <p:nvPr/>
-        </p:nvSpPr>
-        <p:spPr>
-          <a:xfrm>
-            <a:off x="8018833" y="5975880"/>
-            <a:ext cx="3864190" cy="341839"/>
-          </a:xfrm>
-          <a:prstGeom prst="rect">
-            <a:avLst/>
-          </a:prstGeom>
-          <a:ln w="12700">
-            <a:miter lim="400000"/>
-          </a:ln>
-          <a:extLst>
-            <a:ext uri="{C572A759-6A51-4108-AA02-DFA0A04FC94B}">
-              <ma14:wrappingTextBoxFlag xmlns:ma14="http://schemas.microsoft.com/office/mac/drawingml/2011/main" val="1"/>
-            </a:ext>
-          </a:extLst>
-        </p:spPr>
-        <p:txBody>
-          <a:bodyPr lIns="50800" tIns="50800" rIns="50800" bIns="50800">
-            <a:normAutofit fontScale="100000" lnSpcReduction="0"/>
-          </a:bodyPr>
-          <a:lstStyle>
-            <a:lvl1pPr algn="l" defTabSz="350520">
-              <a:spcBef>
-                <a:spcPts val="600"/>
-              </a:spcBef>
-              <a:defRPr sz="1440">
-                <a:solidFill>
-                  <a:srgbClr val="5C86B9"/>
-                </a:solidFill>
-              </a:defRPr>
-            </a:lvl1pPr>
-          </a:lstStyle>
-          <a:p>
-            <a:pPr/>
-            <a:r>
-              <a:t>Source: Census American Community Survey</a:t>
-            </a:r>
           </a:p>
         </p:txBody>
       </p:sp>
@@ -14108,7 +15164,7 @@
       </p:grpSpPr>
       <p:sp>
         <p:nvSpPr>
-          <p:cNvPr id="184" name="Shape 184"/>
+          <p:cNvPr id="177" name="Shape 177"/>
           <p:cNvSpPr/>
           <p:nvPr>
             <p:ph type="title"/>
@@ -14140,7 +15196,7 @@
       </p:sp>
       <p:sp>
         <p:nvSpPr>
-          <p:cNvPr id="185" name="Shape 185"/>
+          <p:cNvPr id="178" name="Shape 178"/>
           <p:cNvSpPr/>
           <p:nvPr/>
         </p:nvSpPr>
@@ -14199,14 +15255,51 @@
               <a:defRPr sz="3600"/>
             </a:pPr>
             <a:r>
-              <a:t>Generally, the margin of error decreases as the population size gets bigger.  This may mean looking at a larger geography, a more general group of people or data collected over a larger time span. </a:t>
-            </a:r>
-          </a:p>
-        </p:txBody>
-      </p:sp>
-      <p:sp>
-        <p:nvSpPr>
-          <p:cNvPr id="186" name="Shape 186"/>
+              <a:t>Margin of error shows the source’s confidence in it’s estimations. In this example:</a:t>
+            </a:r>
+          </a:p>
+          <a:p>
+            <a:pPr algn="l">
+              <a:defRPr sz="3600"/>
+            </a:pPr>
+            <a:r>
+              <a:t>Census is 90% confident the right number is between (estimate - margin of error) and (estimate + margin of error)</a:t>
+            </a:r>
+          </a:p>
+        </p:txBody>
+      </p:sp>
+      <p:pic>
+        <p:nvPicPr>
+          <p:cNvPr id="179" name="Screen Shot 2016-02-23 at 8.32.24 PM.png"/>
+          <p:cNvPicPr>
+            <a:picLocks noChangeAspect="1"/>
+          </p:cNvPicPr>
+          <p:nvPr/>
+        </p:nvPicPr>
+        <p:blipFill>
+          <a:blip r:embed="rId2">
+            <a:extLst/>
+          </a:blip>
+          <a:stretch>
+            <a:fillRect/>
+          </a:stretch>
+        </p:blipFill>
+        <p:spPr>
+          <a:xfrm>
+            <a:off x="2010248" y="3489983"/>
+            <a:ext cx="8581345" cy="2371957"/>
+          </a:xfrm>
+          <a:prstGeom prst="rect">
+            <a:avLst/>
+          </a:prstGeom>
+          <a:ln w="12700">
+            <a:miter lim="400000"/>
+          </a:ln>
+        </p:spPr>
+      </p:pic>
+      <p:sp>
+        <p:nvSpPr>
+          <p:cNvPr id="180" name="Shape 180"/>
           <p:cNvSpPr/>
           <p:nvPr/>
         </p:nvSpPr>
@@ -14250,7 +15343,7 @@
       </p:sp>
       <p:sp>
         <p:nvSpPr>
-          <p:cNvPr id="187" name="Shape 187"/>
+          <p:cNvPr id="181" name="Shape 181"/>
           <p:cNvSpPr/>
           <p:nvPr/>
         </p:nvSpPr>
@@ -14266,7 +15359,7 @@
             </a:avLst>
           </a:prstGeom>
           <a:blipFill>
-            <a:blip r:embed="rId2"/>
+            <a:blip r:embed="rId3"/>
           </a:blipFill>
           <a:ln w="12700">
             <a:miter lim="400000"/>
@@ -14288,7 +15381,7 @@
       </p:sp>
       <p:sp>
         <p:nvSpPr>
-          <p:cNvPr id="188" name="Shape 188"/>
+          <p:cNvPr id="182" name="Shape 182"/>
           <p:cNvSpPr/>
           <p:nvPr/>
         </p:nvSpPr>
@@ -14332,7 +15425,7 @@
       </p:sp>
       <p:sp>
         <p:nvSpPr>
-          <p:cNvPr id="189" name="Shape 189"/>
+          <p:cNvPr id="183" name="Shape 183"/>
           <p:cNvSpPr/>
           <p:nvPr/>
         </p:nvSpPr>
@@ -14376,7 +15469,7 @@
       </p:sp>
       <p:sp>
         <p:nvSpPr>
-          <p:cNvPr id="190" name="Shape 190"/>
+          <p:cNvPr id="184" name="Shape 184"/>
           <p:cNvSpPr/>
           <p:nvPr/>
         </p:nvSpPr>
@@ -14392,7 +15485,7 @@
             </a:avLst>
           </a:prstGeom>
           <a:blipFill>
-            <a:blip r:embed="rId2"/>
+            <a:blip r:embed="rId3"/>
           </a:blipFill>
           <a:ln w="12700">
             <a:miter lim="400000"/>
@@ -14414,14 +15507,14 @@
       </p:sp>
       <p:sp>
         <p:nvSpPr>
-          <p:cNvPr id="191" name="Shape 191"/>
-          <p:cNvSpPr/>
-          <p:nvPr/>
-        </p:nvSpPr>
-        <p:spPr>
-          <a:xfrm>
-            <a:off x="6841029" y="6146577"/>
-            <a:ext cx="3864191" cy="341839"/>
+          <p:cNvPr id="185" name="Shape 185"/>
+          <p:cNvSpPr/>
+          <p:nvPr/>
+        </p:nvSpPr>
+        <p:spPr>
+          <a:xfrm>
+            <a:off x="8018833" y="5975880"/>
+            <a:ext cx="3864190" cy="341839"/>
           </a:xfrm>
           <a:prstGeom prst="rect">
             <a:avLst/>
@@ -14459,35 +15552,6 @@
           </a:p>
         </p:txBody>
       </p:sp>
-      <p:pic>
-        <p:nvPicPr>
-          <p:cNvPr id="192" name="Screen Shot 2016-02-28 at 10.18.23 AM.png"/>
-          <p:cNvPicPr>
-            <a:picLocks noChangeAspect="1"/>
-          </p:cNvPicPr>
-          <p:nvPr/>
-        </p:nvPicPr>
-        <p:blipFill>
-          <a:blip r:embed="rId3">
-            <a:extLst/>
-          </a:blip>
-          <a:stretch>
-            <a:fillRect/>
-          </a:stretch>
-        </p:blipFill>
-        <p:spPr>
-          <a:xfrm>
-            <a:off x="2420433" y="3294353"/>
-            <a:ext cx="7195878" cy="2893000"/>
-          </a:xfrm>
-          <a:prstGeom prst="rect">
-            <a:avLst/>
-          </a:prstGeom>
-          <a:ln w="12700">
-            <a:miter lim="400000"/>
-          </a:ln>
-        </p:spPr>
-      </p:pic>
     </p:spTree>
   </p:cSld>
   <p:clrMapOvr>
@@ -14516,7 +15580,7 @@
       </p:grpSpPr>
       <p:sp>
         <p:nvSpPr>
-          <p:cNvPr id="194" name="Shape 194"/>
+          <p:cNvPr id="187" name="Shape 187"/>
           <p:cNvSpPr/>
           <p:nvPr>
             <p:ph type="title"/>
@@ -14529,43 +15593,33 @@
         </p:spPr>
         <p:txBody>
           <a:bodyPr/>
-          <a:lstStyle/>
-          <a:p>
-            <a:pPr defTabSz="484886">
-              <a:defRPr spc="-122" sz="6142">
+          <a:lstStyle>
+            <a:lvl1pPr>
+              <a:defRPr spc="-148" sz="7400">
                 <a:solidFill>
                   <a:srgbClr val="D81E00"/>
                 </a:solidFill>
               </a:defRPr>
-            </a:pPr>
-            <a:r>
-              <a:t>Should I viz </a:t>
-            </a:r>
-          </a:p>
-          <a:p>
-            <a:pPr defTabSz="484886">
-              <a:defRPr spc="-122" sz="6142">
-                <a:solidFill>
-                  <a:srgbClr val="D81E00"/>
-                </a:solidFill>
-              </a:defRPr>
-            </a:pPr>
-            <a:r>
-              <a:t>this data?</a:t>
-            </a:r>
-          </a:p>
-        </p:txBody>
-      </p:sp>
-      <p:sp>
-        <p:nvSpPr>
-          <p:cNvPr id="195" name="Shape 195"/>
-          <p:cNvSpPr/>
-          <p:nvPr/>
-        </p:nvSpPr>
-        <p:spPr>
-          <a:xfrm>
-            <a:off x="107983" y="2749549"/>
-            <a:ext cx="4939308" cy="5511801"/>
+            </a:lvl1pPr>
+          </a:lstStyle>
+          <a:p>
+            <a:pPr/>
+            <a:r>
+              <a:t>Should I viz this data?</a:t>
+            </a:r>
+          </a:p>
+        </p:txBody>
+      </p:sp>
+      <p:sp>
+        <p:nvSpPr>
+          <p:cNvPr id="188" name="Shape 188"/>
+          <p:cNvSpPr/>
+          <p:nvPr/>
+        </p:nvSpPr>
+        <p:spPr>
+          <a:xfrm>
+            <a:off x="355599" y="2513509"/>
+            <a:ext cx="12293602" cy="6299201"/>
           </a:xfrm>
           <a:prstGeom prst="rect">
             <a:avLst/>
@@ -14580,86 +15634,313 @@
           </a:extLst>
         </p:spPr>
         <p:txBody>
+          <a:bodyPr lIns="50800" tIns="50800" rIns="50800" bIns="50800" anchor="ctr">
+            <a:spAutoFit/>
+          </a:bodyPr>
+          <a:lstStyle/>
+          <a:p>
+            <a:pPr algn="l">
+              <a:defRPr sz="4800"/>
+            </a:pPr>
+            <a:r>
+              <a:t>How accurate are these estimations?</a:t>
+            </a:r>
+          </a:p>
+          <a:p>
+            <a:pPr algn="l">
+              <a:defRPr b="1" sz="4800"/>
+            </a:pPr>
+          </a:p>
+          <a:p>
+            <a:pPr algn="l">
+              <a:defRPr b="1" sz="4800"/>
+            </a:pPr>
+          </a:p>
+          <a:p>
+            <a:pPr algn="l">
+              <a:defRPr b="1" sz="4800"/>
+            </a:pPr>
+          </a:p>
+          <a:p>
+            <a:pPr algn="l">
+              <a:defRPr sz="3600"/>
+            </a:pPr>
+          </a:p>
+          <a:p>
+            <a:pPr algn="l">
+              <a:defRPr sz="3600"/>
+            </a:pPr>
+            <a:r>
+              <a:t>Generally, the margin of error decreases as the population size gets bigger.  This may mean looking at a larger geography, a more general group of people or data collected over a larger time span. </a:t>
+            </a:r>
+          </a:p>
+        </p:txBody>
+      </p:sp>
+      <p:sp>
+        <p:nvSpPr>
+          <p:cNvPr id="189" name="Shape 189"/>
+          <p:cNvSpPr/>
+          <p:nvPr/>
+        </p:nvSpPr>
+        <p:spPr>
+          <a:xfrm>
+            <a:off x="1072593" y="9135533"/>
+            <a:ext cx="2885779" cy="533401"/>
+          </a:xfrm>
+          <a:prstGeom prst="rect">
+            <a:avLst/>
+          </a:prstGeom>
+          <a:ln w="12700">
+            <a:miter lim="400000"/>
+          </a:ln>
+          <a:extLst>
+            <a:ext uri="{C572A759-6A51-4108-AA02-DFA0A04FC94B}">
+              <ma14:wrappingTextBoxFlag xmlns:ma14="http://schemas.microsoft.com/office/mac/drawingml/2011/main" val="1"/>
+            </a:ext>
+          </a:extLst>
+        </p:spPr>
+        <p:txBody>
+          <a:bodyPr lIns="50800" tIns="50800" rIns="50800" bIns="50800" anchor="ctr">
+            <a:spAutoFit/>
+          </a:bodyPr>
+          <a:lstStyle>
+            <a:lvl1pPr>
+              <a:defRPr sz="2600">
+                <a:solidFill>
+                  <a:srgbClr val="0A121C"/>
+                </a:solidFill>
+              </a:defRPr>
+            </a:lvl1pPr>
+          </a:lstStyle>
+          <a:p>
+            <a:pPr/>
+            <a:r>
+              <a:t>Select Your Data</a:t>
+            </a:r>
+          </a:p>
+        </p:txBody>
+      </p:sp>
+      <p:sp>
+        <p:nvSpPr>
+          <p:cNvPr id="190" name="Shape 190"/>
+          <p:cNvSpPr/>
+          <p:nvPr/>
+        </p:nvSpPr>
+        <p:spPr>
+          <a:xfrm>
+            <a:off x="3937745" y="9276754"/>
+            <a:ext cx="383260" cy="274440"/>
+          </a:xfrm>
+          <a:prstGeom prst="rightArrow">
+            <a:avLst>
+              <a:gd name="adj1" fmla="val 32000"/>
+              <a:gd name="adj2" fmla="val 97503"/>
+            </a:avLst>
+          </a:prstGeom>
+          <a:blipFill>
+            <a:blip r:embed="rId2"/>
+          </a:blipFill>
+          <a:ln w="12700">
+            <a:miter lim="400000"/>
+          </a:ln>
+        </p:spPr>
+        <p:txBody>
+          <a:bodyPr lIns="50800" tIns="50800" rIns="50800" bIns="50800" anchor="ctr"/>
+          <a:lstStyle/>
+          <a:p>
+            <a:pPr>
+              <a:defRPr>
+                <a:solidFill>
+                  <a:srgbClr val="9F9F9F"/>
+                </a:solidFill>
+              </a:defRPr>
+            </a:pPr>
+          </a:p>
+        </p:txBody>
+      </p:sp>
+      <p:sp>
+        <p:nvSpPr>
+          <p:cNvPr id="191" name="Shape 191"/>
+          <p:cNvSpPr/>
+          <p:nvPr/>
+        </p:nvSpPr>
+        <p:spPr>
+          <a:xfrm>
+            <a:off x="4428726" y="9110133"/>
+            <a:ext cx="3179292" cy="533401"/>
+          </a:xfrm>
+          <a:prstGeom prst="rect">
+            <a:avLst/>
+          </a:prstGeom>
+          <a:ln w="12700">
+            <a:miter lim="400000"/>
+          </a:ln>
+          <a:extLst>
+            <a:ext uri="{C572A759-6A51-4108-AA02-DFA0A04FC94B}">
+              <ma14:wrappingTextBoxFlag xmlns:ma14="http://schemas.microsoft.com/office/mac/drawingml/2011/main" val="1"/>
+            </a:ext>
+          </a:extLst>
+        </p:spPr>
+        <p:txBody>
           <a:bodyPr wrap="none" lIns="50800" tIns="50800" rIns="50800" bIns="50800" anchor="ctr">
             <a:spAutoFit/>
           </a:bodyPr>
+          <a:lstStyle>
+            <a:lvl1pPr>
+              <a:defRPr sz="2600">
+                <a:solidFill>
+                  <a:srgbClr val="9F9F9F"/>
+                </a:solidFill>
+              </a:defRPr>
+            </a:lvl1pPr>
+          </a:lstStyle>
+          <a:p>
+            <a:pPr/>
+            <a:r>
+              <a:t>Transform Your Data</a:t>
+            </a:r>
+          </a:p>
+        </p:txBody>
+      </p:sp>
+      <p:sp>
+        <p:nvSpPr>
+          <p:cNvPr id="192" name="Shape 192"/>
+          <p:cNvSpPr/>
+          <p:nvPr/>
+        </p:nvSpPr>
+        <p:spPr>
+          <a:xfrm>
+            <a:off x="8246407" y="9110133"/>
+            <a:ext cx="3002906" cy="533401"/>
+          </a:xfrm>
+          <a:prstGeom prst="rect">
+            <a:avLst/>
+          </a:prstGeom>
+          <a:ln w="12700">
+            <a:miter lim="400000"/>
+          </a:ln>
+          <a:extLst>
+            <a:ext uri="{C572A759-6A51-4108-AA02-DFA0A04FC94B}">
+              <ma14:wrappingTextBoxFlag xmlns:ma14="http://schemas.microsoft.com/office/mac/drawingml/2011/main" val="1"/>
+            </a:ext>
+          </a:extLst>
+        </p:spPr>
+        <p:txBody>
+          <a:bodyPr wrap="none" lIns="50800" tIns="50800" rIns="50800" bIns="50800" anchor="ctr">
+            <a:spAutoFit/>
+          </a:bodyPr>
+          <a:lstStyle>
+            <a:lvl1pPr>
+              <a:defRPr sz="2600">
+                <a:solidFill>
+                  <a:srgbClr val="9F9F9F"/>
+                </a:solidFill>
+              </a:defRPr>
+            </a:lvl1pPr>
+          </a:lstStyle>
+          <a:p>
+            <a:pPr/>
+            <a:r>
+              <a:t>Visualize Your Data</a:t>
+            </a:r>
+          </a:p>
+        </p:txBody>
+      </p:sp>
+      <p:sp>
+        <p:nvSpPr>
+          <p:cNvPr id="193" name="Shape 193"/>
+          <p:cNvSpPr/>
+          <p:nvPr/>
+        </p:nvSpPr>
+        <p:spPr>
+          <a:xfrm>
+            <a:off x="7735582" y="9276754"/>
+            <a:ext cx="383261" cy="274440"/>
+          </a:xfrm>
+          <a:prstGeom prst="rightArrow">
+            <a:avLst>
+              <a:gd name="adj1" fmla="val 32000"/>
+              <a:gd name="adj2" fmla="val 97503"/>
+            </a:avLst>
+          </a:prstGeom>
+          <a:blipFill>
+            <a:blip r:embed="rId2"/>
+          </a:blipFill>
+          <a:ln w="12700">
+            <a:miter lim="400000"/>
+          </a:ln>
+        </p:spPr>
+        <p:txBody>
+          <a:bodyPr lIns="50800" tIns="50800" rIns="50800" bIns="50800" anchor="ctr"/>
           <a:lstStyle/>
           <a:p>
-            <a:pPr algn="l">
-              <a:defRPr sz="4800"/>
-            </a:pPr>
-            <a:r>
-              <a:t>Is the data </a:t>
-            </a:r>
-          </a:p>
-          <a:p>
-            <a:pPr algn="l">
-              <a:defRPr sz="4800"/>
-            </a:pPr>
-            <a:r>
-              <a:t>representative of </a:t>
-            </a:r>
-          </a:p>
-          <a:p>
-            <a:pPr algn="l">
-              <a:defRPr sz="4800"/>
-            </a:pPr>
-            <a:r>
-              <a:t>the population?</a:t>
-            </a:r>
-          </a:p>
-          <a:p>
-            <a:pPr algn="l">
-              <a:defRPr sz="3600"/>
-            </a:pPr>
-            <a:r>
-              <a:t>The Vision Zero Safety</a:t>
-            </a:r>
-          </a:p>
-          <a:p>
-            <a:pPr algn="l">
-              <a:defRPr sz="3600"/>
-            </a:pPr>
-            <a:r>
-              <a:t>Map shows locations</a:t>
-            </a:r>
-          </a:p>
-          <a:p>
-            <a:pPr algn="l">
-              <a:defRPr sz="3600"/>
-            </a:pPr>
-            <a:r>
-              <a:t>people have self-</a:t>
-            </a:r>
-          </a:p>
-          <a:p>
-            <a:pPr algn="l">
-              <a:defRPr sz="3600"/>
-            </a:pPr>
-            <a:r>
-              <a:t>reported online as </a:t>
-            </a:r>
-          </a:p>
-          <a:p>
-            <a:pPr algn="l">
-              <a:defRPr sz="3600"/>
-            </a:pPr>
-            <a:r>
-              <a:t>hazardous.</a:t>
+            <a:pPr>
+              <a:defRPr>
+                <a:solidFill>
+                  <a:srgbClr val="9F9F9F"/>
+                </a:solidFill>
+              </a:defRPr>
+            </a:pPr>
+          </a:p>
+        </p:txBody>
+      </p:sp>
+      <p:sp>
+        <p:nvSpPr>
+          <p:cNvPr id="194" name="Shape 194"/>
+          <p:cNvSpPr/>
+          <p:nvPr/>
+        </p:nvSpPr>
+        <p:spPr>
+          <a:xfrm>
+            <a:off x="6841029" y="6146577"/>
+            <a:ext cx="3864191" cy="341839"/>
+          </a:xfrm>
+          <a:prstGeom prst="rect">
+            <a:avLst/>
+          </a:prstGeom>
+          <a:ln w="12700">
+            <a:miter lim="400000"/>
+          </a:ln>
+          <a:extLst>
+            <a:ext uri="{C572A759-6A51-4108-AA02-DFA0A04FC94B}">
+              <ma14:wrappingTextBoxFlag xmlns:ma14="http://schemas.microsoft.com/office/mac/drawingml/2011/main" val="1"/>
+            </a:ext>
+          </a:extLst>
+        </p:spPr>
+        <p:txBody>
+          <a:bodyPr lIns="50800" tIns="50800" rIns="50800" bIns="50800">
+            <a:normAutofit fontScale="100000" lnSpcReduction="0"/>
+          </a:bodyPr>
+          <a:lstStyle>
+            <a:lvl1pPr algn="l" defTabSz="350520">
+              <a:spcBef>
+                <a:spcPts val="600"/>
+              </a:spcBef>
+              <a:defRPr sz="1440">
+                <a:solidFill>
+                  <a:srgbClr val="5C86B9"/>
+                </a:solidFill>
+              </a:defRPr>
+            </a:lvl1pPr>
+          </a:lstStyle>
+          <a:p>
+            <a:pPr/>
+            <a:r>
+              <a:t>Source: Census American Community Survey</a:t>
             </a:r>
           </a:p>
         </p:txBody>
       </p:sp>
       <p:pic>
         <p:nvPicPr>
-          <p:cNvPr id="196" name="Screen Shot 2016-02-23 at 8.39.06 PM.png"/>
+          <p:cNvPr id="195" name="Screen Shot 2016-02-28 at 10.18.23 AM.png"/>
           <p:cNvPicPr>
             <a:picLocks noChangeAspect="1"/>
           </p:cNvPicPr>
           <p:nvPr/>
         </p:nvPicPr>
         <p:blipFill>
-          <a:blip r:embed="rId2">
+          <a:blip r:embed="rId3">
             <a:extLst/>
           </a:blip>
           <a:stretch>
@@ -14668,8 +15949,8 @@
         </p:blipFill>
         <p:spPr>
           <a:xfrm>
-            <a:off x="5217385" y="1336867"/>
-            <a:ext cx="7716811" cy="7079866"/>
+            <a:off x="2420433" y="3294353"/>
+            <a:ext cx="7195878" cy="2893000"/>
           </a:xfrm>
           <a:prstGeom prst="rect">
             <a:avLst/>
@@ -14679,261 +15960,6 @@
           </a:ln>
         </p:spPr>
       </p:pic>
-      <p:sp>
-        <p:nvSpPr>
-          <p:cNvPr id="197" name="Shape 197"/>
-          <p:cNvSpPr/>
-          <p:nvPr/>
-        </p:nvSpPr>
-        <p:spPr>
-          <a:xfrm>
-            <a:off x="1072593" y="9135533"/>
-            <a:ext cx="2885779" cy="533401"/>
-          </a:xfrm>
-          <a:prstGeom prst="rect">
-            <a:avLst/>
-          </a:prstGeom>
-          <a:ln w="12700">
-            <a:miter lim="400000"/>
-          </a:ln>
-          <a:extLst>
-            <a:ext uri="{C572A759-6A51-4108-AA02-DFA0A04FC94B}">
-              <ma14:wrappingTextBoxFlag xmlns:ma14="http://schemas.microsoft.com/office/mac/drawingml/2011/main" val="1"/>
-            </a:ext>
-          </a:extLst>
-        </p:spPr>
-        <p:txBody>
-          <a:bodyPr lIns="50800" tIns="50800" rIns="50800" bIns="50800" anchor="ctr">
-            <a:spAutoFit/>
-          </a:bodyPr>
-          <a:lstStyle>
-            <a:lvl1pPr>
-              <a:defRPr sz="2600">
-                <a:solidFill>
-                  <a:srgbClr val="0A121C"/>
-                </a:solidFill>
-              </a:defRPr>
-            </a:lvl1pPr>
-          </a:lstStyle>
-          <a:p>
-            <a:pPr/>
-            <a:r>
-              <a:t>Select Your Data</a:t>
-            </a:r>
-          </a:p>
-        </p:txBody>
-      </p:sp>
-      <p:sp>
-        <p:nvSpPr>
-          <p:cNvPr id="198" name="Shape 198"/>
-          <p:cNvSpPr/>
-          <p:nvPr/>
-        </p:nvSpPr>
-        <p:spPr>
-          <a:xfrm>
-            <a:off x="3937745" y="9276754"/>
-            <a:ext cx="383260" cy="274440"/>
-          </a:xfrm>
-          <a:prstGeom prst="rightArrow">
-            <a:avLst>
-              <a:gd name="adj1" fmla="val 32000"/>
-              <a:gd name="adj2" fmla="val 97503"/>
-            </a:avLst>
-          </a:prstGeom>
-          <a:blipFill>
-            <a:blip r:embed="rId3"/>
-          </a:blipFill>
-          <a:ln w="12700">
-            <a:miter lim="400000"/>
-          </a:ln>
-        </p:spPr>
-        <p:txBody>
-          <a:bodyPr lIns="50800" tIns="50800" rIns="50800" bIns="50800" anchor="ctr"/>
-          <a:lstStyle/>
-          <a:p>
-            <a:pPr>
-              <a:defRPr>
-                <a:solidFill>
-                  <a:srgbClr val="9F9F9F"/>
-                </a:solidFill>
-              </a:defRPr>
-            </a:pPr>
-          </a:p>
-        </p:txBody>
-      </p:sp>
-      <p:sp>
-        <p:nvSpPr>
-          <p:cNvPr id="199" name="Shape 199"/>
-          <p:cNvSpPr/>
-          <p:nvPr/>
-        </p:nvSpPr>
-        <p:spPr>
-          <a:xfrm>
-            <a:off x="4428726" y="9110133"/>
-            <a:ext cx="3179292" cy="533401"/>
-          </a:xfrm>
-          <a:prstGeom prst="rect">
-            <a:avLst/>
-          </a:prstGeom>
-          <a:ln w="12700">
-            <a:miter lim="400000"/>
-          </a:ln>
-          <a:extLst>
-            <a:ext uri="{C572A759-6A51-4108-AA02-DFA0A04FC94B}">
-              <ma14:wrappingTextBoxFlag xmlns:ma14="http://schemas.microsoft.com/office/mac/drawingml/2011/main" val="1"/>
-            </a:ext>
-          </a:extLst>
-        </p:spPr>
-        <p:txBody>
-          <a:bodyPr wrap="none" lIns="50800" tIns="50800" rIns="50800" bIns="50800" anchor="ctr">
-            <a:spAutoFit/>
-          </a:bodyPr>
-          <a:lstStyle>
-            <a:lvl1pPr>
-              <a:defRPr sz="2600">
-                <a:solidFill>
-                  <a:srgbClr val="9F9F9F"/>
-                </a:solidFill>
-              </a:defRPr>
-            </a:lvl1pPr>
-          </a:lstStyle>
-          <a:p>
-            <a:pPr/>
-            <a:r>
-              <a:t>Transform Your Data</a:t>
-            </a:r>
-          </a:p>
-        </p:txBody>
-      </p:sp>
-      <p:sp>
-        <p:nvSpPr>
-          <p:cNvPr id="200" name="Shape 200"/>
-          <p:cNvSpPr/>
-          <p:nvPr/>
-        </p:nvSpPr>
-        <p:spPr>
-          <a:xfrm>
-            <a:off x="8246407" y="9110133"/>
-            <a:ext cx="3002906" cy="533401"/>
-          </a:xfrm>
-          <a:prstGeom prst="rect">
-            <a:avLst/>
-          </a:prstGeom>
-          <a:ln w="12700">
-            <a:miter lim="400000"/>
-          </a:ln>
-          <a:extLst>
-            <a:ext uri="{C572A759-6A51-4108-AA02-DFA0A04FC94B}">
-              <ma14:wrappingTextBoxFlag xmlns:ma14="http://schemas.microsoft.com/office/mac/drawingml/2011/main" val="1"/>
-            </a:ext>
-          </a:extLst>
-        </p:spPr>
-        <p:txBody>
-          <a:bodyPr wrap="none" lIns="50800" tIns="50800" rIns="50800" bIns="50800" anchor="ctr">
-            <a:spAutoFit/>
-          </a:bodyPr>
-          <a:lstStyle>
-            <a:lvl1pPr>
-              <a:defRPr sz="2600">
-                <a:solidFill>
-                  <a:srgbClr val="9F9F9F"/>
-                </a:solidFill>
-              </a:defRPr>
-            </a:lvl1pPr>
-          </a:lstStyle>
-          <a:p>
-            <a:pPr/>
-            <a:r>
-              <a:t>Visualize Your Data</a:t>
-            </a:r>
-          </a:p>
-        </p:txBody>
-      </p:sp>
-      <p:sp>
-        <p:nvSpPr>
-          <p:cNvPr id="201" name="Shape 201"/>
-          <p:cNvSpPr/>
-          <p:nvPr/>
-        </p:nvSpPr>
-        <p:spPr>
-          <a:xfrm>
-            <a:off x="7735582" y="9276754"/>
-            <a:ext cx="383261" cy="274440"/>
-          </a:xfrm>
-          <a:prstGeom prst="rightArrow">
-            <a:avLst>
-              <a:gd name="adj1" fmla="val 32000"/>
-              <a:gd name="adj2" fmla="val 97503"/>
-            </a:avLst>
-          </a:prstGeom>
-          <a:blipFill>
-            <a:blip r:embed="rId3"/>
-          </a:blipFill>
-          <a:ln w="12700">
-            <a:miter lim="400000"/>
-          </a:ln>
-        </p:spPr>
-        <p:txBody>
-          <a:bodyPr lIns="50800" tIns="50800" rIns="50800" bIns="50800" anchor="ctr"/>
-          <a:lstStyle/>
-          <a:p>
-            <a:pPr>
-              <a:defRPr>
-                <a:solidFill>
-                  <a:srgbClr val="9F9F9F"/>
-                </a:solidFill>
-              </a:defRPr>
-            </a:pPr>
-          </a:p>
-        </p:txBody>
-      </p:sp>
-      <p:sp>
-        <p:nvSpPr>
-          <p:cNvPr id="202" name="Shape 202"/>
-          <p:cNvSpPr/>
-          <p:nvPr/>
-        </p:nvSpPr>
-        <p:spPr>
-          <a:xfrm>
-            <a:off x="5167274" y="8452322"/>
-            <a:ext cx="6186591" cy="341839"/>
-          </a:xfrm>
-          <a:prstGeom prst="rect">
-            <a:avLst/>
-          </a:prstGeom>
-          <a:ln w="12700">
-            <a:miter lim="400000"/>
-          </a:ln>
-          <a:extLst>
-            <a:ext uri="{C572A759-6A51-4108-AA02-DFA0A04FC94B}">
-              <ma14:wrappingTextBoxFlag xmlns:ma14="http://schemas.microsoft.com/office/mac/drawingml/2011/main" val="1"/>
-            </a:ext>
-          </a:extLst>
-        </p:spPr>
-        <p:txBody>
-          <a:bodyPr lIns="50800" tIns="50800" rIns="50800" bIns="50800">
-            <a:normAutofit fontScale="100000" lnSpcReduction="0"/>
-          </a:bodyPr>
-          <a:lstStyle>
-            <a:lvl1pPr algn="l" defTabSz="368045">
-              <a:spcBef>
-                <a:spcPts val="600"/>
-              </a:spcBef>
-              <a:defRPr sz="1512">
-                <a:solidFill>
-                  <a:srgbClr val="5C86B9"/>
-                </a:solidFill>
-              </a:defRPr>
-            </a:lvl1pPr>
-          </a:lstStyle>
-          <a:p>
-            <a:pPr/>
-            <a:r>
-              <a:t>Source: DataLensDC</a:t>
-            </a:r>
-          </a:p>
-        </p:txBody>
-      </p:sp>
     </p:spTree>
   </p:cSld>
   <p:clrMapOvr>
